--- a/posters/qii_brandeis_meeting.pptx
+++ b/posters/qii_brandeis_meeting.pptx
@@ -241,7 +241,7 @@
           <a:p>
             <a:fld id="{FF0C27CE-34D0-44BE-9471-89A89B57AB73}" type="datetimeFigureOut">
               <a:rPr lang="en-US" smtClean="0"/>
-              <a:t>10/15/16</a:t>
+              <a:t>10/18/16</a:t>
             </a:fld>
             <a:endParaRPr lang="en-US"/>
           </a:p>
@@ -408,7 +408,7 @@
             <a:fld id="{016E2924-BE7C-4B39-9487-1BDE9D12191D}" type="datetimeFigureOut">
               <a:rPr lang="en-US" smtClean="0"/>
               <a:pPr/>
-              <a:t>10/15/16</a:t>
+              <a:t>10/18/16</a:t>
             </a:fld>
             <a:endParaRPr lang="en-US"/>
           </a:p>
@@ -4563,14 +4563,14 @@
           </a:ln>
           <a:extLst>
             <a:ext uri="{909E8E84-426E-40dd-AFC4-6F175D3DCCD1}">
-              <a14:hiddenFill xmlns="" xmlns:a14="http://schemas.microsoft.com/office/drawing/2010/main">
+              <a14:hiddenFill xmlns:a14="http://schemas.microsoft.com/office/drawing/2010/main" xmlns="">
                 <a:solidFill>
                   <a:srgbClr val="FFFFFF"/>
                 </a:solidFill>
               </a14:hiddenFill>
             </a:ext>
             <a:ext uri="{91240B29-F687-4f45-9708-019B960494DF}">
-              <a14:hiddenLine xmlns="" xmlns:a14="http://schemas.microsoft.com/office/drawing/2010/main" w="9525">
+              <a14:hiddenLine xmlns:a14="http://schemas.microsoft.com/office/drawing/2010/main" xmlns="" w="9525">
                 <a:solidFill>
                   <a:srgbClr val="000000"/>
                 </a:solidFill>
@@ -4590,8 +4590,8 @@
         </p:nvSpPr>
         <p:spPr>
           <a:xfrm>
-            <a:off x="812752" y="41635485"/>
-            <a:ext cx="11978640" cy="1639563"/>
+            <a:off x="685801" y="41635485"/>
+            <a:ext cx="12132757" cy="1639563"/>
           </a:xfrm>
           <a:prstGeom prst="rect">
             <a:avLst/>
@@ -4619,7 +4619,56 @@
                 <a:latin typeface="Avenir Light"/>
                 <a:cs typeface="Avenir Light"/>
               </a:rPr>
-              <a:t>Anupam Datta, Shayak Sen, Yair Zick. Algorithmic Transparency via Quantitative Input Influence. Oakland’16 </a:t>
+              <a:t>Anupam Datta, Shayak Sen, </a:t>
+            </a:r>
+            <a:r>
+              <a:rPr lang="en-US" sz="3360" dirty="0" err="1">
+                <a:latin typeface="Avenir Light"/>
+                <a:cs typeface="Avenir Light"/>
+              </a:rPr>
+              <a:t>Yair</a:t>
+            </a:r>
+            <a:r>
+              <a:rPr lang="en-US" sz="3360" dirty="0">
+                <a:latin typeface="Avenir Light"/>
+                <a:cs typeface="Avenir Light"/>
+              </a:rPr>
+              <a:t> </a:t>
+            </a:r>
+            <a:r>
+              <a:rPr lang="en-US" sz="3360" dirty="0" err="1" smtClean="0">
+                <a:latin typeface="Avenir Light"/>
+                <a:cs typeface="Avenir Light"/>
+              </a:rPr>
+              <a:t>Zick</a:t>
+            </a:r>
+            <a:r>
+              <a:rPr lang="en-US" sz="3360" dirty="0" smtClean="0">
+                <a:latin typeface="Avenir Light"/>
+                <a:cs typeface="Avenir Light"/>
+              </a:rPr>
+              <a:t>. Algorithmic </a:t>
+            </a:r>
+            <a:r>
+              <a:rPr lang="en-US" sz="3360" dirty="0">
+                <a:latin typeface="Avenir Light"/>
+                <a:cs typeface="Avenir Light"/>
+              </a:rPr>
+              <a:t>Transparency </a:t>
+            </a:r>
+            <a:r>
+              <a:rPr lang="en-US" sz="3360" dirty="0" smtClean="0">
+                <a:latin typeface="Avenir Light"/>
+                <a:cs typeface="Avenir Light"/>
+              </a:rPr>
+              <a:t>via </a:t>
+            </a:r>
+            <a:r>
+              <a:rPr lang="en-US" sz="3360" dirty="0">
+                <a:latin typeface="Avenir Light"/>
+                <a:cs typeface="Avenir Light"/>
+              </a:rPr>
+              <a:t>Quantitative Input Influence. Oakland’16 </a:t>
             </a:r>
           </a:p>
         </p:txBody>
@@ -5270,7 +5319,7 @@
         </p:blipFill>
         <p:spPr>
           <a:xfrm>
-            <a:off x="1572405" y="24657435"/>
+            <a:off x="1219200" y="24657435"/>
             <a:ext cx="9641378" cy="7298532"/>
           </a:xfrm>
           <a:prstGeom prst="rect">
@@ -5287,13 +5336,13 @@
           <p:nvPr>
             <p:extLst>
               <p:ext uri="{D42A27DB-BD31-4B8C-83A1-F6EECF244321}">
-                <p14:modId xmlns:p14="http://schemas.microsoft.com/office/powerpoint/2010/main" val="553148508"/>
+                <p14:modId xmlns:p14="http://schemas.microsoft.com/office/powerpoint/2010/main" val="1972969577"/>
               </p:ext>
             </p:extLst>
           </p:nvPr>
         </p:nvGraphicFramePr>
         <p:xfrm>
-          <a:off x="11049000" y="25179877"/>
+          <a:off x="10695795" y="25179877"/>
           <a:ext cx="5512434" cy="5031600"/>
         </p:xfrm>
         <a:graphic>
@@ -5304,14 +5353,14 @@
                 <a:gridCol w="3673769">
                   <a:extLst>
                     <a:ext uri="{9D8B030D-6E8A-4147-A177-3AD203B41FA5}">
-                      <a16:colId xmlns:a16="http://schemas.microsoft.com/office/drawing/2014/main" xmlns="" val="20000"/>
+                      <a16:colId xmlns="" xmlns:a16="http://schemas.microsoft.com/office/drawing/2014/main" val="20000"/>
                     </a:ext>
                   </a:extLst>
                 </a:gridCol>
                 <a:gridCol w="1838665">
                   <a:extLst>
                     <a:ext uri="{9D8B030D-6E8A-4147-A177-3AD203B41FA5}">
-                      <a16:colId xmlns:a16="http://schemas.microsoft.com/office/drawing/2014/main" xmlns="" val="20001"/>
+                      <a16:colId xmlns="" xmlns:a16="http://schemas.microsoft.com/office/drawing/2014/main" val="20001"/>
                     </a:ext>
                   </a:extLst>
                 </a:gridCol>
@@ -5559,7 +5608,7 @@
                 </a:tc>
                 <a:extLst>
                   <a:ext uri="{0D108BD9-81ED-4DB2-BD59-A6C34878D82A}">
-                    <a16:rowId xmlns:a16="http://schemas.microsoft.com/office/drawing/2014/main" xmlns="" val="10000"/>
+                    <a16:rowId xmlns="" xmlns:a16="http://schemas.microsoft.com/office/drawing/2014/main" val="10000"/>
                   </a:ext>
                 </a:extLst>
               </a:tr>
@@ -5807,7 +5856,7 @@
                 </a:tc>
                 <a:extLst>
                   <a:ext uri="{0D108BD9-81ED-4DB2-BD59-A6C34878D82A}">
-                    <a16:rowId xmlns:a16="http://schemas.microsoft.com/office/drawing/2014/main" xmlns="" val="10001"/>
+                    <a16:rowId xmlns="" xmlns:a16="http://schemas.microsoft.com/office/drawing/2014/main" val="10001"/>
                   </a:ext>
                 </a:extLst>
               </a:tr>
@@ -6061,7 +6110,7 @@
                 </a:tc>
                 <a:extLst>
                   <a:ext uri="{0D108BD9-81ED-4DB2-BD59-A6C34878D82A}">
-                    <a16:rowId xmlns:a16="http://schemas.microsoft.com/office/drawing/2014/main" xmlns="" val="10002"/>
+                    <a16:rowId xmlns="" xmlns:a16="http://schemas.microsoft.com/office/drawing/2014/main" val="10002"/>
                   </a:ext>
                 </a:extLst>
               </a:tr>
@@ -6318,7 +6367,7 @@
                 </a:tc>
                 <a:extLst>
                   <a:ext uri="{0D108BD9-81ED-4DB2-BD59-A6C34878D82A}">
-                    <a16:rowId xmlns:a16="http://schemas.microsoft.com/office/drawing/2014/main" xmlns="" val="10003"/>
+                    <a16:rowId xmlns="" xmlns:a16="http://schemas.microsoft.com/office/drawing/2014/main" val="10003"/>
                   </a:ext>
                 </a:extLst>
               </a:tr>
@@ -6565,7 +6614,7 @@
                 </a:tc>
                 <a:extLst>
                   <a:ext uri="{0D108BD9-81ED-4DB2-BD59-A6C34878D82A}">
-                    <a16:rowId xmlns:a16="http://schemas.microsoft.com/office/drawing/2014/main" xmlns="" val="10004"/>
+                    <a16:rowId xmlns="" xmlns:a16="http://schemas.microsoft.com/office/drawing/2014/main" val="10004"/>
                   </a:ext>
                 </a:extLst>
               </a:tr>
@@ -6819,7 +6868,7 @@
                 </a:tc>
                 <a:extLst>
                   <a:ext uri="{0D108BD9-81ED-4DB2-BD59-A6C34878D82A}">
-                    <a16:rowId xmlns:a16="http://schemas.microsoft.com/office/drawing/2014/main" xmlns="" val="10005"/>
+                    <a16:rowId xmlns="" xmlns:a16="http://schemas.microsoft.com/office/drawing/2014/main" val="10005"/>
                   </a:ext>
                 </a:extLst>
               </a:tr>
@@ -7066,7 +7115,7 @@
                 </a:tc>
                 <a:extLst>
                   <a:ext uri="{0D108BD9-81ED-4DB2-BD59-A6C34878D82A}">
-                    <a16:rowId xmlns:a16="http://schemas.microsoft.com/office/drawing/2014/main" xmlns="" val="10006"/>
+                    <a16:rowId xmlns="" xmlns:a16="http://schemas.microsoft.com/office/drawing/2014/main" val="10006"/>
                   </a:ext>
                 </a:extLst>
               </a:tr>
@@ -7313,7 +7362,7 @@
                 </a:tc>
                 <a:extLst>
                   <a:ext uri="{0D108BD9-81ED-4DB2-BD59-A6C34878D82A}">
-                    <a16:rowId xmlns:a16="http://schemas.microsoft.com/office/drawing/2014/main" xmlns="" val="10007"/>
+                    <a16:rowId xmlns="" xmlns:a16="http://schemas.microsoft.com/office/drawing/2014/main" val="10007"/>
                   </a:ext>
                 </a:extLst>
               </a:tr>
@@ -7556,7 +7605,7 @@
                 </a:tc>
                 <a:extLst>
                   <a:ext uri="{0D108BD9-81ED-4DB2-BD59-A6C34878D82A}">
-                    <a16:rowId xmlns:a16="http://schemas.microsoft.com/office/drawing/2014/main" xmlns="" val="10008"/>
+                    <a16:rowId xmlns="" xmlns:a16="http://schemas.microsoft.com/office/drawing/2014/main" val="10008"/>
                   </a:ext>
                 </a:extLst>
               </a:tr>
@@ -7803,7 +7852,7 @@
                 </a:tc>
                 <a:extLst>
                   <a:ext uri="{0D108BD9-81ED-4DB2-BD59-A6C34878D82A}">
-                    <a16:rowId xmlns:a16="http://schemas.microsoft.com/office/drawing/2014/main" xmlns="" val="10009"/>
+                    <a16:rowId xmlns="" xmlns:a16="http://schemas.microsoft.com/office/drawing/2014/main" val="10009"/>
                   </a:ext>
                 </a:extLst>
               </a:tr>
@@ -8050,7 +8099,7 @@
                 </a:tc>
                 <a:extLst>
                   <a:ext uri="{0D108BD9-81ED-4DB2-BD59-A6C34878D82A}">
-                    <a16:rowId xmlns:a16="http://schemas.microsoft.com/office/drawing/2014/main" xmlns="" val="10010"/>
+                    <a16:rowId xmlns="" xmlns:a16="http://schemas.microsoft.com/office/drawing/2014/main" val="10010"/>
                   </a:ext>
                 </a:extLst>
               </a:tr>
@@ -8297,7 +8346,7 @@
                 </a:tc>
                 <a:extLst>
                   <a:ext uri="{0D108BD9-81ED-4DB2-BD59-A6C34878D82A}">
-                    <a16:rowId xmlns:a16="http://schemas.microsoft.com/office/drawing/2014/main" xmlns="" val="10011"/>
+                    <a16:rowId xmlns="" xmlns:a16="http://schemas.microsoft.com/office/drawing/2014/main" val="10011"/>
                   </a:ext>
                 </a:extLst>
               </a:tr>
@@ -8328,3099 +8377,7 @@
         </p:blipFill>
         <p:spPr bwMode="auto">
           <a:xfrm>
-            <a:off x="11459758" y="23331894"/>
-            <a:ext cx="3938970" cy="2954227"/>
-          </a:xfrm>
-          <a:prstGeom prst="rect">
-            <a:avLst/>
-          </a:prstGeom>
-          <a:noFill/>
-          <a:extLst>
-            <a:ext uri="{909E8E84-426E-40DD-AFC4-6F175D3DCCD1}">
-              <a14:hiddenFill xmlns:a14="http://schemas.microsoft.com/office/drawing/2010/main">
-                <a:solidFill>
-                  <a:srgbClr val="FFFFFF"/>
-                </a:solidFill>
-              </a14:hiddenFill>
-            </a:ext>
-          </a:extLst>
-        </p:spPr>
-      </p:pic>
-      <p:pic>
-        <p:nvPicPr>
-          <p:cNvPr id="276" name="Picture 275"/>
-          <p:cNvPicPr>
-            <a:picLocks noChangeAspect="1"/>
-          </p:cNvPicPr>
-          <p:nvPr/>
-        </p:nvPicPr>
-        <p:blipFill>
-          <a:blip r:embed="rId8"/>
-          <a:stretch>
-            <a:fillRect/>
-          </a:stretch>
-        </p:blipFill>
-        <p:spPr>
-          <a:xfrm>
-            <a:off x="17130070" y="24867720"/>
-            <a:ext cx="9118007" cy="6902339"/>
-          </a:xfrm>
-          <a:prstGeom prst="rect">
-            <a:avLst/>
-          </a:prstGeom>
-        </p:spPr>
-      </p:pic>
-      <p:graphicFrame>
-        <p:nvGraphicFramePr>
-          <p:cNvPr id="277" name="Table 276"/>
-          <p:cNvGraphicFramePr>
-            <a:graphicFrameLocks noGrp="1"/>
-          </p:cNvGraphicFramePr>
-          <p:nvPr>
-            <p:extLst>
-              <p:ext uri="{D42A27DB-BD31-4B8C-83A1-F6EECF244321}">
-                <p14:modId xmlns:p14="http://schemas.microsoft.com/office/powerpoint/2010/main" val="551930135"/>
-              </p:ext>
-            </p:extLst>
-          </p:nvPr>
-        </p:nvGraphicFramePr>
-        <p:xfrm>
-          <a:off x="26248077" y="25387902"/>
-          <a:ext cx="5239273" cy="4782264"/>
-        </p:xfrm>
-        <a:graphic>
-          <a:graphicData uri="http://schemas.openxmlformats.org/drawingml/2006/table">
-            <a:tbl>
-              <a:tblPr bandRow="1"/>
-              <a:tblGrid>
-                <a:gridCol w="3491720">
-                  <a:extLst>
-                    <a:ext uri="{9D8B030D-6E8A-4147-A177-3AD203B41FA5}">
-                      <a16:colId xmlns:a16="http://schemas.microsoft.com/office/drawing/2014/main" xmlns="" val="20000"/>
-                    </a:ext>
-                  </a:extLst>
-                </a:gridCol>
-                <a:gridCol w="1747553">
-                  <a:extLst>
-                    <a:ext uri="{9D8B030D-6E8A-4147-A177-3AD203B41FA5}">
-                      <a16:colId xmlns:a16="http://schemas.microsoft.com/office/drawing/2014/main" xmlns="" val="20001"/>
-                    </a:ext>
-                  </a:extLst>
-                </a:gridCol>
-              </a:tblGrid>
-              <a:tr h="398522">
-                <a:tc>
-                  <a:txBody>
-                    <a:bodyPr/>
-                    <a:lstStyle>
-                      <a:lvl1pPr marL="0" algn="l" defTabSz="364645" rtl="0" eaLnBrk="1" latinLnBrk="0" hangingPunct="1">
-                        <a:defRPr sz="1400" kern="1200">
-                          <a:solidFill>
-                            <a:schemeClr val="dk1"/>
-                          </a:solidFill>
-                          <a:latin typeface="Segoe UI"/>
-                        </a:defRPr>
-                      </a:lvl1pPr>
-                      <a:lvl2pPr marL="364645" algn="l" defTabSz="364645" rtl="0" eaLnBrk="1" latinLnBrk="0" hangingPunct="1">
-                        <a:defRPr sz="1400" kern="1200">
-                          <a:solidFill>
-                            <a:schemeClr val="dk1"/>
-                          </a:solidFill>
-                          <a:latin typeface="Segoe UI"/>
-                        </a:defRPr>
-                      </a:lvl2pPr>
-                      <a:lvl3pPr marL="729290" algn="l" defTabSz="364645" rtl="0" eaLnBrk="1" latinLnBrk="0" hangingPunct="1">
-                        <a:defRPr sz="1400" kern="1200">
-                          <a:solidFill>
-                            <a:schemeClr val="dk1"/>
-                          </a:solidFill>
-                          <a:latin typeface="Segoe UI"/>
-                        </a:defRPr>
-                      </a:lvl3pPr>
-                      <a:lvl4pPr marL="1093935" algn="l" defTabSz="364645" rtl="0" eaLnBrk="1" latinLnBrk="0" hangingPunct="1">
-                        <a:defRPr sz="1400" kern="1200">
-                          <a:solidFill>
-                            <a:schemeClr val="dk1"/>
-                          </a:solidFill>
-                          <a:latin typeface="Segoe UI"/>
-                        </a:defRPr>
-                      </a:lvl4pPr>
-                      <a:lvl5pPr marL="1458580" algn="l" defTabSz="364645" rtl="0" eaLnBrk="1" latinLnBrk="0" hangingPunct="1">
-                        <a:defRPr sz="1400" kern="1200">
-                          <a:solidFill>
-                            <a:schemeClr val="dk1"/>
-                          </a:solidFill>
-                          <a:latin typeface="Segoe UI"/>
-                        </a:defRPr>
-                      </a:lvl5pPr>
-                      <a:lvl6pPr marL="1823225" algn="l" defTabSz="364645" rtl="0" eaLnBrk="1" latinLnBrk="0" hangingPunct="1">
-                        <a:defRPr sz="1400" kern="1200">
-                          <a:solidFill>
-                            <a:schemeClr val="dk1"/>
-                          </a:solidFill>
-                          <a:latin typeface="Segoe UI"/>
-                        </a:defRPr>
-                      </a:lvl6pPr>
-                      <a:lvl7pPr marL="2187869" algn="l" defTabSz="364645" rtl="0" eaLnBrk="1" latinLnBrk="0" hangingPunct="1">
-                        <a:defRPr sz="1400" kern="1200">
-                          <a:solidFill>
-                            <a:schemeClr val="dk1"/>
-                          </a:solidFill>
-                          <a:latin typeface="Segoe UI"/>
-                        </a:defRPr>
-                      </a:lvl7pPr>
-                      <a:lvl8pPr marL="2552515" algn="l" defTabSz="364645" rtl="0" eaLnBrk="1" latinLnBrk="0" hangingPunct="1">
-                        <a:defRPr sz="1400" kern="1200">
-                          <a:solidFill>
-                            <a:schemeClr val="dk1"/>
-                          </a:solidFill>
-                          <a:latin typeface="Segoe UI"/>
-                        </a:defRPr>
-                      </a:lvl8pPr>
-                      <a:lvl9pPr marL="2917160" algn="l" defTabSz="364645" rtl="0" eaLnBrk="1" latinLnBrk="0" hangingPunct="1">
-                        <a:defRPr sz="1400" kern="1200">
-                          <a:solidFill>
-                            <a:schemeClr val="dk1"/>
-                          </a:solidFill>
-                          <a:latin typeface="Segoe UI"/>
-                        </a:defRPr>
-                      </a:lvl9pPr>
-                    </a:lstStyle>
-                    <a:p>
-                      <a:r>
-                        <a:rPr lang="en-US" sz="1600" dirty="0"/>
-                        <a:t>Age</a:t>
-                      </a:r>
-                    </a:p>
-                  </a:txBody>
-                  <a:tcPr marL="124632" marR="124632" marT="62316" marB="62316">
-                    <a:lnL w="12700" cmpd="sng">
-                      <a:solidFill>
-                        <a:sysClr val="window" lastClr="FFFFFF"/>
-                      </a:solidFill>
-                    </a:lnL>
-                    <a:lnR w="12700" cmpd="sng">
-                      <a:solidFill>
-                        <a:sysClr val="window" lastClr="FFFFFF"/>
-                      </a:solidFill>
-                    </a:lnR>
-                    <a:lnT w="12700" cmpd="sng">
-                      <a:solidFill>
-                        <a:sysClr val="window" lastClr="FFFFFF"/>
-                      </a:solidFill>
-                    </a:lnT>
-                    <a:lnB w="12700" cmpd="sng">
-                      <a:solidFill>
-                        <a:sysClr val="window" lastClr="FFFFFF"/>
-                      </a:solidFill>
-                    </a:lnB>
-                    <a:lnTlToBr w="12700" cmpd="sng">
-                      <a:noFill/>
-                      <a:prstDash val="solid"/>
-                    </a:lnTlToBr>
-                    <a:lnBlToTr w="12700" cmpd="sng">
-                      <a:noFill/>
-                      <a:prstDash val="solid"/>
-                    </a:lnBlToTr>
-                    <a:solidFill>
-                      <a:srgbClr val="AF1E2D">
-                        <a:tint val="40000"/>
-                      </a:srgbClr>
-                    </a:solidFill>
-                  </a:tcPr>
-                </a:tc>
-                <a:tc>
-                  <a:txBody>
-                    <a:bodyPr/>
-                    <a:lstStyle>
-                      <a:lvl1pPr marL="0" algn="l" defTabSz="364645" rtl="0" eaLnBrk="1" latinLnBrk="0" hangingPunct="1">
-                        <a:defRPr sz="1400" kern="1200">
-                          <a:solidFill>
-                            <a:schemeClr val="dk1"/>
-                          </a:solidFill>
-                          <a:latin typeface="Segoe UI"/>
-                        </a:defRPr>
-                      </a:lvl1pPr>
-                      <a:lvl2pPr marL="364645" algn="l" defTabSz="364645" rtl="0" eaLnBrk="1" latinLnBrk="0" hangingPunct="1">
-                        <a:defRPr sz="1400" kern="1200">
-                          <a:solidFill>
-                            <a:schemeClr val="dk1"/>
-                          </a:solidFill>
-                          <a:latin typeface="Segoe UI"/>
-                        </a:defRPr>
-                      </a:lvl2pPr>
-                      <a:lvl3pPr marL="729290" algn="l" defTabSz="364645" rtl="0" eaLnBrk="1" latinLnBrk="0" hangingPunct="1">
-                        <a:defRPr sz="1400" kern="1200">
-                          <a:solidFill>
-                            <a:schemeClr val="dk1"/>
-                          </a:solidFill>
-                          <a:latin typeface="Segoe UI"/>
-                        </a:defRPr>
-                      </a:lvl3pPr>
-                      <a:lvl4pPr marL="1093935" algn="l" defTabSz="364645" rtl="0" eaLnBrk="1" latinLnBrk="0" hangingPunct="1">
-                        <a:defRPr sz="1400" kern="1200">
-                          <a:solidFill>
-                            <a:schemeClr val="dk1"/>
-                          </a:solidFill>
-                          <a:latin typeface="Segoe UI"/>
-                        </a:defRPr>
-                      </a:lvl4pPr>
-                      <a:lvl5pPr marL="1458580" algn="l" defTabSz="364645" rtl="0" eaLnBrk="1" latinLnBrk="0" hangingPunct="1">
-                        <a:defRPr sz="1400" kern="1200">
-                          <a:solidFill>
-                            <a:schemeClr val="dk1"/>
-                          </a:solidFill>
-                          <a:latin typeface="Segoe UI"/>
-                        </a:defRPr>
-                      </a:lvl5pPr>
-                      <a:lvl6pPr marL="1823225" algn="l" defTabSz="364645" rtl="0" eaLnBrk="1" latinLnBrk="0" hangingPunct="1">
-                        <a:defRPr sz="1400" kern="1200">
-                          <a:solidFill>
-                            <a:schemeClr val="dk1"/>
-                          </a:solidFill>
-                          <a:latin typeface="Segoe UI"/>
-                        </a:defRPr>
-                      </a:lvl6pPr>
-                      <a:lvl7pPr marL="2187869" algn="l" defTabSz="364645" rtl="0" eaLnBrk="1" latinLnBrk="0" hangingPunct="1">
-                        <a:defRPr sz="1400" kern="1200">
-                          <a:solidFill>
-                            <a:schemeClr val="dk1"/>
-                          </a:solidFill>
-                          <a:latin typeface="Segoe UI"/>
-                        </a:defRPr>
-                      </a:lvl7pPr>
-                      <a:lvl8pPr marL="2552515" algn="l" defTabSz="364645" rtl="0" eaLnBrk="1" latinLnBrk="0" hangingPunct="1">
-                        <a:defRPr sz="1400" kern="1200">
-                          <a:solidFill>
-                            <a:schemeClr val="dk1"/>
-                          </a:solidFill>
-                          <a:latin typeface="Segoe UI"/>
-                        </a:defRPr>
-                      </a:lvl8pPr>
-                      <a:lvl9pPr marL="2917160" algn="l" defTabSz="364645" rtl="0" eaLnBrk="1" latinLnBrk="0" hangingPunct="1">
-                        <a:defRPr sz="1400" kern="1200">
-                          <a:solidFill>
-                            <a:schemeClr val="dk1"/>
-                          </a:solidFill>
-                          <a:latin typeface="Segoe UI"/>
-                        </a:defRPr>
-                      </a:lvl9pPr>
-                    </a:lstStyle>
-                    <a:p>
-                      <a:r>
-                        <a:rPr lang="en-US" sz="1600" dirty="0"/>
-                        <a:t>23</a:t>
-                      </a:r>
-                    </a:p>
-                  </a:txBody>
-                  <a:tcPr marL="124632" marR="124632" marT="62316" marB="62316">
-                    <a:lnL w="12700" cmpd="sng">
-                      <a:solidFill>
-                        <a:sysClr val="window" lastClr="FFFFFF"/>
-                      </a:solidFill>
-                    </a:lnL>
-                    <a:lnR w="12700" cmpd="sng">
-                      <a:solidFill>
-                        <a:sysClr val="window" lastClr="FFFFFF"/>
-                      </a:solidFill>
-                    </a:lnR>
-                    <a:lnT w="12700" cmpd="sng">
-                      <a:solidFill>
-                        <a:sysClr val="window" lastClr="FFFFFF"/>
-                      </a:solidFill>
-                    </a:lnT>
-                    <a:lnB w="12700" cmpd="sng">
-                      <a:solidFill>
-                        <a:sysClr val="window" lastClr="FFFFFF"/>
-                      </a:solidFill>
-                    </a:lnB>
-                    <a:lnTlToBr w="12700" cmpd="sng">
-                      <a:noFill/>
-                      <a:prstDash val="solid"/>
-                    </a:lnTlToBr>
-                    <a:lnBlToTr w="12700" cmpd="sng">
-                      <a:noFill/>
-                      <a:prstDash val="solid"/>
-                    </a:lnBlToTr>
-                    <a:solidFill>
-                      <a:srgbClr val="AF1E2D">
-                        <a:tint val="40000"/>
-                      </a:srgbClr>
-                    </a:solidFill>
-                  </a:tcPr>
-                </a:tc>
-                <a:extLst>
-                  <a:ext uri="{0D108BD9-81ED-4DB2-BD59-A6C34878D82A}">
-                    <a16:rowId xmlns:a16="http://schemas.microsoft.com/office/drawing/2014/main" xmlns="" val="10000"/>
-                  </a:ext>
-                </a:extLst>
-              </a:tr>
-              <a:tr h="398522">
-                <a:tc>
-                  <a:txBody>
-                    <a:bodyPr/>
-                    <a:lstStyle>
-                      <a:lvl1pPr marL="0" algn="l" defTabSz="364645" rtl="0" eaLnBrk="1" latinLnBrk="0" hangingPunct="1">
-                        <a:defRPr sz="1400" kern="1200">
-                          <a:solidFill>
-                            <a:schemeClr val="dk1"/>
-                          </a:solidFill>
-                          <a:latin typeface="Segoe UI"/>
-                        </a:defRPr>
-                      </a:lvl1pPr>
-                      <a:lvl2pPr marL="364645" algn="l" defTabSz="364645" rtl="0" eaLnBrk="1" latinLnBrk="0" hangingPunct="1">
-                        <a:defRPr sz="1400" kern="1200">
-                          <a:solidFill>
-                            <a:schemeClr val="dk1"/>
-                          </a:solidFill>
-                          <a:latin typeface="Segoe UI"/>
-                        </a:defRPr>
-                      </a:lvl2pPr>
-                      <a:lvl3pPr marL="729290" algn="l" defTabSz="364645" rtl="0" eaLnBrk="1" latinLnBrk="0" hangingPunct="1">
-                        <a:defRPr sz="1400" kern="1200">
-                          <a:solidFill>
-                            <a:schemeClr val="dk1"/>
-                          </a:solidFill>
-                          <a:latin typeface="Segoe UI"/>
-                        </a:defRPr>
-                      </a:lvl3pPr>
-                      <a:lvl4pPr marL="1093935" algn="l" defTabSz="364645" rtl="0" eaLnBrk="1" latinLnBrk="0" hangingPunct="1">
-                        <a:defRPr sz="1400" kern="1200">
-                          <a:solidFill>
-                            <a:schemeClr val="dk1"/>
-                          </a:solidFill>
-                          <a:latin typeface="Segoe UI"/>
-                        </a:defRPr>
-                      </a:lvl4pPr>
-                      <a:lvl5pPr marL="1458580" algn="l" defTabSz="364645" rtl="0" eaLnBrk="1" latinLnBrk="0" hangingPunct="1">
-                        <a:defRPr sz="1400" kern="1200">
-                          <a:solidFill>
-                            <a:schemeClr val="dk1"/>
-                          </a:solidFill>
-                          <a:latin typeface="Segoe UI"/>
-                        </a:defRPr>
-                      </a:lvl5pPr>
-                      <a:lvl6pPr marL="1823225" algn="l" defTabSz="364645" rtl="0" eaLnBrk="1" latinLnBrk="0" hangingPunct="1">
-                        <a:defRPr sz="1400" kern="1200">
-                          <a:solidFill>
-                            <a:schemeClr val="dk1"/>
-                          </a:solidFill>
-                          <a:latin typeface="Segoe UI"/>
-                        </a:defRPr>
-                      </a:lvl6pPr>
-                      <a:lvl7pPr marL="2187869" algn="l" defTabSz="364645" rtl="0" eaLnBrk="1" latinLnBrk="0" hangingPunct="1">
-                        <a:defRPr sz="1400" kern="1200">
-                          <a:solidFill>
-                            <a:schemeClr val="dk1"/>
-                          </a:solidFill>
-                          <a:latin typeface="Segoe UI"/>
-                        </a:defRPr>
-                      </a:lvl7pPr>
-                      <a:lvl8pPr marL="2552515" algn="l" defTabSz="364645" rtl="0" eaLnBrk="1" latinLnBrk="0" hangingPunct="1">
-                        <a:defRPr sz="1400" kern="1200">
-                          <a:solidFill>
-                            <a:schemeClr val="dk1"/>
-                          </a:solidFill>
-                          <a:latin typeface="Segoe UI"/>
-                        </a:defRPr>
-                      </a:lvl8pPr>
-                      <a:lvl9pPr marL="2917160" algn="l" defTabSz="364645" rtl="0" eaLnBrk="1" latinLnBrk="0" hangingPunct="1">
-                        <a:defRPr sz="1400" kern="1200">
-                          <a:solidFill>
-                            <a:schemeClr val="dk1"/>
-                          </a:solidFill>
-                          <a:latin typeface="Segoe UI"/>
-                        </a:defRPr>
-                      </a:lvl9pPr>
-                    </a:lstStyle>
-                    <a:p>
-                      <a:r>
-                        <a:rPr lang="en-US" sz="1600" dirty="0" err="1"/>
-                        <a:t>Workclass</a:t>
-                      </a:r>
-                      <a:endParaRPr lang="en-US" sz="1600" dirty="0"/>
-                    </a:p>
-                  </a:txBody>
-                  <a:tcPr marL="124632" marR="124632" marT="62316" marB="62316">
-                    <a:lnL w="12700" cmpd="sng">
-                      <a:solidFill>
-                        <a:sysClr val="window" lastClr="FFFFFF"/>
-                      </a:solidFill>
-                    </a:lnL>
-                    <a:lnR w="12700" cmpd="sng">
-                      <a:solidFill>
-                        <a:sysClr val="window" lastClr="FFFFFF"/>
-                      </a:solidFill>
-                    </a:lnR>
-                    <a:lnT w="12700" cmpd="sng">
-                      <a:solidFill>
-                        <a:sysClr val="window" lastClr="FFFFFF"/>
-                      </a:solidFill>
-                    </a:lnT>
-                    <a:lnB w="12700" cmpd="sng">
-                      <a:solidFill>
-                        <a:sysClr val="window" lastClr="FFFFFF"/>
-                      </a:solidFill>
-                    </a:lnB>
-                    <a:lnTlToBr w="12700" cmpd="sng">
-                      <a:noFill/>
-                      <a:prstDash val="solid"/>
-                    </a:lnTlToBr>
-                    <a:lnBlToTr w="12700" cmpd="sng">
-                      <a:noFill/>
-                      <a:prstDash val="solid"/>
-                    </a:lnBlToTr>
-                    <a:solidFill>
-                      <a:srgbClr val="AF1E2D">
-                        <a:tint val="20000"/>
-                      </a:srgbClr>
-                    </a:solidFill>
-                  </a:tcPr>
-                </a:tc>
-                <a:tc>
-                  <a:txBody>
-                    <a:bodyPr/>
-                    <a:lstStyle>
-                      <a:lvl1pPr marL="0" algn="l" defTabSz="364645" rtl="0" eaLnBrk="1" latinLnBrk="0" hangingPunct="1">
-                        <a:defRPr sz="1400" kern="1200">
-                          <a:solidFill>
-                            <a:schemeClr val="dk1"/>
-                          </a:solidFill>
-                          <a:latin typeface="Segoe UI"/>
-                        </a:defRPr>
-                      </a:lvl1pPr>
-                      <a:lvl2pPr marL="364645" algn="l" defTabSz="364645" rtl="0" eaLnBrk="1" latinLnBrk="0" hangingPunct="1">
-                        <a:defRPr sz="1400" kern="1200">
-                          <a:solidFill>
-                            <a:schemeClr val="dk1"/>
-                          </a:solidFill>
-                          <a:latin typeface="Segoe UI"/>
-                        </a:defRPr>
-                      </a:lvl2pPr>
-                      <a:lvl3pPr marL="729290" algn="l" defTabSz="364645" rtl="0" eaLnBrk="1" latinLnBrk="0" hangingPunct="1">
-                        <a:defRPr sz="1400" kern="1200">
-                          <a:solidFill>
-                            <a:schemeClr val="dk1"/>
-                          </a:solidFill>
-                          <a:latin typeface="Segoe UI"/>
-                        </a:defRPr>
-                      </a:lvl3pPr>
-                      <a:lvl4pPr marL="1093935" algn="l" defTabSz="364645" rtl="0" eaLnBrk="1" latinLnBrk="0" hangingPunct="1">
-                        <a:defRPr sz="1400" kern="1200">
-                          <a:solidFill>
-                            <a:schemeClr val="dk1"/>
-                          </a:solidFill>
-                          <a:latin typeface="Segoe UI"/>
-                        </a:defRPr>
-                      </a:lvl4pPr>
-                      <a:lvl5pPr marL="1458580" algn="l" defTabSz="364645" rtl="0" eaLnBrk="1" latinLnBrk="0" hangingPunct="1">
-                        <a:defRPr sz="1400" kern="1200">
-                          <a:solidFill>
-                            <a:schemeClr val="dk1"/>
-                          </a:solidFill>
-                          <a:latin typeface="Segoe UI"/>
-                        </a:defRPr>
-                      </a:lvl5pPr>
-                      <a:lvl6pPr marL="1823225" algn="l" defTabSz="364645" rtl="0" eaLnBrk="1" latinLnBrk="0" hangingPunct="1">
-                        <a:defRPr sz="1400" kern="1200">
-                          <a:solidFill>
-                            <a:schemeClr val="dk1"/>
-                          </a:solidFill>
-                          <a:latin typeface="Segoe UI"/>
-                        </a:defRPr>
-                      </a:lvl6pPr>
-                      <a:lvl7pPr marL="2187869" algn="l" defTabSz="364645" rtl="0" eaLnBrk="1" latinLnBrk="0" hangingPunct="1">
-                        <a:defRPr sz="1400" kern="1200">
-                          <a:solidFill>
-                            <a:schemeClr val="dk1"/>
-                          </a:solidFill>
-                          <a:latin typeface="Segoe UI"/>
-                        </a:defRPr>
-                      </a:lvl7pPr>
-                      <a:lvl8pPr marL="2552515" algn="l" defTabSz="364645" rtl="0" eaLnBrk="1" latinLnBrk="0" hangingPunct="1">
-                        <a:defRPr sz="1400" kern="1200">
-                          <a:solidFill>
-                            <a:schemeClr val="dk1"/>
-                          </a:solidFill>
-                          <a:latin typeface="Segoe UI"/>
-                        </a:defRPr>
-                      </a:lvl8pPr>
-                      <a:lvl9pPr marL="2917160" algn="l" defTabSz="364645" rtl="0" eaLnBrk="1" latinLnBrk="0" hangingPunct="1">
-                        <a:defRPr sz="1400" kern="1200">
-                          <a:solidFill>
-                            <a:schemeClr val="dk1"/>
-                          </a:solidFill>
-                          <a:latin typeface="Segoe UI"/>
-                        </a:defRPr>
-                      </a:lvl9pPr>
-                    </a:lstStyle>
-                    <a:p>
-                      <a:r>
-                        <a:rPr lang="en-US" sz="1600" dirty="0"/>
-                        <a:t>Private</a:t>
-                      </a:r>
-                    </a:p>
-                  </a:txBody>
-                  <a:tcPr marL="124632" marR="124632" marT="62316" marB="62316">
-                    <a:lnL w="12700" cmpd="sng">
-                      <a:solidFill>
-                        <a:sysClr val="window" lastClr="FFFFFF"/>
-                      </a:solidFill>
-                    </a:lnL>
-                    <a:lnR w="12700" cmpd="sng">
-                      <a:solidFill>
-                        <a:sysClr val="window" lastClr="FFFFFF"/>
-                      </a:solidFill>
-                    </a:lnR>
-                    <a:lnT w="12700" cmpd="sng">
-                      <a:solidFill>
-                        <a:sysClr val="window" lastClr="FFFFFF"/>
-                      </a:solidFill>
-                    </a:lnT>
-                    <a:lnB w="12700" cmpd="sng">
-                      <a:solidFill>
-                        <a:sysClr val="window" lastClr="FFFFFF"/>
-                      </a:solidFill>
-                    </a:lnB>
-                    <a:lnTlToBr w="12700" cmpd="sng">
-                      <a:noFill/>
-                      <a:prstDash val="solid"/>
-                    </a:lnTlToBr>
-                    <a:lnBlToTr w="12700" cmpd="sng">
-                      <a:noFill/>
-                      <a:prstDash val="solid"/>
-                    </a:lnBlToTr>
-                    <a:solidFill>
-                      <a:srgbClr val="AF1E2D">
-                        <a:tint val="20000"/>
-                      </a:srgbClr>
-                    </a:solidFill>
-                  </a:tcPr>
-                </a:tc>
-                <a:extLst>
-                  <a:ext uri="{0D108BD9-81ED-4DB2-BD59-A6C34878D82A}">
-                    <a16:rowId xmlns:a16="http://schemas.microsoft.com/office/drawing/2014/main" xmlns="" val="10001"/>
-                  </a:ext>
-                </a:extLst>
-              </a:tr>
-              <a:tr h="398522">
-                <a:tc>
-                  <a:txBody>
-                    <a:bodyPr/>
-                    <a:lstStyle>
-                      <a:lvl1pPr marL="0" algn="l" defTabSz="364645" rtl="0" eaLnBrk="1" latinLnBrk="0" hangingPunct="1">
-                        <a:defRPr sz="1400" kern="1200">
-                          <a:solidFill>
-                            <a:schemeClr val="dk1"/>
-                          </a:solidFill>
-                          <a:latin typeface="Segoe UI"/>
-                        </a:defRPr>
-                      </a:lvl1pPr>
-                      <a:lvl2pPr marL="364645" algn="l" defTabSz="364645" rtl="0" eaLnBrk="1" latinLnBrk="0" hangingPunct="1">
-                        <a:defRPr sz="1400" kern="1200">
-                          <a:solidFill>
-                            <a:schemeClr val="dk1"/>
-                          </a:solidFill>
-                          <a:latin typeface="Segoe UI"/>
-                        </a:defRPr>
-                      </a:lvl2pPr>
-                      <a:lvl3pPr marL="729290" algn="l" defTabSz="364645" rtl="0" eaLnBrk="1" latinLnBrk="0" hangingPunct="1">
-                        <a:defRPr sz="1400" kern="1200">
-                          <a:solidFill>
-                            <a:schemeClr val="dk1"/>
-                          </a:solidFill>
-                          <a:latin typeface="Segoe UI"/>
-                        </a:defRPr>
-                      </a:lvl3pPr>
-                      <a:lvl4pPr marL="1093935" algn="l" defTabSz="364645" rtl="0" eaLnBrk="1" latinLnBrk="0" hangingPunct="1">
-                        <a:defRPr sz="1400" kern="1200">
-                          <a:solidFill>
-                            <a:schemeClr val="dk1"/>
-                          </a:solidFill>
-                          <a:latin typeface="Segoe UI"/>
-                        </a:defRPr>
-                      </a:lvl4pPr>
-                      <a:lvl5pPr marL="1458580" algn="l" defTabSz="364645" rtl="0" eaLnBrk="1" latinLnBrk="0" hangingPunct="1">
-                        <a:defRPr sz="1400" kern="1200">
-                          <a:solidFill>
-                            <a:schemeClr val="dk1"/>
-                          </a:solidFill>
-                          <a:latin typeface="Segoe UI"/>
-                        </a:defRPr>
-                      </a:lvl5pPr>
-                      <a:lvl6pPr marL="1823225" algn="l" defTabSz="364645" rtl="0" eaLnBrk="1" latinLnBrk="0" hangingPunct="1">
-                        <a:defRPr sz="1400" kern="1200">
-                          <a:solidFill>
-                            <a:schemeClr val="dk1"/>
-                          </a:solidFill>
-                          <a:latin typeface="Segoe UI"/>
-                        </a:defRPr>
-                      </a:lvl6pPr>
-                      <a:lvl7pPr marL="2187869" algn="l" defTabSz="364645" rtl="0" eaLnBrk="1" latinLnBrk="0" hangingPunct="1">
-                        <a:defRPr sz="1400" kern="1200">
-                          <a:solidFill>
-                            <a:schemeClr val="dk1"/>
-                          </a:solidFill>
-                          <a:latin typeface="Segoe UI"/>
-                        </a:defRPr>
-                      </a:lvl7pPr>
-                      <a:lvl8pPr marL="2552515" algn="l" defTabSz="364645" rtl="0" eaLnBrk="1" latinLnBrk="0" hangingPunct="1">
-                        <a:defRPr sz="1400" kern="1200">
-                          <a:solidFill>
-                            <a:schemeClr val="dk1"/>
-                          </a:solidFill>
-                          <a:latin typeface="Segoe UI"/>
-                        </a:defRPr>
-                      </a:lvl8pPr>
-                      <a:lvl9pPr marL="2917160" algn="l" defTabSz="364645" rtl="0" eaLnBrk="1" latinLnBrk="0" hangingPunct="1">
-                        <a:defRPr sz="1400" kern="1200">
-                          <a:solidFill>
-                            <a:schemeClr val="dk1"/>
-                          </a:solidFill>
-                          <a:latin typeface="Segoe UI"/>
-                        </a:defRPr>
-                      </a:lvl9pPr>
-                    </a:lstStyle>
-                    <a:p>
-                      <a:r>
-                        <a:rPr lang="en-US" sz="1600" dirty="0"/>
-                        <a:t>Education</a:t>
-                      </a:r>
-                    </a:p>
-                  </a:txBody>
-                  <a:tcPr marL="124632" marR="124632" marT="62316" marB="62316">
-                    <a:lnL w="12700" cmpd="sng">
-                      <a:solidFill>
-                        <a:sysClr val="window" lastClr="FFFFFF"/>
-                      </a:solidFill>
-                    </a:lnL>
-                    <a:lnR w="12700" cmpd="sng">
-                      <a:solidFill>
-                        <a:sysClr val="window" lastClr="FFFFFF"/>
-                      </a:solidFill>
-                    </a:lnR>
-                    <a:lnT w="12700" cmpd="sng">
-                      <a:solidFill>
-                        <a:sysClr val="window" lastClr="FFFFFF"/>
-                      </a:solidFill>
-                    </a:lnT>
-                    <a:lnB w="12700" cmpd="sng">
-                      <a:solidFill>
-                        <a:sysClr val="window" lastClr="FFFFFF"/>
-                      </a:solidFill>
-                    </a:lnB>
-                    <a:lnTlToBr w="12700" cmpd="sng">
-                      <a:noFill/>
-                      <a:prstDash val="solid"/>
-                    </a:lnTlToBr>
-                    <a:lnBlToTr w="12700" cmpd="sng">
-                      <a:noFill/>
-                      <a:prstDash val="solid"/>
-                    </a:lnBlToTr>
-                    <a:solidFill>
-                      <a:srgbClr val="AF1E2D">
-                        <a:lumMod val="60000"/>
-                        <a:lumOff val="40000"/>
-                      </a:srgbClr>
-                    </a:solidFill>
-                  </a:tcPr>
-                </a:tc>
-                <a:tc>
-                  <a:txBody>
-                    <a:bodyPr/>
-                    <a:lstStyle>
-                      <a:lvl1pPr marL="0" algn="l" defTabSz="364645" rtl="0" eaLnBrk="1" latinLnBrk="0" hangingPunct="1">
-                        <a:defRPr sz="1400" kern="1200">
-                          <a:solidFill>
-                            <a:schemeClr val="dk1"/>
-                          </a:solidFill>
-                          <a:latin typeface="Segoe UI"/>
-                        </a:defRPr>
-                      </a:lvl1pPr>
-                      <a:lvl2pPr marL="364645" algn="l" defTabSz="364645" rtl="0" eaLnBrk="1" latinLnBrk="0" hangingPunct="1">
-                        <a:defRPr sz="1400" kern="1200">
-                          <a:solidFill>
-                            <a:schemeClr val="dk1"/>
-                          </a:solidFill>
-                          <a:latin typeface="Segoe UI"/>
-                        </a:defRPr>
-                      </a:lvl2pPr>
-                      <a:lvl3pPr marL="729290" algn="l" defTabSz="364645" rtl="0" eaLnBrk="1" latinLnBrk="0" hangingPunct="1">
-                        <a:defRPr sz="1400" kern="1200">
-                          <a:solidFill>
-                            <a:schemeClr val="dk1"/>
-                          </a:solidFill>
-                          <a:latin typeface="Segoe UI"/>
-                        </a:defRPr>
-                      </a:lvl3pPr>
-                      <a:lvl4pPr marL="1093935" algn="l" defTabSz="364645" rtl="0" eaLnBrk="1" latinLnBrk="0" hangingPunct="1">
-                        <a:defRPr sz="1400" kern="1200">
-                          <a:solidFill>
-                            <a:schemeClr val="dk1"/>
-                          </a:solidFill>
-                          <a:latin typeface="Segoe UI"/>
-                        </a:defRPr>
-                      </a:lvl4pPr>
-                      <a:lvl5pPr marL="1458580" algn="l" defTabSz="364645" rtl="0" eaLnBrk="1" latinLnBrk="0" hangingPunct="1">
-                        <a:defRPr sz="1400" kern="1200">
-                          <a:solidFill>
-                            <a:schemeClr val="dk1"/>
-                          </a:solidFill>
-                          <a:latin typeface="Segoe UI"/>
-                        </a:defRPr>
-                      </a:lvl5pPr>
-                      <a:lvl6pPr marL="1823225" algn="l" defTabSz="364645" rtl="0" eaLnBrk="1" latinLnBrk="0" hangingPunct="1">
-                        <a:defRPr sz="1400" kern="1200">
-                          <a:solidFill>
-                            <a:schemeClr val="dk1"/>
-                          </a:solidFill>
-                          <a:latin typeface="Segoe UI"/>
-                        </a:defRPr>
-                      </a:lvl6pPr>
-                      <a:lvl7pPr marL="2187869" algn="l" defTabSz="364645" rtl="0" eaLnBrk="1" latinLnBrk="0" hangingPunct="1">
-                        <a:defRPr sz="1400" kern="1200">
-                          <a:solidFill>
-                            <a:schemeClr val="dk1"/>
-                          </a:solidFill>
-                          <a:latin typeface="Segoe UI"/>
-                        </a:defRPr>
-                      </a:lvl7pPr>
-                      <a:lvl8pPr marL="2552515" algn="l" defTabSz="364645" rtl="0" eaLnBrk="1" latinLnBrk="0" hangingPunct="1">
-                        <a:defRPr sz="1400" kern="1200">
-                          <a:solidFill>
-                            <a:schemeClr val="dk1"/>
-                          </a:solidFill>
-                          <a:latin typeface="Segoe UI"/>
-                        </a:defRPr>
-                      </a:lvl8pPr>
-                      <a:lvl9pPr marL="2917160" algn="l" defTabSz="364645" rtl="0" eaLnBrk="1" latinLnBrk="0" hangingPunct="1">
-                        <a:defRPr sz="1400" kern="1200">
-                          <a:solidFill>
-                            <a:schemeClr val="dk1"/>
-                          </a:solidFill>
-                          <a:latin typeface="Segoe UI"/>
-                        </a:defRPr>
-                      </a:lvl9pPr>
-                    </a:lstStyle>
-                    <a:p>
-                      <a:r>
-                        <a:rPr lang="en-US" sz="1600" dirty="0"/>
-                        <a:t>11</a:t>
-                      </a:r>
-                      <a:r>
-                        <a:rPr lang="en-US" sz="1600" baseline="30000" dirty="0"/>
-                        <a:t>th</a:t>
-                      </a:r>
-                      <a:endParaRPr lang="en-US" sz="1600" dirty="0"/>
-                    </a:p>
-                  </a:txBody>
-                  <a:tcPr marL="124632" marR="124632" marT="62316" marB="62316">
-                    <a:lnL w="12700" cmpd="sng">
-                      <a:solidFill>
-                        <a:sysClr val="window" lastClr="FFFFFF"/>
-                      </a:solidFill>
-                    </a:lnL>
-                    <a:lnR w="12700" cmpd="sng">
-                      <a:solidFill>
-                        <a:sysClr val="window" lastClr="FFFFFF"/>
-                      </a:solidFill>
-                    </a:lnR>
-                    <a:lnT w="12700" cmpd="sng">
-                      <a:solidFill>
-                        <a:sysClr val="window" lastClr="FFFFFF"/>
-                      </a:solidFill>
-                    </a:lnT>
-                    <a:lnB w="12700" cmpd="sng">
-                      <a:solidFill>
-                        <a:sysClr val="window" lastClr="FFFFFF"/>
-                      </a:solidFill>
-                    </a:lnB>
-                    <a:lnTlToBr w="12700" cmpd="sng">
-                      <a:noFill/>
-                      <a:prstDash val="solid"/>
-                    </a:lnTlToBr>
-                    <a:lnBlToTr w="12700" cmpd="sng">
-                      <a:noFill/>
-                      <a:prstDash val="solid"/>
-                    </a:lnBlToTr>
-                    <a:solidFill>
-                      <a:srgbClr val="AF1E2D">
-                        <a:lumMod val="60000"/>
-                        <a:lumOff val="40000"/>
-                      </a:srgbClr>
-                    </a:solidFill>
-                  </a:tcPr>
-                </a:tc>
-                <a:extLst>
-                  <a:ext uri="{0D108BD9-81ED-4DB2-BD59-A6C34878D82A}">
-                    <a16:rowId xmlns:a16="http://schemas.microsoft.com/office/drawing/2014/main" xmlns="" val="10002"/>
-                  </a:ext>
-                </a:extLst>
-              </a:tr>
-              <a:tr h="398522">
-                <a:tc>
-                  <a:txBody>
-                    <a:bodyPr/>
-                    <a:lstStyle>
-                      <a:lvl1pPr marL="0" algn="l" defTabSz="364645" rtl="0" eaLnBrk="1" latinLnBrk="0" hangingPunct="1">
-                        <a:defRPr sz="1400" kern="1200">
-                          <a:solidFill>
-                            <a:schemeClr val="dk1"/>
-                          </a:solidFill>
-                          <a:latin typeface="Segoe UI"/>
-                        </a:defRPr>
-                      </a:lvl1pPr>
-                      <a:lvl2pPr marL="364645" algn="l" defTabSz="364645" rtl="0" eaLnBrk="1" latinLnBrk="0" hangingPunct="1">
-                        <a:defRPr sz="1400" kern="1200">
-                          <a:solidFill>
-                            <a:schemeClr val="dk1"/>
-                          </a:solidFill>
-                          <a:latin typeface="Segoe UI"/>
-                        </a:defRPr>
-                      </a:lvl2pPr>
-                      <a:lvl3pPr marL="729290" algn="l" defTabSz="364645" rtl="0" eaLnBrk="1" latinLnBrk="0" hangingPunct="1">
-                        <a:defRPr sz="1400" kern="1200">
-                          <a:solidFill>
-                            <a:schemeClr val="dk1"/>
-                          </a:solidFill>
-                          <a:latin typeface="Segoe UI"/>
-                        </a:defRPr>
-                      </a:lvl3pPr>
-                      <a:lvl4pPr marL="1093935" algn="l" defTabSz="364645" rtl="0" eaLnBrk="1" latinLnBrk="0" hangingPunct="1">
-                        <a:defRPr sz="1400" kern="1200">
-                          <a:solidFill>
-                            <a:schemeClr val="dk1"/>
-                          </a:solidFill>
-                          <a:latin typeface="Segoe UI"/>
-                        </a:defRPr>
-                      </a:lvl4pPr>
-                      <a:lvl5pPr marL="1458580" algn="l" defTabSz="364645" rtl="0" eaLnBrk="1" latinLnBrk="0" hangingPunct="1">
-                        <a:defRPr sz="1400" kern="1200">
-                          <a:solidFill>
-                            <a:schemeClr val="dk1"/>
-                          </a:solidFill>
-                          <a:latin typeface="Segoe UI"/>
-                        </a:defRPr>
-                      </a:lvl5pPr>
-                      <a:lvl6pPr marL="1823225" algn="l" defTabSz="364645" rtl="0" eaLnBrk="1" latinLnBrk="0" hangingPunct="1">
-                        <a:defRPr sz="1400" kern="1200">
-                          <a:solidFill>
-                            <a:schemeClr val="dk1"/>
-                          </a:solidFill>
-                          <a:latin typeface="Segoe UI"/>
-                        </a:defRPr>
-                      </a:lvl6pPr>
-                      <a:lvl7pPr marL="2187869" algn="l" defTabSz="364645" rtl="0" eaLnBrk="1" latinLnBrk="0" hangingPunct="1">
-                        <a:defRPr sz="1400" kern="1200">
-                          <a:solidFill>
-                            <a:schemeClr val="dk1"/>
-                          </a:solidFill>
-                          <a:latin typeface="Segoe UI"/>
-                        </a:defRPr>
-                      </a:lvl7pPr>
-                      <a:lvl8pPr marL="2552515" algn="l" defTabSz="364645" rtl="0" eaLnBrk="1" latinLnBrk="0" hangingPunct="1">
-                        <a:defRPr sz="1400" kern="1200">
-                          <a:solidFill>
-                            <a:schemeClr val="dk1"/>
-                          </a:solidFill>
-                          <a:latin typeface="Segoe UI"/>
-                        </a:defRPr>
-                      </a:lvl8pPr>
-                      <a:lvl9pPr marL="2917160" algn="l" defTabSz="364645" rtl="0" eaLnBrk="1" latinLnBrk="0" hangingPunct="1">
-                        <a:defRPr sz="1400" kern="1200">
-                          <a:solidFill>
-                            <a:schemeClr val="dk1"/>
-                          </a:solidFill>
-                          <a:latin typeface="Segoe UI"/>
-                        </a:defRPr>
-                      </a:lvl9pPr>
-                    </a:lstStyle>
-                    <a:p>
-                      <a:r>
-                        <a:rPr lang="en-US" sz="1600" dirty="0"/>
-                        <a:t>Marital Status</a:t>
-                      </a:r>
-                    </a:p>
-                  </a:txBody>
-                  <a:tcPr marL="124632" marR="124632" marT="62316" marB="62316">
-                    <a:lnL w="12700" cmpd="sng">
-                      <a:solidFill>
-                        <a:sysClr val="window" lastClr="FFFFFF"/>
-                      </a:solidFill>
-                    </a:lnL>
-                    <a:lnR w="12700" cmpd="sng">
-                      <a:solidFill>
-                        <a:sysClr val="window" lastClr="FFFFFF"/>
-                      </a:solidFill>
-                    </a:lnR>
-                    <a:lnT w="12700" cmpd="sng">
-                      <a:solidFill>
-                        <a:sysClr val="window" lastClr="FFFFFF"/>
-                      </a:solidFill>
-                    </a:lnT>
-                    <a:lnB w="12700" cmpd="sng">
-                      <a:solidFill>
-                        <a:sysClr val="window" lastClr="FFFFFF"/>
-                      </a:solidFill>
-                    </a:lnB>
-                    <a:lnTlToBr w="12700" cmpd="sng">
-                      <a:noFill/>
-                      <a:prstDash val="solid"/>
-                    </a:lnTlToBr>
-                    <a:lnBlToTr w="12700" cmpd="sng">
-                      <a:noFill/>
-                      <a:prstDash val="solid"/>
-                    </a:lnBlToTr>
-                    <a:solidFill>
-                      <a:srgbClr val="AF1E2D">
-                        <a:lumMod val="60000"/>
-                        <a:lumOff val="40000"/>
-                      </a:srgbClr>
-                    </a:solidFill>
-                  </a:tcPr>
-                </a:tc>
-                <a:tc>
-                  <a:txBody>
-                    <a:bodyPr/>
-                    <a:lstStyle>
-                      <a:lvl1pPr marL="0" algn="l" defTabSz="364645" rtl="0" eaLnBrk="1" latinLnBrk="0" hangingPunct="1">
-                        <a:defRPr sz="1400" kern="1200">
-                          <a:solidFill>
-                            <a:schemeClr val="dk1"/>
-                          </a:solidFill>
-                          <a:latin typeface="Segoe UI"/>
-                        </a:defRPr>
-                      </a:lvl1pPr>
-                      <a:lvl2pPr marL="364645" algn="l" defTabSz="364645" rtl="0" eaLnBrk="1" latinLnBrk="0" hangingPunct="1">
-                        <a:defRPr sz="1400" kern="1200">
-                          <a:solidFill>
-                            <a:schemeClr val="dk1"/>
-                          </a:solidFill>
-                          <a:latin typeface="Segoe UI"/>
-                        </a:defRPr>
-                      </a:lvl2pPr>
-                      <a:lvl3pPr marL="729290" algn="l" defTabSz="364645" rtl="0" eaLnBrk="1" latinLnBrk="0" hangingPunct="1">
-                        <a:defRPr sz="1400" kern="1200">
-                          <a:solidFill>
-                            <a:schemeClr val="dk1"/>
-                          </a:solidFill>
-                          <a:latin typeface="Segoe UI"/>
-                        </a:defRPr>
-                      </a:lvl3pPr>
-                      <a:lvl4pPr marL="1093935" algn="l" defTabSz="364645" rtl="0" eaLnBrk="1" latinLnBrk="0" hangingPunct="1">
-                        <a:defRPr sz="1400" kern="1200">
-                          <a:solidFill>
-                            <a:schemeClr val="dk1"/>
-                          </a:solidFill>
-                          <a:latin typeface="Segoe UI"/>
-                        </a:defRPr>
-                      </a:lvl4pPr>
-                      <a:lvl5pPr marL="1458580" algn="l" defTabSz="364645" rtl="0" eaLnBrk="1" latinLnBrk="0" hangingPunct="1">
-                        <a:defRPr sz="1400" kern="1200">
-                          <a:solidFill>
-                            <a:schemeClr val="dk1"/>
-                          </a:solidFill>
-                          <a:latin typeface="Segoe UI"/>
-                        </a:defRPr>
-                      </a:lvl5pPr>
-                      <a:lvl6pPr marL="1823225" algn="l" defTabSz="364645" rtl="0" eaLnBrk="1" latinLnBrk="0" hangingPunct="1">
-                        <a:defRPr sz="1400" kern="1200">
-                          <a:solidFill>
-                            <a:schemeClr val="dk1"/>
-                          </a:solidFill>
-                          <a:latin typeface="Segoe UI"/>
-                        </a:defRPr>
-                      </a:lvl6pPr>
-                      <a:lvl7pPr marL="2187869" algn="l" defTabSz="364645" rtl="0" eaLnBrk="1" latinLnBrk="0" hangingPunct="1">
-                        <a:defRPr sz="1400" kern="1200">
-                          <a:solidFill>
-                            <a:schemeClr val="dk1"/>
-                          </a:solidFill>
-                          <a:latin typeface="Segoe UI"/>
-                        </a:defRPr>
-                      </a:lvl7pPr>
-                      <a:lvl8pPr marL="2552515" algn="l" defTabSz="364645" rtl="0" eaLnBrk="1" latinLnBrk="0" hangingPunct="1">
-                        <a:defRPr sz="1400" kern="1200">
-                          <a:solidFill>
-                            <a:schemeClr val="dk1"/>
-                          </a:solidFill>
-                          <a:latin typeface="Segoe UI"/>
-                        </a:defRPr>
-                      </a:lvl8pPr>
-                      <a:lvl9pPr marL="2917160" algn="l" defTabSz="364645" rtl="0" eaLnBrk="1" latinLnBrk="0" hangingPunct="1">
-                        <a:defRPr sz="1400" kern="1200">
-                          <a:solidFill>
-                            <a:schemeClr val="dk1"/>
-                          </a:solidFill>
-                          <a:latin typeface="Segoe UI"/>
-                        </a:defRPr>
-                      </a:lvl9pPr>
-                    </a:lstStyle>
-                    <a:p>
-                      <a:r>
-                        <a:rPr lang="en-US" sz="1600" dirty="0"/>
-                        <a:t>Never</a:t>
-                      </a:r>
-                      <a:r>
-                        <a:rPr lang="en-US" sz="1600" baseline="0" dirty="0"/>
-                        <a:t> </a:t>
-                      </a:r>
-                      <a:r>
-                        <a:rPr lang="en-US" sz="1600" dirty="0"/>
-                        <a:t>married</a:t>
-                      </a:r>
-                    </a:p>
-                  </a:txBody>
-                  <a:tcPr marL="124632" marR="124632" marT="62316" marB="62316">
-                    <a:lnL w="12700" cmpd="sng">
-                      <a:solidFill>
-                        <a:sysClr val="window" lastClr="FFFFFF"/>
-                      </a:solidFill>
-                    </a:lnL>
-                    <a:lnR w="12700" cmpd="sng">
-                      <a:solidFill>
-                        <a:sysClr val="window" lastClr="FFFFFF"/>
-                      </a:solidFill>
-                    </a:lnR>
-                    <a:lnT w="12700" cmpd="sng">
-                      <a:solidFill>
-                        <a:sysClr val="window" lastClr="FFFFFF"/>
-                      </a:solidFill>
-                    </a:lnT>
-                    <a:lnB w="12700" cmpd="sng">
-                      <a:solidFill>
-                        <a:sysClr val="window" lastClr="FFFFFF"/>
-                      </a:solidFill>
-                    </a:lnB>
-                    <a:lnTlToBr w="12700" cmpd="sng">
-                      <a:noFill/>
-                      <a:prstDash val="solid"/>
-                    </a:lnTlToBr>
-                    <a:lnBlToTr w="12700" cmpd="sng">
-                      <a:noFill/>
-                      <a:prstDash val="solid"/>
-                    </a:lnBlToTr>
-                    <a:solidFill>
-                      <a:srgbClr val="AF1E2D">
-                        <a:lumMod val="60000"/>
-                        <a:lumOff val="40000"/>
-                      </a:srgbClr>
-                    </a:solidFill>
-                  </a:tcPr>
-                </a:tc>
-                <a:extLst>
-                  <a:ext uri="{0D108BD9-81ED-4DB2-BD59-A6C34878D82A}">
-                    <a16:rowId xmlns:a16="http://schemas.microsoft.com/office/drawing/2014/main" xmlns="" val="10003"/>
-                  </a:ext>
-                </a:extLst>
-              </a:tr>
-              <a:tr h="398522">
-                <a:tc>
-                  <a:txBody>
-                    <a:bodyPr/>
-                    <a:lstStyle>
-                      <a:lvl1pPr marL="0" algn="l" defTabSz="364645" rtl="0" eaLnBrk="1" latinLnBrk="0" hangingPunct="1">
-                        <a:defRPr sz="1400" kern="1200">
-                          <a:solidFill>
-                            <a:schemeClr val="dk1"/>
-                          </a:solidFill>
-                          <a:latin typeface="Segoe UI"/>
-                        </a:defRPr>
-                      </a:lvl1pPr>
-                      <a:lvl2pPr marL="364645" algn="l" defTabSz="364645" rtl="0" eaLnBrk="1" latinLnBrk="0" hangingPunct="1">
-                        <a:defRPr sz="1400" kern="1200">
-                          <a:solidFill>
-                            <a:schemeClr val="dk1"/>
-                          </a:solidFill>
-                          <a:latin typeface="Segoe UI"/>
-                        </a:defRPr>
-                      </a:lvl2pPr>
-                      <a:lvl3pPr marL="729290" algn="l" defTabSz="364645" rtl="0" eaLnBrk="1" latinLnBrk="0" hangingPunct="1">
-                        <a:defRPr sz="1400" kern="1200">
-                          <a:solidFill>
-                            <a:schemeClr val="dk1"/>
-                          </a:solidFill>
-                          <a:latin typeface="Segoe UI"/>
-                        </a:defRPr>
-                      </a:lvl3pPr>
-                      <a:lvl4pPr marL="1093935" algn="l" defTabSz="364645" rtl="0" eaLnBrk="1" latinLnBrk="0" hangingPunct="1">
-                        <a:defRPr sz="1400" kern="1200">
-                          <a:solidFill>
-                            <a:schemeClr val="dk1"/>
-                          </a:solidFill>
-                          <a:latin typeface="Segoe UI"/>
-                        </a:defRPr>
-                      </a:lvl4pPr>
-                      <a:lvl5pPr marL="1458580" algn="l" defTabSz="364645" rtl="0" eaLnBrk="1" latinLnBrk="0" hangingPunct="1">
-                        <a:defRPr sz="1400" kern="1200">
-                          <a:solidFill>
-                            <a:schemeClr val="dk1"/>
-                          </a:solidFill>
-                          <a:latin typeface="Segoe UI"/>
-                        </a:defRPr>
-                      </a:lvl5pPr>
-                      <a:lvl6pPr marL="1823225" algn="l" defTabSz="364645" rtl="0" eaLnBrk="1" latinLnBrk="0" hangingPunct="1">
-                        <a:defRPr sz="1400" kern="1200">
-                          <a:solidFill>
-                            <a:schemeClr val="dk1"/>
-                          </a:solidFill>
-                          <a:latin typeface="Segoe UI"/>
-                        </a:defRPr>
-                      </a:lvl6pPr>
-                      <a:lvl7pPr marL="2187869" algn="l" defTabSz="364645" rtl="0" eaLnBrk="1" latinLnBrk="0" hangingPunct="1">
-                        <a:defRPr sz="1400" kern="1200">
-                          <a:solidFill>
-                            <a:schemeClr val="dk1"/>
-                          </a:solidFill>
-                          <a:latin typeface="Segoe UI"/>
-                        </a:defRPr>
-                      </a:lvl7pPr>
-                      <a:lvl8pPr marL="2552515" algn="l" defTabSz="364645" rtl="0" eaLnBrk="1" latinLnBrk="0" hangingPunct="1">
-                        <a:defRPr sz="1400" kern="1200">
-                          <a:solidFill>
-                            <a:schemeClr val="dk1"/>
-                          </a:solidFill>
-                          <a:latin typeface="Segoe UI"/>
-                        </a:defRPr>
-                      </a:lvl8pPr>
-                      <a:lvl9pPr marL="2917160" algn="l" defTabSz="364645" rtl="0" eaLnBrk="1" latinLnBrk="0" hangingPunct="1">
-                        <a:defRPr sz="1400" kern="1200">
-                          <a:solidFill>
-                            <a:schemeClr val="dk1"/>
-                          </a:solidFill>
-                          <a:latin typeface="Segoe UI"/>
-                        </a:defRPr>
-                      </a:lvl9pPr>
-                    </a:lstStyle>
-                    <a:p>
-                      <a:r>
-                        <a:rPr lang="en-US" sz="1600" dirty="0"/>
-                        <a:t>Occupation</a:t>
-                      </a:r>
-                    </a:p>
-                  </a:txBody>
-                  <a:tcPr marL="124632" marR="124632" marT="62316" marB="62316">
-                    <a:lnL w="12700" cmpd="sng">
-                      <a:solidFill>
-                        <a:sysClr val="window" lastClr="FFFFFF"/>
-                      </a:solidFill>
-                    </a:lnL>
-                    <a:lnR w="12700" cmpd="sng">
-                      <a:solidFill>
-                        <a:sysClr val="window" lastClr="FFFFFF"/>
-                      </a:solidFill>
-                    </a:lnR>
-                    <a:lnT w="12700" cmpd="sng">
-                      <a:solidFill>
-                        <a:sysClr val="window" lastClr="FFFFFF"/>
-                      </a:solidFill>
-                    </a:lnT>
-                    <a:lnB w="12700" cmpd="sng">
-                      <a:solidFill>
-                        <a:sysClr val="window" lastClr="FFFFFF"/>
-                      </a:solidFill>
-                    </a:lnB>
-                    <a:lnTlToBr w="12700" cmpd="sng">
-                      <a:noFill/>
-                      <a:prstDash val="solid"/>
-                    </a:lnTlToBr>
-                    <a:lnBlToTr w="12700" cmpd="sng">
-                      <a:noFill/>
-                      <a:prstDash val="solid"/>
-                    </a:lnBlToTr>
-                    <a:solidFill>
-                      <a:srgbClr val="AF1E2D">
-                        <a:tint val="40000"/>
-                      </a:srgbClr>
-                    </a:solidFill>
-                  </a:tcPr>
-                </a:tc>
-                <a:tc>
-                  <a:txBody>
-                    <a:bodyPr/>
-                    <a:lstStyle>
-                      <a:lvl1pPr marL="0" algn="l" defTabSz="364645" rtl="0" eaLnBrk="1" latinLnBrk="0" hangingPunct="1">
-                        <a:defRPr sz="1400" kern="1200">
-                          <a:solidFill>
-                            <a:schemeClr val="dk1"/>
-                          </a:solidFill>
-                          <a:latin typeface="Segoe UI"/>
-                        </a:defRPr>
-                      </a:lvl1pPr>
-                      <a:lvl2pPr marL="364645" algn="l" defTabSz="364645" rtl="0" eaLnBrk="1" latinLnBrk="0" hangingPunct="1">
-                        <a:defRPr sz="1400" kern="1200">
-                          <a:solidFill>
-                            <a:schemeClr val="dk1"/>
-                          </a:solidFill>
-                          <a:latin typeface="Segoe UI"/>
-                        </a:defRPr>
-                      </a:lvl2pPr>
-                      <a:lvl3pPr marL="729290" algn="l" defTabSz="364645" rtl="0" eaLnBrk="1" latinLnBrk="0" hangingPunct="1">
-                        <a:defRPr sz="1400" kern="1200">
-                          <a:solidFill>
-                            <a:schemeClr val="dk1"/>
-                          </a:solidFill>
-                          <a:latin typeface="Segoe UI"/>
-                        </a:defRPr>
-                      </a:lvl3pPr>
-                      <a:lvl4pPr marL="1093935" algn="l" defTabSz="364645" rtl="0" eaLnBrk="1" latinLnBrk="0" hangingPunct="1">
-                        <a:defRPr sz="1400" kern="1200">
-                          <a:solidFill>
-                            <a:schemeClr val="dk1"/>
-                          </a:solidFill>
-                          <a:latin typeface="Segoe UI"/>
-                        </a:defRPr>
-                      </a:lvl4pPr>
-                      <a:lvl5pPr marL="1458580" algn="l" defTabSz="364645" rtl="0" eaLnBrk="1" latinLnBrk="0" hangingPunct="1">
-                        <a:defRPr sz="1400" kern="1200">
-                          <a:solidFill>
-                            <a:schemeClr val="dk1"/>
-                          </a:solidFill>
-                          <a:latin typeface="Segoe UI"/>
-                        </a:defRPr>
-                      </a:lvl5pPr>
-                      <a:lvl6pPr marL="1823225" algn="l" defTabSz="364645" rtl="0" eaLnBrk="1" latinLnBrk="0" hangingPunct="1">
-                        <a:defRPr sz="1400" kern="1200">
-                          <a:solidFill>
-                            <a:schemeClr val="dk1"/>
-                          </a:solidFill>
-                          <a:latin typeface="Segoe UI"/>
-                        </a:defRPr>
-                      </a:lvl6pPr>
-                      <a:lvl7pPr marL="2187869" algn="l" defTabSz="364645" rtl="0" eaLnBrk="1" latinLnBrk="0" hangingPunct="1">
-                        <a:defRPr sz="1400" kern="1200">
-                          <a:solidFill>
-                            <a:schemeClr val="dk1"/>
-                          </a:solidFill>
-                          <a:latin typeface="Segoe UI"/>
-                        </a:defRPr>
-                      </a:lvl7pPr>
-                      <a:lvl8pPr marL="2552515" algn="l" defTabSz="364645" rtl="0" eaLnBrk="1" latinLnBrk="0" hangingPunct="1">
-                        <a:defRPr sz="1400" kern="1200">
-                          <a:solidFill>
-                            <a:schemeClr val="dk1"/>
-                          </a:solidFill>
-                          <a:latin typeface="Segoe UI"/>
-                        </a:defRPr>
-                      </a:lvl8pPr>
-                      <a:lvl9pPr marL="2917160" algn="l" defTabSz="364645" rtl="0" eaLnBrk="1" latinLnBrk="0" hangingPunct="1">
-                        <a:defRPr sz="1400" kern="1200">
-                          <a:solidFill>
-                            <a:schemeClr val="dk1"/>
-                          </a:solidFill>
-                          <a:latin typeface="Segoe UI"/>
-                        </a:defRPr>
-                      </a:lvl9pPr>
-                    </a:lstStyle>
-                    <a:p>
-                      <a:r>
-                        <a:rPr lang="en-US" sz="1600" dirty="0"/>
-                        <a:t>Craft repair</a:t>
-                      </a:r>
-                    </a:p>
-                  </a:txBody>
-                  <a:tcPr marL="124632" marR="124632" marT="62316" marB="62316">
-                    <a:lnL w="12700" cmpd="sng">
-                      <a:solidFill>
-                        <a:sysClr val="window" lastClr="FFFFFF"/>
-                      </a:solidFill>
-                    </a:lnL>
-                    <a:lnR w="12700" cmpd="sng">
-                      <a:solidFill>
-                        <a:sysClr val="window" lastClr="FFFFFF"/>
-                      </a:solidFill>
-                    </a:lnR>
-                    <a:lnT w="12700" cmpd="sng">
-                      <a:solidFill>
-                        <a:sysClr val="window" lastClr="FFFFFF"/>
-                      </a:solidFill>
-                    </a:lnT>
-                    <a:lnB w="12700" cmpd="sng">
-                      <a:solidFill>
-                        <a:sysClr val="window" lastClr="FFFFFF"/>
-                      </a:solidFill>
-                    </a:lnB>
-                    <a:lnTlToBr w="12700" cmpd="sng">
-                      <a:noFill/>
-                      <a:prstDash val="solid"/>
-                    </a:lnTlToBr>
-                    <a:lnBlToTr w="12700" cmpd="sng">
-                      <a:noFill/>
-                      <a:prstDash val="solid"/>
-                    </a:lnBlToTr>
-                    <a:solidFill>
-                      <a:srgbClr val="AF1E2D">
-                        <a:tint val="40000"/>
-                      </a:srgbClr>
-                    </a:solidFill>
-                  </a:tcPr>
-                </a:tc>
-                <a:extLst>
-                  <a:ext uri="{0D108BD9-81ED-4DB2-BD59-A6C34878D82A}">
-                    <a16:rowId xmlns:a16="http://schemas.microsoft.com/office/drawing/2014/main" xmlns="" val="10004"/>
-                  </a:ext>
-                </a:extLst>
-              </a:tr>
-              <a:tr h="398522">
-                <a:tc>
-                  <a:txBody>
-                    <a:bodyPr/>
-                    <a:lstStyle>
-                      <a:lvl1pPr marL="0" algn="l" defTabSz="364645" rtl="0" eaLnBrk="1" latinLnBrk="0" hangingPunct="1">
-                        <a:defRPr sz="1400" kern="1200">
-                          <a:solidFill>
-                            <a:schemeClr val="dk1"/>
-                          </a:solidFill>
-                          <a:latin typeface="Segoe UI"/>
-                        </a:defRPr>
-                      </a:lvl1pPr>
-                      <a:lvl2pPr marL="364645" algn="l" defTabSz="364645" rtl="0" eaLnBrk="1" latinLnBrk="0" hangingPunct="1">
-                        <a:defRPr sz="1400" kern="1200">
-                          <a:solidFill>
-                            <a:schemeClr val="dk1"/>
-                          </a:solidFill>
-                          <a:latin typeface="Segoe UI"/>
-                        </a:defRPr>
-                      </a:lvl2pPr>
-                      <a:lvl3pPr marL="729290" algn="l" defTabSz="364645" rtl="0" eaLnBrk="1" latinLnBrk="0" hangingPunct="1">
-                        <a:defRPr sz="1400" kern="1200">
-                          <a:solidFill>
-                            <a:schemeClr val="dk1"/>
-                          </a:solidFill>
-                          <a:latin typeface="Segoe UI"/>
-                        </a:defRPr>
-                      </a:lvl3pPr>
-                      <a:lvl4pPr marL="1093935" algn="l" defTabSz="364645" rtl="0" eaLnBrk="1" latinLnBrk="0" hangingPunct="1">
-                        <a:defRPr sz="1400" kern="1200">
-                          <a:solidFill>
-                            <a:schemeClr val="dk1"/>
-                          </a:solidFill>
-                          <a:latin typeface="Segoe UI"/>
-                        </a:defRPr>
-                      </a:lvl4pPr>
-                      <a:lvl5pPr marL="1458580" algn="l" defTabSz="364645" rtl="0" eaLnBrk="1" latinLnBrk="0" hangingPunct="1">
-                        <a:defRPr sz="1400" kern="1200">
-                          <a:solidFill>
-                            <a:schemeClr val="dk1"/>
-                          </a:solidFill>
-                          <a:latin typeface="Segoe UI"/>
-                        </a:defRPr>
-                      </a:lvl5pPr>
-                      <a:lvl6pPr marL="1823225" algn="l" defTabSz="364645" rtl="0" eaLnBrk="1" latinLnBrk="0" hangingPunct="1">
-                        <a:defRPr sz="1400" kern="1200">
-                          <a:solidFill>
-                            <a:schemeClr val="dk1"/>
-                          </a:solidFill>
-                          <a:latin typeface="Segoe UI"/>
-                        </a:defRPr>
-                      </a:lvl6pPr>
-                      <a:lvl7pPr marL="2187869" algn="l" defTabSz="364645" rtl="0" eaLnBrk="1" latinLnBrk="0" hangingPunct="1">
-                        <a:defRPr sz="1400" kern="1200">
-                          <a:solidFill>
-                            <a:schemeClr val="dk1"/>
-                          </a:solidFill>
-                          <a:latin typeface="Segoe UI"/>
-                        </a:defRPr>
-                      </a:lvl7pPr>
-                      <a:lvl8pPr marL="2552515" algn="l" defTabSz="364645" rtl="0" eaLnBrk="1" latinLnBrk="0" hangingPunct="1">
-                        <a:defRPr sz="1400" kern="1200">
-                          <a:solidFill>
-                            <a:schemeClr val="dk1"/>
-                          </a:solidFill>
-                          <a:latin typeface="Segoe UI"/>
-                        </a:defRPr>
-                      </a:lvl8pPr>
-                      <a:lvl9pPr marL="2917160" algn="l" defTabSz="364645" rtl="0" eaLnBrk="1" latinLnBrk="0" hangingPunct="1">
-                        <a:defRPr sz="1400" kern="1200">
-                          <a:solidFill>
-                            <a:schemeClr val="dk1"/>
-                          </a:solidFill>
-                          <a:latin typeface="Segoe UI"/>
-                        </a:defRPr>
-                      </a:lvl9pPr>
-                    </a:lstStyle>
-                    <a:p>
-                      <a:r>
-                        <a:rPr lang="en-US" sz="1600" dirty="0"/>
-                        <a:t>Relationship to</a:t>
-                      </a:r>
-                      <a:r>
-                        <a:rPr lang="en-US" sz="1600" baseline="0" dirty="0"/>
-                        <a:t> household income</a:t>
-                      </a:r>
-                      <a:endParaRPr lang="en-US" sz="1600" dirty="0"/>
-                    </a:p>
-                  </a:txBody>
-                  <a:tcPr marL="124632" marR="124632" marT="62316" marB="62316">
-                    <a:lnL w="12700" cmpd="sng">
-                      <a:solidFill>
-                        <a:sysClr val="window" lastClr="FFFFFF"/>
-                      </a:solidFill>
-                    </a:lnL>
-                    <a:lnR w="12700" cmpd="sng">
-                      <a:solidFill>
-                        <a:sysClr val="window" lastClr="FFFFFF"/>
-                      </a:solidFill>
-                    </a:lnR>
-                    <a:lnT w="12700" cmpd="sng">
-                      <a:solidFill>
-                        <a:sysClr val="window" lastClr="FFFFFF"/>
-                      </a:solidFill>
-                    </a:lnT>
-                    <a:lnB w="12700" cmpd="sng">
-                      <a:solidFill>
-                        <a:sysClr val="window" lastClr="FFFFFF"/>
-                      </a:solidFill>
-                    </a:lnB>
-                    <a:lnTlToBr w="12700" cmpd="sng">
-                      <a:noFill/>
-                      <a:prstDash val="solid"/>
-                    </a:lnTlToBr>
-                    <a:lnBlToTr w="12700" cmpd="sng">
-                      <a:noFill/>
-                      <a:prstDash val="solid"/>
-                    </a:lnBlToTr>
-                    <a:solidFill>
-                      <a:srgbClr val="AF1E2D">
-                        <a:lumMod val="60000"/>
-                        <a:lumOff val="40000"/>
-                      </a:srgbClr>
-                    </a:solidFill>
-                  </a:tcPr>
-                </a:tc>
-                <a:tc>
-                  <a:txBody>
-                    <a:bodyPr/>
-                    <a:lstStyle>
-                      <a:lvl1pPr marL="0" algn="l" defTabSz="364645" rtl="0" eaLnBrk="1" latinLnBrk="0" hangingPunct="1">
-                        <a:defRPr sz="1400" kern="1200">
-                          <a:solidFill>
-                            <a:schemeClr val="dk1"/>
-                          </a:solidFill>
-                          <a:latin typeface="Segoe UI"/>
-                        </a:defRPr>
-                      </a:lvl1pPr>
-                      <a:lvl2pPr marL="364645" algn="l" defTabSz="364645" rtl="0" eaLnBrk="1" latinLnBrk="0" hangingPunct="1">
-                        <a:defRPr sz="1400" kern="1200">
-                          <a:solidFill>
-                            <a:schemeClr val="dk1"/>
-                          </a:solidFill>
-                          <a:latin typeface="Segoe UI"/>
-                        </a:defRPr>
-                      </a:lvl2pPr>
-                      <a:lvl3pPr marL="729290" algn="l" defTabSz="364645" rtl="0" eaLnBrk="1" latinLnBrk="0" hangingPunct="1">
-                        <a:defRPr sz="1400" kern="1200">
-                          <a:solidFill>
-                            <a:schemeClr val="dk1"/>
-                          </a:solidFill>
-                          <a:latin typeface="Segoe UI"/>
-                        </a:defRPr>
-                      </a:lvl3pPr>
-                      <a:lvl4pPr marL="1093935" algn="l" defTabSz="364645" rtl="0" eaLnBrk="1" latinLnBrk="0" hangingPunct="1">
-                        <a:defRPr sz="1400" kern="1200">
-                          <a:solidFill>
-                            <a:schemeClr val="dk1"/>
-                          </a:solidFill>
-                          <a:latin typeface="Segoe UI"/>
-                        </a:defRPr>
-                      </a:lvl4pPr>
-                      <a:lvl5pPr marL="1458580" algn="l" defTabSz="364645" rtl="0" eaLnBrk="1" latinLnBrk="0" hangingPunct="1">
-                        <a:defRPr sz="1400" kern="1200">
-                          <a:solidFill>
-                            <a:schemeClr val="dk1"/>
-                          </a:solidFill>
-                          <a:latin typeface="Segoe UI"/>
-                        </a:defRPr>
-                      </a:lvl5pPr>
-                      <a:lvl6pPr marL="1823225" algn="l" defTabSz="364645" rtl="0" eaLnBrk="1" latinLnBrk="0" hangingPunct="1">
-                        <a:defRPr sz="1400" kern="1200">
-                          <a:solidFill>
-                            <a:schemeClr val="dk1"/>
-                          </a:solidFill>
-                          <a:latin typeface="Segoe UI"/>
-                        </a:defRPr>
-                      </a:lvl6pPr>
-                      <a:lvl7pPr marL="2187869" algn="l" defTabSz="364645" rtl="0" eaLnBrk="1" latinLnBrk="0" hangingPunct="1">
-                        <a:defRPr sz="1400" kern="1200">
-                          <a:solidFill>
-                            <a:schemeClr val="dk1"/>
-                          </a:solidFill>
-                          <a:latin typeface="Segoe UI"/>
-                        </a:defRPr>
-                      </a:lvl7pPr>
-                      <a:lvl8pPr marL="2552515" algn="l" defTabSz="364645" rtl="0" eaLnBrk="1" latinLnBrk="0" hangingPunct="1">
-                        <a:defRPr sz="1400" kern="1200">
-                          <a:solidFill>
-                            <a:schemeClr val="dk1"/>
-                          </a:solidFill>
-                          <a:latin typeface="Segoe UI"/>
-                        </a:defRPr>
-                      </a:lvl8pPr>
-                      <a:lvl9pPr marL="2917160" algn="l" defTabSz="364645" rtl="0" eaLnBrk="1" latinLnBrk="0" hangingPunct="1">
-                        <a:defRPr sz="1400" kern="1200">
-                          <a:solidFill>
-                            <a:schemeClr val="dk1"/>
-                          </a:solidFill>
-                          <a:latin typeface="Segoe UI"/>
-                        </a:defRPr>
-                      </a:lvl9pPr>
-                    </a:lstStyle>
-                    <a:p>
-                      <a:r>
-                        <a:rPr lang="en-US" sz="1600" dirty="0"/>
-                        <a:t>Child</a:t>
-                      </a:r>
-                    </a:p>
-                  </a:txBody>
-                  <a:tcPr marL="124632" marR="124632" marT="62316" marB="62316">
-                    <a:lnL w="12700" cmpd="sng">
-                      <a:solidFill>
-                        <a:sysClr val="window" lastClr="FFFFFF"/>
-                      </a:solidFill>
-                    </a:lnL>
-                    <a:lnR w="12700" cmpd="sng">
-                      <a:solidFill>
-                        <a:sysClr val="window" lastClr="FFFFFF"/>
-                      </a:solidFill>
-                    </a:lnR>
-                    <a:lnT w="12700" cmpd="sng">
-                      <a:solidFill>
-                        <a:sysClr val="window" lastClr="FFFFFF"/>
-                      </a:solidFill>
-                    </a:lnT>
-                    <a:lnB w="12700" cmpd="sng">
-                      <a:solidFill>
-                        <a:sysClr val="window" lastClr="FFFFFF"/>
-                      </a:solidFill>
-                    </a:lnB>
-                    <a:lnTlToBr w="12700" cmpd="sng">
-                      <a:noFill/>
-                      <a:prstDash val="solid"/>
-                    </a:lnTlToBr>
-                    <a:lnBlToTr w="12700" cmpd="sng">
-                      <a:noFill/>
-                      <a:prstDash val="solid"/>
-                    </a:lnBlToTr>
-                    <a:solidFill>
-                      <a:srgbClr val="AF1E2D">
-                        <a:lumMod val="60000"/>
-                        <a:lumOff val="40000"/>
-                      </a:srgbClr>
-                    </a:solidFill>
-                  </a:tcPr>
-                </a:tc>
-                <a:extLst>
-                  <a:ext uri="{0D108BD9-81ED-4DB2-BD59-A6C34878D82A}">
-                    <a16:rowId xmlns:a16="http://schemas.microsoft.com/office/drawing/2014/main" xmlns="" val="10005"/>
-                  </a:ext>
-                </a:extLst>
-              </a:tr>
-              <a:tr h="398522">
-                <a:tc>
-                  <a:txBody>
-                    <a:bodyPr/>
-                    <a:lstStyle>
-                      <a:lvl1pPr marL="0" algn="l" defTabSz="364645" rtl="0" eaLnBrk="1" latinLnBrk="0" hangingPunct="1">
-                        <a:defRPr sz="1400" kern="1200">
-                          <a:solidFill>
-                            <a:schemeClr val="dk1"/>
-                          </a:solidFill>
-                          <a:latin typeface="Segoe UI"/>
-                        </a:defRPr>
-                      </a:lvl1pPr>
-                      <a:lvl2pPr marL="364645" algn="l" defTabSz="364645" rtl="0" eaLnBrk="1" latinLnBrk="0" hangingPunct="1">
-                        <a:defRPr sz="1400" kern="1200">
-                          <a:solidFill>
-                            <a:schemeClr val="dk1"/>
-                          </a:solidFill>
-                          <a:latin typeface="Segoe UI"/>
-                        </a:defRPr>
-                      </a:lvl2pPr>
-                      <a:lvl3pPr marL="729290" algn="l" defTabSz="364645" rtl="0" eaLnBrk="1" latinLnBrk="0" hangingPunct="1">
-                        <a:defRPr sz="1400" kern="1200">
-                          <a:solidFill>
-                            <a:schemeClr val="dk1"/>
-                          </a:solidFill>
-                          <a:latin typeface="Segoe UI"/>
-                        </a:defRPr>
-                      </a:lvl3pPr>
-                      <a:lvl4pPr marL="1093935" algn="l" defTabSz="364645" rtl="0" eaLnBrk="1" latinLnBrk="0" hangingPunct="1">
-                        <a:defRPr sz="1400" kern="1200">
-                          <a:solidFill>
-                            <a:schemeClr val="dk1"/>
-                          </a:solidFill>
-                          <a:latin typeface="Segoe UI"/>
-                        </a:defRPr>
-                      </a:lvl4pPr>
-                      <a:lvl5pPr marL="1458580" algn="l" defTabSz="364645" rtl="0" eaLnBrk="1" latinLnBrk="0" hangingPunct="1">
-                        <a:defRPr sz="1400" kern="1200">
-                          <a:solidFill>
-                            <a:schemeClr val="dk1"/>
-                          </a:solidFill>
-                          <a:latin typeface="Segoe UI"/>
-                        </a:defRPr>
-                      </a:lvl5pPr>
-                      <a:lvl6pPr marL="1823225" algn="l" defTabSz="364645" rtl="0" eaLnBrk="1" latinLnBrk="0" hangingPunct="1">
-                        <a:defRPr sz="1400" kern="1200">
-                          <a:solidFill>
-                            <a:schemeClr val="dk1"/>
-                          </a:solidFill>
-                          <a:latin typeface="Segoe UI"/>
-                        </a:defRPr>
-                      </a:lvl6pPr>
-                      <a:lvl7pPr marL="2187869" algn="l" defTabSz="364645" rtl="0" eaLnBrk="1" latinLnBrk="0" hangingPunct="1">
-                        <a:defRPr sz="1400" kern="1200">
-                          <a:solidFill>
-                            <a:schemeClr val="dk1"/>
-                          </a:solidFill>
-                          <a:latin typeface="Segoe UI"/>
-                        </a:defRPr>
-                      </a:lvl7pPr>
-                      <a:lvl8pPr marL="2552515" algn="l" defTabSz="364645" rtl="0" eaLnBrk="1" latinLnBrk="0" hangingPunct="1">
-                        <a:defRPr sz="1400" kern="1200">
-                          <a:solidFill>
-                            <a:schemeClr val="dk1"/>
-                          </a:solidFill>
-                          <a:latin typeface="Segoe UI"/>
-                        </a:defRPr>
-                      </a:lvl8pPr>
-                      <a:lvl9pPr marL="2917160" algn="l" defTabSz="364645" rtl="0" eaLnBrk="1" latinLnBrk="0" hangingPunct="1">
-                        <a:defRPr sz="1400" kern="1200">
-                          <a:solidFill>
-                            <a:schemeClr val="dk1"/>
-                          </a:solidFill>
-                          <a:latin typeface="Segoe UI"/>
-                        </a:defRPr>
-                      </a:lvl9pPr>
-                    </a:lstStyle>
-                    <a:p>
-                      <a:r>
-                        <a:rPr lang="en-US" sz="1600" dirty="0"/>
-                        <a:t>Race</a:t>
-                      </a:r>
-                    </a:p>
-                  </a:txBody>
-                  <a:tcPr marL="124632" marR="124632" marT="62316" marB="62316">
-                    <a:lnL w="12700" cmpd="sng">
-                      <a:solidFill>
-                        <a:sysClr val="window" lastClr="FFFFFF"/>
-                      </a:solidFill>
-                    </a:lnL>
-                    <a:lnR w="12700" cmpd="sng">
-                      <a:solidFill>
-                        <a:sysClr val="window" lastClr="FFFFFF"/>
-                      </a:solidFill>
-                    </a:lnR>
-                    <a:lnT w="12700" cmpd="sng">
-                      <a:solidFill>
-                        <a:sysClr val="window" lastClr="FFFFFF"/>
-                      </a:solidFill>
-                    </a:lnT>
-                    <a:lnB w="12700" cmpd="sng">
-                      <a:solidFill>
-                        <a:sysClr val="window" lastClr="FFFFFF"/>
-                      </a:solidFill>
-                    </a:lnB>
-                    <a:lnTlToBr w="12700" cmpd="sng">
-                      <a:noFill/>
-                      <a:prstDash val="solid"/>
-                    </a:lnTlToBr>
-                    <a:lnBlToTr w="12700" cmpd="sng">
-                      <a:noFill/>
-                      <a:prstDash val="solid"/>
-                    </a:lnBlToTr>
-                    <a:solidFill>
-                      <a:srgbClr val="AF1E2D">
-                        <a:tint val="40000"/>
-                      </a:srgbClr>
-                    </a:solidFill>
-                  </a:tcPr>
-                </a:tc>
-                <a:tc>
-                  <a:txBody>
-                    <a:bodyPr/>
-                    <a:lstStyle>
-                      <a:lvl1pPr marL="0" algn="l" defTabSz="364645" rtl="0" eaLnBrk="1" latinLnBrk="0" hangingPunct="1">
-                        <a:defRPr sz="1400" kern="1200">
-                          <a:solidFill>
-                            <a:schemeClr val="dk1"/>
-                          </a:solidFill>
-                          <a:latin typeface="Segoe UI"/>
-                        </a:defRPr>
-                      </a:lvl1pPr>
-                      <a:lvl2pPr marL="364645" algn="l" defTabSz="364645" rtl="0" eaLnBrk="1" latinLnBrk="0" hangingPunct="1">
-                        <a:defRPr sz="1400" kern="1200">
-                          <a:solidFill>
-                            <a:schemeClr val="dk1"/>
-                          </a:solidFill>
-                          <a:latin typeface="Segoe UI"/>
-                        </a:defRPr>
-                      </a:lvl2pPr>
-                      <a:lvl3pPr marL="729290" algn="l" defTabSz="364645" rtl="0" eaLnBrk="1" latinLnBrk="0" hangingPunct="1">
-                        <a:defRPr sz="1400" kern="1200">
-                          <a:solidFill>
-                            <a:schemeClr val="dk1"/>
-                          </a:solidFill>
-                          <a:latin typeface="Segoe UI"/>
-                        </a:defRPr>
-                      </a:lvl3pPr>
-                      <a:lvl4pPr marL="1093935" algn="l" defTabSz="364645" rtl="0" eaLnBrk="1" latinLnBrk="0" hangingPunct="1">
-                        <a:defRPr sz="1400" kern="1200">
-                          <a:solidFill>
-                            <a:schemeClr val="dk1"/>
-                          </a:solidFill>
-                          <a:latin typeface="Segoe UI"/>
-                        </a:defRPr>
-                      </a:lvl4pPr>
-                      <a:lvl5pPr marL="1458580" algn="l" defTabSz="364645" rtl="0" eaLnBrk="1" latinLnBrk="0" hangingPunct="1">
-                        <a:defRPr sz="1400" kern="1200">
-                          <a:solidFill>
-                            <a:schemeClr val="dk1"/>
-                          </a:solidFill>
-                          <a:latin typeface="Segoe UI"/>
-                        </a:defRPr>
-                      </a:lvl5pPr>
-                      <a:lvl6pPr marL="1823225" algn="l" defTabSz="364645" rtl="0" eaLnBrk="1" latinLnBrk="0" hangingPunct="1">
-                        <a:defRPr sz="1400" kern="1200">
-                          <a:solidFill>
-                            <a:schemeClr val="dk1"/>
-                          </a:solidFill>
-                          <a:latin typeface="Segoe UI"/>
-                        </a:defRPr>
-                      </a:lvl6pPr>
-                      <a:lvl7pPr marL="2187869" algn="l" defTabSz="364645" rtl="0" eaLnBrk="1" latinLnBrk="0" hangingPunct="1">
-                        <a:defRPr sz="1400" kern="1200">
-                          <a:solidFill>
-                            <a:schemeClr val="dk1"/>
-                          </a:solidFill>
-                          <a:latin typeface="Segoe UI"/>
-                        </a:defRPr>
-                      </a:lvl7pPr>
-                      <a:lvl8pPr marL="2552515" algn="l" defTabSz="364645" rtl="0" eaLnBrk="1" latinLnBrk="0" hangingPunct="1">
-                        <a:defRPr sz="1400" kern="1200">
-                          <a:solidFill>
-                            <a:schemeClr val="dk1"/>
-                          </a:solidFill>
-                          <a:latin typeface="Segoe UI"/>
-                        </a:defRPr>
-                      </a:lvl8pPr>
-                      <a:lvl9pPr marL="2917160" algn="l" defTabSz="364645" rtl="0" eaLnBrk="1" latinLnBrk="0" hangingPunct="1">
-                        <a:defRPr sz="1400" kern="1200">
-                          <a:solidFill>
-                            <a:schemeClr val="dk1"/>
-                          </a:solidFill>
-                          <a:latin typeface="Segoe UI"/>
-                        </a:defRPr>
-                      </a:lvl9pPr>
-                    </a:lstStyle>
-                    <a:p>
-                      <a:r>
-                        <a:rPr lang="en-US" sz="1600" dirty="0"/>
-                        <a:t>Asian-Pac Island</a:t>
-                      </a:r>
-                    </a:p>
-                  </a:txBody>
-                  <a:tcPr marL="124632" marR="124632" marT="62316" marB="62316">
-                    <a:lnL w="12700" cmpd="sng">
-                      <a:solidFill>
-                        <a:sysClr val="window" lastClr="FFFFFF"/>
-                      </a:solidFill>
-                    </a:lnL>
-                    <a:lnR w="12700" cmpd="sng">
-                      <a:solidFill>
-                        <a:sysClr val="window" lastClr="FFFFFF"/>
-                      </a:solidFill>
-                    </a:lnR>
-                    <a:lnT w="12700" cmpd="sng">
-                      <a:solidFill>
-                        <a:sysClr val="window" lastClr="FFFFFF"/>
-                      </a:solidFill>
-                    </a:lnT>
-                    <a:lnB w="12700" cmpd="sng">
-                      <a:solidFill>
-                        <a:sysClr val="window" lastClr="FFFFFF"/>
-                      </a:solidFill>
-                    </a:lnB>
-                    <a:lnTlToBr w="12700" cmpd="sng">
-                      <a:noFill/>
-                      <a:prstDash val="solid"/>
-                    </a:lnTlToBr>
-                    <a:lnBlToTr w="12700" cmpd="sng">
-                      <a:noFill/>
-                      <a:prstDash val="solid"/>
-                    </a:lnBlToTr>
-                    <a:solidFill>
-                      <a:srgbClr val="AF1E2D">
-                        <a:tint val="40000"/>
-                      </a:srgbClr>
-                    </a:solidFill>
-                  </a:tcPr>
-                </a:tc>
-                <a:extLst>
-                  <a:ext uri="{0D108BD9-81ED-4DB2-BD59-A6C34878D82A}">
-                    <a16:rowId xmlns:a16="http://schemas.microsoft.com/office/drawing/2014/main" xmlns="" val="10006"/>
-                  </a:ext>
-                </a:extLst>
-              </a:tr>
-              <a:tr h="398522">
-                <a:tc>
-                  <a:txBody>
-                    <a:bodyPr/>
-                    <a:lstStyle>
-                      <a:lvl1pPr marL="0" algn="l" defTabSz="364645" rtl="0" eaLnBrk="1" latinLnBrk="0" hangingPunct="1">
-                        <a:defRPr sz="1400" kern="1200">
-                          <a:solidFill>
-                            <a:schemeClr val="dk1"/>
-                          </a:solidFill>
-                          <a:latin typeface="Segoe UI"/>
-                        </a:defRPr>
-                      </a:lvl1pPr>
-                      <a:lvl2pPr marL="364645" algn="l" defTabSz="364645" rtl="0" eaLnBrk="1" latinLnBrk="0" hangingPunct="1">
-                        <a:defRPr sz="1400" kern="1200">
-                          <a:solidFill>
-                            <a:schemeClr val="dk1"/>
-                          </a:solidFill>
-                          <a:latin typeface="Segoe UI"/>
-                        </a:defRPr>
-                      </a:lvl2pPr>
-                      <a:lvl3pPr marL="729290" algn="l" defTabSz="364645" rtl="0" eaLnBrk="1" latinLnBrk="0" hangingPunct="1">
-                        <a:defRPr sz="1400" kern="1200">
-                          <a:solidFill>
-                            <a:schemeClr val="dk1"/>
-                          </a:solidFill>
-                          <a:latin typeface="Segoe UI"/>
-                        </a:defRPr>
-                      </a:lvl3pPr>
-                      <a:lvl4pPr marL="1093935" algn="l" defTabSz="364645" rtl="0" eaLnBrk="1" latinLnBrk="0" hangingPunct="1">
-                        <a:defRPr sz="1400" kern="1200">
-                          <a:solidFill>
-                            <a:schemeClr val="dk1"/>
-                          </a:solidFill>
-                          <a:latin typeface="Segoe UI"/>
-                        </a:defRPr>
-                      </a:lvl4pPr>
-                      <a:lvl5pPr marL="1458580" algn="l" defTabSz="364645" rtl="0" eaLnBrk="1" latinLnBrk="0" hangingPunct="1">
-                        <a:defRPr sz="1400" kern="1200">
-                          <a:solidFill>
-                            <a:schemeClr val="dk1"/>
-                          </a:solidFill>
-                          <a:latin typeface="Segoe UI"/>
-                        </a:defRPr>
-                      </a:lvl5pPr>
-                      <a:lvl6pPr marL="1823225" algn="l" defTabSz="364645" rtl="0" eaLnBrk="1" latinLnBrk="0" hangingPunct="1">
-                        <a:defRPr sz="1400" kern="1200">
-                          <a:solidFill>
-                            <a:schemeClr val="dk1"/>
-                          </a:solidFill>
-                          <a:latin typeface="Segoe UI"/>
-                        </a:defRPr>
-                      </a:lvl6pPr>
-                      <a:lvl7pPr marL="2187869" algn="l" defTabSz="364645" rtl="0" eaLnBrk="1" latinLnBrk="0" hangingPunct="1">
-                        <a:defRPr sz="1400" kern="1200">
-                          <a:solidFill>
-                            <a:schemeClr val="dk1"/>
-                          </a:solidFill>
-                          <a:latin typeface="Segoe UI"/>
-                        </a:defRPr>
-                      </a:lvl7pPr>
-                      <a:lvl8pPr marL="2552515" algn="l" defTabSz="364645" rtl="0" eaLnBrk="1" latinLnBrk="0" hangingPunct="1">
-                        <a:defRPr sz="1400" kern="1200">
-                          <a:solidFill>
-                            <a:schemeClr val="dk1"/>
-                          </a:solidFill>
-                          <a:latin typeface="Segoe UI"/>
-                        </a:defRPr>
-                      </a:lvl8pPr>
-                      <a:lvl9pPr marL="2917160" algn="l" defTabSz="364645" rtl="0" eaLnBrk="1" latinLnBrk="0" hangingPunct="1">
-                        <a:defRPr sz="1400" kern="1200">
-                          <a:solidFill>
-                            <a:schemeClr val="dk1"/>
-                          </a:solidFill>
-                          <a:latin typeface="Segoe UI"/>
-                        </a:defRPr>
-                      </a:lvl9pPr>
-                    </a:lstStyle>
-                    <a:p>
-                      <a:r>
-                        <a:rPr lang="en-US" sz="1600" dirty="0"/>
-                        <a:t>Gender</a:t>
-                      </a:r>
-                    </a:p>
-                  </a:txBody>
-                  <a:tcPr marL="124632" marR="124632" marT="62316" marB="62316">
-                    <a:lnL w="12700" cmpd="sng">
-                      <a:solidFill>
-                        <a:sysClr val="window" lastClr="FFFFFF"/>
-                      </a:solidFill>
-                    </a:lnL>
-                    <a:lnR w="12700" cmpd="sng">
-                      <a:solidFill>
-                        <a:sysClr val="window" lastClr="FFFFFF"/>
-                      </a:solidFill>
-                    </a:lnR>
-                    <a:lnT w="12700" cmpd="sng">
-                      <a:solidFill>
-                        <a:sysClr val="window" lastClr="FFFFFF"/>
-                      </a:solidFill>
-                    </a:lnT>
-                    <a:lnB w="12700" cmpd="sng">
-                      <a:solidFill>
-                        <a:sysClr val="window" lastClr="FFFFFF"/>
-                      </a:solidFill>
-                    </a:lnB>
-                    <a:lnTlToBr w="12700" cmpd="sng">
-                      <a:noFill/>
-                      <a:prstDash val="solid"/>
-                    </a:lnTlToBr>
-                    <a:lnBlToTr w="12700" cmpd="sng">
-                      <a:noFill/>
-                      <a:prstDash val="solid"/>
-                    </a:lnBlToTr>
-                    <a:solidFill>
-                      <a:srgbClr val="AF1E2D">
-                        <a:tint val="20000"/>
-                      </a:srgbClr>
-                    </a:solidFill>
-                  </a:tcPr>
-                </a:tc>
-                <a:tc>
-                  <a:txBody>
-                    <a:bodyPr/>
-                    <a:lstStyle>
-                      <a:lvl1pPr marL="0" algn="l" defTabSz="364645" rtl="0" eaLnBrk="1" latinLnBrk="0" hangingPunct="1">
-                        <a:defRPr sz="1400" kern="1200">
-                          <a:solidFill>
-                            <a:schemeClr val="dk1"/>
-                          </a:solidFill>
-                          <a:latin typeface="Segoe UI"/>
-                        </a:defRPr>
-                      </a:lvl1pPr>
-                      <a:lvl2pPr marL="364645" algn="l" defTabSz="364645" rtl="0" eaLnBrk="1" latinLnBrk="0" hangingPunct="1">
-                        <a:defRPr sz="1400" kern="1200">
-                          <a:solidFill>
-                            <a:schemeClr val="dk1"/>
-                          </a:solidFill>
-                          <a:latin typeface="Segoe UI"/>
-                        </a:defRPr>
-                      </a:lvl2pPr>
-                      <a:lvl3pPr marL="729290" algn="l" defTabSz="364645" rtl="0" eaLnBrk="1" latinLnBrk="0" hangingPunct="1">
-                        <a:defRPr sz="1400" kern="1200">
-                          <a:solidFill>
-                            <a:schemeClr val="dk1"/>
-                          </a:solidFill>
-                          <a:latin typeface="Segoe UI"/>
-                        </a:defRPr>
-                      </a:lvl3pPr>
-                      <a:lvl4pPr marL="1093935" algn="l" defTabSz="364645" rtl="0" eaLnBrk="1" latinLnBrk="0" hangingPunct="1">
-                        <a:defRPr sz="1400" kern="1200">
-                          <a:solidFill>
-                            <a:schemeClr val="dk1"/>
-                          </a:solidFill>
-                          <a:latin typeface="Segoe UI"/>
-                        </a:defRPr>
-                      </a:lvl4pPr>
-                      <a:lvl5pPr marL="1458580" algn="l" defTabSz="364645" rtl="0" eaLnBrk="1" latinLnBrk="0" hangingPunct="1">
-                        <a:defRPr sz="1400" kern="1200">
-                          <a:solidFill>
-                            <a:schemeClr val="dk1"/>
-                          </a:solidFill>
-                          <a:latin typeface="Segoe UI"/>
-                        </a:defRPr>
-                      </a:lvl5pPr>
-                      <a:lvl6pPr marL="1823225" algn="l" defTabSz="364645" rtl="0" eaLnBrk="1" latinLnBrk="0" hangingPunct="1">
-                        <a:defRPr sz="1400" kern="1200">
-                          <a:solidFill>
-                            <a:schemeClr val="dk1"/>
-                          </a:solidFill>
-                          <a:latin typeface="Segoe UI"/>
-                        </a:defRPr>
-                      </a:lvl6pPr>
-                      <a:lvl7pPr marL="2187869" algn="l" defTabSz="364645" rtl="0" eaLnBrk="1" latinLnBrk="0" hangingPunct="1">
-                        <a:defRPr sz="1400" kern="1200">
-                          <a:solidFill>
-                            <a:schemeClr val="dk1"/>
-                          </a:solidFill>
-                          <a:latin typeface="Segoe UI"/>
-                        </a:defRPr>
-                      </a:lvl7pPr>
-                      <a:lvl8pPr marL="2552515" algn="l" defTabSz="364645" rtl="0" eaLnBrk="1" latinLnBrk="0" hangingPunct="1">
-                        <a:defRPr sz="1400" kern="1200">
-                          <a:solidFill>
-                            <a:schemeClr val="dk1"/>
-                          </a:solidFill>
-                          <a:latin typeface="Segoe UI"/>
-                        </a:defRPr>
-                      </a:lvl8pPr>
-                      <a:lvl9pPr marL="2917160" algn="l" defTabSz="364645" rtl="0" eaLnBrk="1" latinLnBrk="0" hangingPunct="1">
-                        <a:defRPr sz="1400" kern="1200">
-                          <a:solidFill>
-                            <a:schemeClr val="dk1"/>
-                          </a:solidFill>
-                          <a:latin typeface="Segoe UI"/>
-                        </a:defRPr>
-                      </a:lvl9pPr>
-                    </a:lstStyle>
-                    <a:p>
-                      <a:r>
-                        <a:rPr lang="en-US" sz="1600" dirty="0"/>
-                        <a:t>Male</a:t>
-                      </a:r>
-                    </a:p>
-                  </a:txBody>
-                  <a:tcPr marL="124632" marR="124632" marT="62316" marB="62316">
-                    <a:lnL w="12700" cmpd="sng">
-                      <a:solidFill>
-                        <a:sysClr val="window" lastClr="FFFFFF"/>
-                      </a:solidFill>
-                    </a:lnL>
-                    <a:lnR w="12700" cmpd="sng">
-                      <a:solidFill>
-                        <a:sysClr val="window" lastClr="FFFFFF"/>
-                      </a:solidFill>
-                    </a:lnR>
-                    <a:lnT w="12700" cmpd="sng">
-                      <a:solidFill>
-                        <a:sysClr val="window" lastClr="FFFFFF"/>
-                      </a:solidFill>
-                    </a:lnT>
-                    <a:lnB w="12700" cmpd="sng">
-                      <a:solidFill>
-                        <a:sysClr val="window" lastClr="FFFFFF"/>
-                      </a:solidFill>
-                    </a:lnB>
-                    <a:lnTlToBr w="12700" cmpd="sng">
-                      <a:noFill/>
-                      <a:prstDash val="solid"/>
-                    </a:lnTlToBr>
-                    <a:lnBlToTr w="12700" cmpd="sng">
-                      <a:noFill/>
-                      <a:prstDash val="solid"/>
-                    </a:lnBlToTr>
-                    <a:solidFill>
-                      <a:srgbClr val="AF1E2D">
-                        <a:tint val="20000"/>
-                      </a:srgbClr>
-                    </a:solidFill>
-                  </a:tcPr>
-                </a:tc>
-                <a:extLst>
-                  <a:ext uri="{0D108BD9-81ED-4DB2-BD59-A6C34878D82A}">
-                    <a16:rowId xmlns:a16="http://schemas.microsoft.com/office/drawing/2014/main" xmlns="" val="10007"/>
-                  </a:ext>
-                </a:extLst>
-              </a:tr>
-              <a:tr h="398522">
-                <a:tc>
-                  <a:txBody>
-                    <a:bodyPr/>
-                    <a:lstStyle>
-                      <a:lvl1pPr marL="0" algn="l" defTabSz="364645" rtl="0" eaLnBrk="1" latinLnBrk="0" hangingPunct="1">
-                        <a:defRPr sz="1400" kern="1200">
-                          <a:solidFill>
-                            <a:schemeClr val="dk1"/>
-                          </a:solidFill>
-                          <a:latin typeface="Segoe UI"/>
-                        </a:defRPr>
-                      </a:lvl1pPr>
-                      <a:lvl2pPr marL="364645" algn="l" defTabSz="364645" rtl="0" eaLnBrk="1" latinLnBrk="0" hangingPunct="1">
-                        <a:defRPr sz="1400" kern="1200">
-                          <a:solidFill>
-                            <a:schemeClr val="dk1"/>
-                          </a:solidFill>
-                          <a:latin typeface="Segoe UI"/>
-                        </a:defRPr>
-                      </a:lvl2pPr>
-                      <a:lvl3pPr marL="729290" algn="l" defTabSz="364645" rtl="0" eaLnBrk="1" latinLnBrk="0" hangingPunct="1">
-                        <a:defRPr sz="1400" kern="1200">
-                          <a:solidFill>
-                            <a:schemeClr val="dk1"/>
-                          </a:solidFill>
-                          <a:latin typeface="Segoe UI"/>
-                        </a:defRPr>
-                      </a:lvl3pPr>
-                      <a:lvl4pPr marL="1093935" algn="l" defTabSz="364645" rtl="0" eaLnBrk="1" latinLnBrk="0" hangingPunct="1">
-                        <a:defRPr sz="1400" kern="1200">
-                          <a:solidFill>
-                            <a:schemeClr val="dk1"/>
-                          </a:solidFill>
-                          <a:latin typeface="Segoe UI"/>
-                        </a:defRPr>
-                      </a:lvl4pPr>
-                      <a:lvl5pPr marL="1458580" algn="l" defTabSz="364645" rtl="0" eaLnBrk="1" latinLnBrk="0" hangingPunct="1">
-                        <a:defRPr sz="1400" kern="1200">
-                          <a:solidFill>
-                            <a:schemeClr val="dk1"/>
-                          </a:solidFill>
-                          <a:latin typeface="Segoe UI"/>
-                        </a:defRPr>
-                      </a:lvl5pPr>
-                      <a:lvl6pPr marL="1823225" algn="l" defTabSz="364645" rtl="0" eaLnBrk="1" latinLnBrk="0" hangingPunct="1">
-                        <a:defRPr sz="1400" kern="1200">
-                          <a:solidFill>
-                            <a:schemeClr val="dk1"/>
-                          </a:solidFill>
-                          <a:latin typeface="Segoe UI"/>
-                        </a:defRPr>
-                      </a:lvl6pPr>
-                      <a:lvl7pPr marL="2187869" algn="l" defTabSz="364645" rtl="0" eaLnBrk="1" latinLnBrk="0" hangingPunct="1">
-                        <a:defRPr sz="1400" kern="1200">
-                          <a:solidFill>
-                            <a:schemeClr val="dk1"/>
-                          </a:solidFill>
-                          <a:latin typeface="Segoe UI"/>
-                        </a:defRPr>
-                      </a:lvl7pPr>
-                      <a:lvl8pPr marL="2552515" algn="l" defTabSz="364645" rtl="0" eaLnBrk="1" latinLnBrk="0" hangingPunct="1">
-                        <a:defRPr sz="1400" kern="1200">
-                          <a:solidFill>
-                            <a:schemeClr val="dk1"/>
-                          </a:solidFill>
-                          <a:latin typeface="Segoe UI"/>
-                        </a:defRPr>
-                      </a:lvl8pPr>
-                      <a:lvl9pPr marL="2917160" algn="l" defTabSz="364645" rtl="0" eaLnBrk="1" latinLnBrk="0" hangingPunct="1">
-                        <a:defRPr sz="1400" kern="1200">
-                          <a:solidFill>
-                            <a:schemeClr val="dk1"/>
-                          </a:solidFill>
-                          <a:latin typeface="Segoe UI"/>
-                        </a:defRPr>
-                      </a:lvl9pPr>
-                    </a:lstStyle>
-                    <a:p>
-                      <a:r>
-                        <a:rPr lang="en-US" sz="1600" dirty="0"/>
-                        <a:t>Capital gain</a:t>
-                      </a:r>
-                    </a:p>
-                  </a:txBody>
-                  <a:tcPr marL="124632" marR="124632" marT="62316" marB="62316">
-                    <a:lnL w="12700" cmpd="sng">
-                      <a:solidFill>
-                        <a:sysClr val="window" lastClr="FFFFFF"/>
-                      </a:solidFill>
-                    </a:lnL>
-                    <a:lnR w="12700" cmpd="sng">
-                      <a:solidFill>
-                        <a:sysClr val="window" lastClr="FFFFFF"/>
-                      </a:solidFill>
-                    </a:lnR>
-                    <a:lnT w="12700" cmpd="sng">
-                      <a:solidFill>
-                        <a:sysClr val="window" lastClr="FFFFFF"/>
-                      </a:solidFill>
-                    </a:lnT>
-                    <a:lnB w="12700" cmpd="sng">
-                      <a:solidFill>
-                        <a:sysClr val="window" lastClr="FFFFFF"/>
-                      </a:solidFill>
-                    </a:lnB>
-                    <a:lnTlToBr w="12700" cmpd="sng">
-                      <a:noFill/>
-                      <a:prstDash val="solid"/>
-                    </a:lnTlToBr>
-                    <a:lnBlToTr w="12700" cmpd="sng">
-                      <a:noFill/>
-                      <a:prstDash val="solid"/>
-                    </a:lnBlToTr>
-                    <a:solidFill>
-                      <a:srgbClr val="92D050"/>
-                    </a:solidFill>
-                  </a:tcPr>
-                </a:tc>
-                <a:tc>
-                  <a:txBody>
-                    <a:bodyPr/>
-                    <a:lstStyle>
-                      <a:lvl1pPr marL="0" algn="l" defTabSz="364645" rtl="0" eaLnBrk="1" latinLnBrk="0" hangingPunct="1">
-                        <a:defRPr sz="1400" kern="1200">
-                          <a:solidFill>
-                            <a:schemeClr val="dk1"/>
-                          </a:solidFill>
-                          <a:latin typeface="Segoe UI"/>
-                        </a:defRPr>
-                      </a:lvl1pPr>
-                      <a:lvl2pPr marL="364645" algn="l" defTabSz="364645" rtl="0" eaLnBrk="1" latinLnBrk="0" hangingPunct="1">
-                        <a:defRPr sz="1400" kern="1200">
-                          <a:solidFill>
-                            <a:schemeClr val="dk1"/>
-                          </a:solidFill>
-                          <a:latin typeface="Segoe UI"/>
-                        </a:defRPr>
-                      </a:lvl2pPr>
-                      <a:lvl3pPr marL="729290" algn="l" defTabSz="364645" rtl="0" eaLnBrk="1" latinLnBrk="0" hangingPunct="1">
-                        <a:defRPr sz="1400" kern="1200">
-                          <a:solidFill>
-                            <a:schemeClr val="dk1"/>
-                          </a:solidFill>
-                          <a:latin typeface="Segoe UI"/>
-                        </a:defRPr>
-                      </a:lvl3pPr>
-                      <a:lvl4pPr marL="1093935" algn="l" defTabSz="364645" rtl="0" eaLnBrk="1" latinLnBrk="0" hangingPunct="1">
-                        <a:defRPr sz="1400" kern="1200">
-                          <a:solidFill>
-                            <a:schemeClr val="dk1"/>
-                          </a:solidFill>
-                          <a:latin typeface="Segoe UI"/>
-                        </a:defRPr>
-                      </a:lvl4pPr>
-                      <a:lvl5pPr marL="1458580" algn="l" defTabSz="364645" rtl="0" eaLnBrk="1" latinLnBrk="0" hangingPunct="1">
-                        <a:defRPr sz="1400" kern="1200">
-                          <a:solidFill>
-                            <a:schemeClr val="dk1"/>
-                          </a:solidFill>
-                          <a:latin typeface="Segoe UI"/>
-                        </a:defRPr>
-                      </a:lvl5pPr>
-                      <a:lvl6pPr marL="1823225" algn="l" defTabSz="364645" rtl="0" eaLnBrk="1" latinLnBrk="0" hangingPunct="1">
-                        <a:defRPr sz="1400" kern="1200">
-                          <a:solidFill>
-                            <a:schemeClr val="dk1"/>
-                          </a:solidFill>
-                          <a:latin typeface="Segoe UI"/>
-                        </a:defRPr>
-                      </a:lvl6pPr>
-                      <a:lvl7pPr marL="2187869" algn="l" defTabSz="364645" rtl="0" eaLnBrk="1" latinLnBrk="0" hangingPunct="1">
-                        <a:defRPr sz="1400" kern="1200">
-                          <a:solidFill>
-                            <a:schemeClr val="dk1"/>
-                          </a:solidFill>
-                          <a:latin typeface="Segoe UI"/>
-                        </a:defRPr>
-                      </a:lvl7pPr>
-                      <a:lvl8pPr marL="2552515" algn="l" defTabSz="364645" rtl="0" eaLnBrk="1" latinLnBrk="0" hangingPunct="1">
-                        <a:defRPr sz="1400" kern="1200">
-                          <a:solidFill>
-                            <a:schemeClr val="dk1"/>
-                          </a:solidFill>
-                          <a:latin typeface="Segoe UI"/>
-                        </a:defRPr>
-                      </a:lvl8pPr>
-                      <a:lvl9pPr marL="2917160" algn="l" defTabSz="364645" rtl="0" eaLnBrk="1" latinLnBrk="0" hangingPunct="1">
-                        <a:defRPr sz="1400" kern="1200">
-                          <a:solidFill>
-                            <a:schemeClr val="dk1"/>
-                          </a:solidFill>
-                          <a:latin typeface="Segoe UI"/>
-                        </a:defRPr>
-                      </a:lvl9pPr>
-                    </a:lstStyle>
-                    <a:p>
-                      <a:r>
-                        <a:rPr lang="en-US" sz="1600" dirty="0"/>
-                        <a:t>$14344</a:t>
-                      </a:r>
-                    </a:p>
-                  </a:txBody>
-                  <a:tcPr marL="124632" marR="124632" marT="62316" marB="62316">
-                    <a:lnL w="12700" cmpd="sng">
-                      <a:solidFill>
-                        <a:sysClr val="window" lastClr="FFFFFF"/>
-                      </a:solidFill>
-                    </a:lnL>
-                    <a:lnR w="12700" cmpd="sng">
-                      <a:solidFill>
-                        <a:sysClr val="window" lastClr="FFFFFF"/>
-                      </a:solidFill>
-                    </a:lnR>
-                    <a:lnT w="12700" cmpd="sng">
-                      <a:solidFill>
-                        <a:sysClr val="window" lastClr="FFFFFF"/>
-                      </a:solidFill>
-                    </a:lnT>
-                    <a:lnB w="12700" cmpd="sng">
-                      <a:solidFill>
-                        <a:sysClr val="window" lastClr="FFFFFF"/>
-                      </a:solidFill>
-                    </a:lnB>
-                    <a:lnTlToBr w="12700" cmpd="sng">
-                      <a:noFill/>
-                      <a:prstDash val="solid"/>
-                    </a:lnTlToBr>
-                    <a:lnBlToTr w="12700" cmpd="sng">
-                      <a:noFill/>
-                      <a:prstDash val="solid"/>
-                    </a:lnBlToTr>
-                    <a:solidFill>
-                      <a:srgbClr val="92D050"/>
-                    </a:solidFill>
-                  </a:tcPr>
-                </a:tc>
-                <a:extLst>
-                  <a:ext uri="{0D108BD9-81ED-4DB2-BD59-A6C34878D82A}">
-                    <a16:rowId xmlns:a16="http://schemas.microsoft.com/office/drawing/2014/main" xmlns="" val="10008"/>
-                  </a:ext>
-                </a:extLst>
-              </a:tr>
-              <a:tr h="398522">
-                <a:tc>
-                  <a:txBody>
-                    <a:bodyPr/>
-                    <a:lstStyle>
-                      <a:lvl1pPr marL="0" algn="l" defTabSz="364645" rtl="0" eaLnBrk="1" latinLnBrk="0" hangingPunct="1">
-                        <a:defRPr sz="1400" kern="1200">
-                          <a:solidFill>
-                            <a:schemeClr val="dk1"/>
-                          </a:solidFill>
-                          <a:latin typeface="Segoe UI"/>
-                        </a:defRPr>
-                      </a:lvl1pPr>
-                      <a:lvl2pPr marL="364645" algn="l" defTabSz="364645" rtl="0" eaLnBrk="1" latinLnBrk="0" hangingPunct="1">
-                        <a:defRPr sz="1400" kern="1200">
-                          <a:solidFill>
-                            <a:schemeClr val="dk1"/>
-                          </a:solidFill>
-                          <a:latin typeface="Segoe UI"/>
-                        </a:defRPr>
-                      </a:lvl2pPr>
-                      <a:lvl3pPr marL="729290" algn="l" defTabSz="364645" rtl="0" eaLnBrk="1" latinLnBrk="0" hangingPunct="1">
-                        <a:defRPr sz="1400" kern="1200">
-                          <a:solidFill>
-                            <a:schemeClr val="dk1"/>
-                          </a:solidFill>
-                          <a:latin typeface="Segoe UI"/>
-                        </a:defRPr>
-                      </a:lvl3pPr>
-                      <a:lvl4pPr marL="1093935" algn="l" defTabSz="364645" rtl="0" eaLnBrk="1" latinLnBrk="0" hangingPunct="1">
-                        <a:defRPr sz="1400" kern="1200">
-                          <a:solidFill>
-                            <a:schemeClr val="dk1"/>
-                          </a:solidFill>
-                          <a:latin typeface="Segoe UI"/>
-                        </a:defRPr>
-                      </a:lvl4pPr>
-                      <a:lvl5pPr marL="1458580" algn="l" defTabSz="364645" rtl="0" eaLnBrk="1" latinLnBrk="0" hangingPunct="1">
-                        <a:defRPr sz="1400" kern="1200">
-                          <a:solidFill>
-                            <a:schemeClr val="dk1"/>
-                          </a:solidFill>
-                          <a:latin typeface="Segoe UI"/>
-                        </a:defRPr>
-                      </a:lvl5pPr>
-                      <a:lvl6pPr marL="1823225" algn="l" defTabSz="364645" rtl="0" eaLnBrk="1" latinLnBrk="0" hangingPunct="1">
-                        <a:defRPr sz="1400" kern="1200">
-                          <a:solidFill>
-                            <a:schemeClr val="dk1"/>
-                          </a:solidFill>
-                          <a:latin typeface="Segoe UI"/>
-                        </a:defRPr>
-                      </a:lvl6pPr>
-                      <a:lvl7pPr marL="2187869" algn="l" defTabSz="364645" rtl="0" eaLnBrk="1" latinLnBrk="0" hangingPunct="1">
-                        <a:defRPr sz="1400" kern="1200">
-                          <a:solidFill>
-                            <a:schemeClr val="dk1"/>
-                          </a:solidFill>
-                          <a:latin typeface="Segoe UI"/>
-                        </a:defRPr>
-                      </a:lvl7pPr>
-                      <a:lvl8pPr marL="2552515" algn="l" defTabSz="364645" rtl="0" eaLnBrk="1" latinLnBrk="0" hangingPunct="1">
-                        <a:defRPr sz="1400" kern="1200">
-                          <a:solidFill>
-                            <a:schemeClr val="dk1"/>
-                          </a:solidFill>
-                          <a:latin typeface="Segoe UI"/>
-                        </a:defRPr>
-                      </a:lvl8pPr>
-                      <a:lvl9pPr marL="2917160" algn="l" defTabSz="364645" rtl="0" eaLnBrk="1" latinLnBrk="0" hangingPunct="1">
-                        <a:defRPr sz="1400" kern="1200">
-                          <a:solidFill>
-                            <a:schemeClr val="dk1"/>
-                          </a:solidFill>
-                          <a:latin typeface="Segoe UI"/>
-                        </a:defRPr>
-                      </a:lvl9pPr>
-                    </a:lstStyle>
-                    <a:p>
-                      <a:r>
-                        <a:rPr lang="en-US" sz="1600" dirty="0"/>
-                        <a:t>Capital loss</a:t>
-                      </a:r>
-                    </a:p>
-                  </a:txBody>
-                  <a:tcPr marL="124632" marR="124632" marT="62316" marB="62316">
-                    <a:lnL w="12700" cmpd="sng">
-                      <a:solidFill>
-                        <a:sysClr val="window" lastClr="FFFFFF"/>
-                      </a:solidFill>
-                    </a:lnL>
-                    <a:lnR w="12700" cmpd="sng">
-                      <a:solidFill>
-                        <a:sysClr val="window" lastClr="FFFFFF"/>
-                      </a:solidFill>
-                    </a:lnR>
-                    <a:lnT w="12700" cmpd="sng">
-                      <a:solidFill>
-                        <a:sysClr val="window" lastClr="FFFFFF"/>
-                      </a:solidFill>
-                    </a:lnT>
-                    <a:lnB w="12700" cmpd="sng">
-                      <a:solidFill>
-                        <a:sysClr val="window" lastClr="FFFFFF"/>
-                      </a:solidFill>
-                    </a:lnB>
-                    <a:lnTlToBr w="12700" cmpd="sng">
-                      <a:noFill/>
-                      <a:prstDash val="solid"/>
-                    </a:lnTlToBr>
-                    <a:lnBlToTr w="12700" cmpd="sng">
-                      <a:noFill/>
-                      <a:prstDash val="solid"/>
-                    </a:lnBlToTr>
-                    <a:solidFill>
-                      <a:srgbClr val="AF1E2D">
-                        <a:tint val="20000"/>
-                      </a:srgbClr>
-                    </a:solidFill>
-                  </a:tcPr>
-                </a:tc>
-                <a:tc>
-                  <a:txBody>
-                    <a:bodyPr/>
-                    <a:lstStyle>
-                      <a:lvl1pPr marL="0" algn="l" defTabSz="364645" rtl="0" eaLnBrk="1" latinLnBrk="0" hangingPunct="1">
-                        <a:defRPr sz="1400" kern="1200">
-                          <a:solidFill>
-                            <a:schemeClr val="dk1"/>
-                          </a:solidFill>
-                          <a:latin typeface="Segoe UI"/>
-                        </a:defRPr>
-                      </a:lvl1pPr>
-                      <a:lvl2pPr marL="364645" algn="l" defTabSz="364645" rtl="0" eaLnBrk="1" latinLnBrk="0" hangingPunct="1">
-                        <a:defRPr sz="1400" kern="1200">
-                          <a:solidFill>
-                            <a:schemeClr val="dk1"/>
-                          </a:solidFill>
-                          <a:latin typeface="Segoe UI"/>
-                        </a:defRPr>
-                      </a:lvl2pPr>
-                      <a:lvl3pPr marL="729290" algn="l" defTabSz="364645" rtl="0" eaLnBrk="1" latinLnBrk="0" hangingPunct="1">
-                        <a:defRPr sz="1400" kern="1200">
-                          <a:solidFill>
-                            <a:schemeClr val="dk1"/>
-                          </a:solidFill>
-                          <a:latin typeface="Segoe UI"/>
-                        </a:defRPr>
-                      </a:lvl3pPr>
-                      <a:lvl4pPr marL="1093935" algn="l" defTabSz="364645" rtl="0" eaLnBrk="1" latinLnBrk="0" hangingPunct="1">
-                        <a:defRPr sz="1400" kern="1200">
-                          <a:solidFill>
-                            <a:schemeClr val="dk1"/>
-                          </a:solidFill>
-                          <a:latin typeface="Segoe UI"/>
-                        </a:defRPr>
-                      </a:lvl4pPr>
-                      <a:lvl5pPr marL="1458580" algn="l" defTabSz="364645" rtl="0" eaLnBrk="1" latinLnBrk="0" hangingPunct="1">
-                        <a:defRPr sz="1400" kern="1200">
-                          <a:solidFill>
-                            <a:schemeClr val="dk1"/>
-                          </a:solidFill>
-                          <a:latin typeface="Segoe UI"/>
-                        </a:defRPr>
-                      </a:lvl5pPr>
-                      <a:lvl6pPr marL="1823225" algn="l" defTabSz="364645" rtl="0" eaLnBrk="1" latinLnBrk="0" hangingPunct="1">
-                        <a:defRPr sz="1400" kern="1200">
-                          <a:solidFill>
-                            <a:schemeClr val="dk1"/>
-                          </a:solidFill>
-                          <a:latin typeface="Segoe UI"/>
-                        </a:defRPr>
-                      </a:lvl6pPr>
-                      <a:lvl7pPr marL="2187869" algn="l" defTabSz="364645" rtl="0" eaLnBrk="1" latinLnBrk="0" hangingPunct="1">
-                        <a:defRPr sz="1400" kern="1200">
-                          <a:solidFill>
-                            <a:schemeClr val="dk1"/>
-                          </a:solidFill>
-                          <a:latin typeface="Segoe UI"/>
-                        </a:defRPr>
-                      </a:lvl7pPr>
-                      <a:lvl8pPr marL="2552515" algn="l" defTabSz="364645" rtl="0" eaLnBrk="1" latinLnBrk="0" hangingPunct="1">
-                        <a:defRPr sz="1400" kern="1200">
-                          <a:solidFill>
-                            <a:schemeClr val="dk1"/>
-                          </a:solidFill>
-                          <a:latin typeface="Segoe UI"/>
-                        </a:defRPr>
-                      </a:lvl8pPr>
-                      <a:lvl9pPr marL="2917160" algn="l" defTabSz="364645" rtl="0" eaLnBrk="1" latinLnBrk="0" hangingPunct="1">
-                        <a:defRPr sz="1400" kern="1200">
-                          <a:solidFill>
-                            <a:schemeClr val="dk1"/>
-                          </a:solidFill>
-                          <a:latin typeface="Segoe UI"/>
-                        </a:defRPr>
-                      </a:lvl9pPr>
-                    </a:lstStyle>
-                    <a:p>
-                      <a:r>
-                        <a:rPr lang="en-US" sz="1600" dirty="0"/>
-                        <a:t>$0</a:t>
-                      </a:r>
-                    </a:p>
-                  </a:txBody>
-                  <a:tcPr marL="124632" marR="124632" marT="62316" marB="62316">
-                    <a:lnL w="12700" cmpd="sng">
-                      <a:solidFill>
-                        <a:sysClr val="window" lastClr="FFFFFF"/>
-                      </a:solidFill>
-                    </a:lnL>
-                    <a:lnR w="12700" cmpd="sng">
-                      <a:solidFill>
-                        <a:sysClr val="window" lastClr="FFFFFF"/>
-                      </a:solidFill>
-                    </a:lnR>
-                    <a:lnT w="12700" cmpd="sng">
-                      <a:solidFill>
-                        <a:sysClr val="window" lastClr="FFFFFF"/>
-                      </a:solidFill>
-                    </a:lnT>
-                    <a:lnB w="12700" cmpd="sng">
-                      <a:solidFill>
-                        <a:sysClr val="window" lastClr="FFFFFF"/>
-                      </a:solidFill>
-                    </a:lnB>
-                    <a:lnTlToBr w="12700" cmpd="sng">
-                      <a:noFill/>
-                      <a:prstDash val="solid"/>
-                    </a:lnTlToBr>
-                    <a:lnBlToTr w="12700" cmpd="sng">
-                      <a:noFill/>
-                      <a:prstDash val="solid"/>
-                    </a:lnBlToTr>
-                    <a:solidFill>
-                      <a:srgbClr val="AF1E2D">
-                        <a:tint val="20000"/>
-                      </a:srgbClr>
-                    </a:solidFill>
-                  </a:tcPr>
-                </a:tc>
-                <a:extLst>
-                  <a:ext uri="{0D108BD9-81ED-4DB2-BD59-A6C34878D82A}">
-                    <a16:rowId xmlns:a16="http://schemas.microsoft.com/office/drawing/2014/main" xmlns="" val="10009"/>
-                  </a:ext>
-                </a:extLst>
-              </a:tr>
-              <a:tr h="398522">
-                <a:tc>
-                  <a:txBody>
-                    <a:bodyPr/>
-                    <a:lstStyle>
-                      <a:lvl1pPr marL="0" algn="l" defTabSz="364645" rtl="0" eaLnBrk="1" latinLnBrk="0" hangingPunct="1">
-                        <a:defRPr sz="1400" kern="1200">
-                          <a:solidFill>
-                            <a:schemeClr val="dk1"/>
-                          </a:solidFill>
-                          <a:latin typeface="Segoe UI"/>
-                        </a:defRPr>
-                      </a:lvl1pPr>
-                      <a:lvl2pPr marL="364645" algn="l" defTabSz="364645" rtl="0" eaLnBrk="1" latinLnBrk="0" hangingPunct="1">
-                        <a:defRPr sz="1400" kern="1200">
-                          <a:solidFill>
-                            <a:schemeClr val="dk1"/>
-                          </a:solidFill>
-                          <a:latin typeface="Segoe UI"/>
-                        </a:defRPr>
-                      </a:lvl2pPr>
-                      <a:lvl3pPr marL="729290" algn="l" defTabSz="364645" rtl="0" eaLnBrk="1" latinLnBrk="0" hangingPunct="1">
-                        <a:defRPr sz="1400" kern="1200">
-                          <a:solidFill>
-                            <a:schemeClr val="dk1"/>
-                          </a:solidFill>
-                          <a:latin typeface="Segoe UI"/>
-                        </a:defRPr>
-                      </a:lvl3pPr>
-                      <a:lvl4pPr marL="1093935" algn="l" defTabSz="364645" rtl="0" eaLnBrk="1" latinLnBrk="0" hangingPunct="1">
-                        <a:defRPr sz="1400" kern="1200">
-                          <a:solidFill>
-                            <a:schemeClr val="dk1"/>
-                          </a:solidFill>
-                          <a:latin typeface="Segoe UI"/>
-                        </a:defRPr>
-                      </a:lvl4pPr>
-                      <a:lvl5pPr marL="1458580" algn="l" defTabSz="364645" rtl="0" eaLnBrk="1" latinLnBrk="0" hangingPunct="1">
-                        <a:defRPr sz="1400" kern="1200">
-                          <a:solidFill>
-                            <a:schemeClr val="dk1"/>
-                          </a:solidFill>
-                          <a:latin typeface="Segoe UI"/>
-                        </a:defRPr>
-                      </a:lvl5pPr>
-                      <a:lvl6pPr marL="1823225" algn="l" defTabSz="364645" rtl="0" eaLnBrk="1" latinLnBrk="0" hangingPunct="1">
-                        <a:defRPr sz="1400" kern="1200">
-                          <a:solidFill>
-                            <a:schemeClr val="dk1"/>
-                          </a:solidFill>
-                          <a:latin typeface="Segoe UI"/>
-                        </a:defRPr>
-                      </a:lvl6pPr>
-                      <a:lvl7pPr marL="2187869" algn="l" defTabSz="364645" rtl="0" eaLnBrk="1" latinLnBrk="0" hangingPunct="1">
-                        <a:defRPr sz="1400" kern="1200">
-                          <a:solidFill>
-                            <a:schemeClr val="dk1"/>
-                          </a:solidFill>
-                          <a:latin typeface="Segoe UI"/>
-                        </a:defRPr>
-                      </a:lvl7pPr>
-                      <a:lvl8pPr marL="2552515" algn="l" defTabSz="364645" rtl="0" eaLnBrk="1" latinLnBrk="0" hangingPunct="1">
-                        <a:defRPr sz="1400" kern="1200">
-                          <a:solidFill>
-                            <a:schemeClr val="dk1"/>
-                          </a:solidFill>
-                          <a:latin typeface="Segoe UI"/>
-                        </a:defRPr>
-                      </a:lvl8pPr>
-                      <a:lvl9pPr marL="2917160" algn="l" defTabSz="364645" rtl="0" eaLnBrk="1" latinLnBrk="0" hangingPunct="1">
-                        <a:defRPr sz="1400" kern="1200">
-                          <a:solidFill>
-                            <a:schemeClr val="dk1"/>
-                          </a:solidFill>
-                          <a:latin typeface="Segoe UI"/>
-                        </a:defRPr>
-                      </a:lvl9pPr>
-                    </a:lstStyle>
-                    <a:p>
-                      <a:r>
-                        <a:rPr lang="en-US" sz="1600" dirty="0"/>
-                        <a:t>Work hours per week</a:t>
-                      </a:r>
-                    </a:p>
-                  </a:txBody>
-                  <a:tcPr marL="124632" marR="124632" marT="62316" marB="62316">
-                    <a:lnL w="12700" cmpd="sng">
-                      <a:solidFill>
-                        <a:sysClr val="window" lastClr="FFFFFF"/>
-                      </a:solidFill>
-                    </a:lnL>
-                    <a:lnR w="12700" cmpd="sng">
-                      <a:solidFill>
-                        <a:sysClr val="window" lastClr="FFFFFF"/>
-                      </a:solidFill>
-                    </a:lnR>
-                    <a:lnT w="12700" cmpd="sng">
-                      <a:solidFill>
-                        <a:sysClr val="window" lastClr="FFFFFF"/>
-                      </a:solidFill>
-                    </a:lnT>
-                    <a:lnB w="12700" cmpd="sng">
-                      <a:solidFill>
-                        <a:sysClr val="window" lastClr="FFFFFF"/>
-                      </a:solidFill>
-                    </a:lnB>
-                    <a:lnTlToBr w="12700" cmpd="sng">
-                      <a:noFill/>
-                      <a:prstDash val="solid"/>
-                    </a:lnTlToBr>
-                    <a:lnBlToTr w="12700" cmpd="sng">
-                      <a:noFill/>
-                      <a:prstDash val="solid"/>
-                    </a:lnBlToTr>
-                    <a:solidFill>
-                      <a:srgbClr val="AF1E2D">
-                        <a:tint val="40000"/>
-                      </a:srgbClr>
-                    </a:solidFill>
-                  </a:tcPr>
-                </a:tc>
-                <a:tc>
-                  <a:txBody>
-                    <a:bodyPr/>
-                    <a:lstStyle>
-                      <a:lvl1pPr marL="0" algn="l" defTabSz="364645" rtl="0" eaLnBrk="1" latinLnBrk="0" hangingPunct="1">
-                        <a:defRPr sz="1400" kern="1200">
-                          <a:solidFill>
-                            <a:schemeClr val="dk1"/>
-                          </a:solidFill>
-                          <a:latin typeface="Segoe UI"/>
-                        </a:defRPr>
-                      </a:lvl1pPr>
-                      <a:lvl2pPr marL="364645" algn="l" defTabSz="364645" rtl="0" eaLnBrk="1" latinLnBrk="0" hangingPunct="1">
-                        <a:defRPr sz="1400" kern="1200">
-                          <a:solidFill>
-                            <a:schemeClr val="dk1"/>
-                          </a:solidFill>
-                          <a:latin typeface="Segoe UI"/>
-                        </a:defRPr>
-                      </a:lvl2pPr>
-                      <a:lvl3pPr marL="729290" algn="l" defTabSz="364645" rtl="0" eaLnBrk="1" latinLnBrk="0" hangingPunct="1">
-                        <a:defRPr sz="1400" kern="1200">
-                          <a:solidFill>
-                            <a:schemeClr val="dk1"/>
-                          </a:solidFill>
-                          <a:latin typeface="Segoe UI"/>
-                        </a:defRPr>
-                      </a:lvl3pPr>
-                      <a:lvl4pPr marL="1093935" algn="l" defTabSz="364645" rtl="0" eaLnBrk="1" latinLnBrk="0" hangingPunct="1">
-                        <a:defRPr sz="1400" kern="1200">
-                          <a:solidFill>
-                            <a:schemeClr val="dk1"/>
-                          </a:solidFill>
-                          <a:latin typeface="Segoe UI"/>
-                        </a:defRPr>
-                      </a:lvl4pPr>
-                      <a:lvl5pPr marL="1458580" algn="l" defTabSz="364645" rtl="0" eaLnBrk="1" latinLnBrk="0" hangingPunct="1">
-                        <a:defRPr sz="1400" kern="1200">
-                          <a:solidFill>
-                            <a:schemeClr val="dk1"/>
-                          </a:solidFill>
-                          <a:latin typeface="Segoe UI"/>
-                        </a:defRPr>
-                      </a:lvl5pPr>
-                      <a:lvl6pPr marL="1823225" algn="l" defTabSz="364645" rtl="0" eaLnBrk="1" latinLnBrk="0" hangingPunct="1">
-                        <a:defRPr sz="1400" kern="1200">
-                          <a:solidFill>
-                            <a:schemeClr val="dk1"/>
-                          </a:solidFill>
-                          <a:latin typeface="Segoe UI"/>
-                        </a:defRPr>
-                      </a:lvl6pPr>
-                      <a:lvl7pPr marL="2187869" algn="l" defTabSz="364645" rtl="0" eaLnBrk="1" latinLnBrk="0" hangingPunct="1">
-                        <a:defRPr sz="1400" kern="1200">
-                          <a:solidFill>
-                            <a:schemeClr val="dk1"/>
-                          </a:solidFill>
-                          <a:latin typeface="Segoe UI"/>
-                        </a:defRPr>
-                      </a:lvl7pPr>
-                      <a:lvl8pPr marL="2552515" algn="l" defTabSz="364645" rtl="0" eaLnBrk="1" latinLnBrk="0" hangingPunct="1">
-                        <a:defRPr sz="1400" kern="1200">
-                          <a:solidFill>
-                            <a:schemeClr val="dk1"/>
-                          </a:solidFill>
-                          <a:latin typeface="Segoe UI"/>
-                        </a:defRPr>
-                      </a:lvl8pPr>
-                      <a:lvl9pPr marL="2917160" algn="l" defTabSz="364645" rtl="0" eaLnBrk="1" latinLnBrk="0" hangingPunct="1">
-                        <a:defRPr sz="1400" kern="1200">
-                          <a:solidFill>
-                            <a:schemeClr val="dk1"/>
-                          </a:solidFill>
-                          <a:latin typeface="Segoe UI"/>
-                        </a:defRPr>
-                      </a:lvl9pPr>
-                    </a:lstStyle>
-                    <a:p>
-                      <a:r>
-                        <a:rPr lang="en-US" sz="1600" dirty="0"/>
-                        <a:t>40</a:t>
-                      </a:r>
-                    </a:p>
-                  </a:txBody>
-                  <a:tcPr marL="124632" marR="124632" marT="62316" marB="62316">
-                    <a:lnL w="12700" cmpd="sng">
-                      <a:solidFill>
-                        <a:sysClr val="window" lastClr="FFFFFF"/>
-                      </a:solidFill>
-                    </a:lnL>
-                    <a:lnR w="12700" cmpd="sng">
-                      <a:solidFill>
-                        <a:sysClr val="window" lastClr="FFFFFF"/>
-                      </a:solidFill>
-                    </a:lnR>
-                    <a:lnT w="12700" cmpd="sng">
-                      <a:solidFill>
-                        <a:sysClr val="window" lastClr="FFFFFF"/>
-                      </a:solidFill>
-                    </a:lnT>
-                    <a:lnB w="12700" cmpd="sng">
-                      <a:solidFill>
-                        <a:sysClr val="window" lastClr="FFFFFF"/>
-                      </a:solidFill>
-                    </a:lnB>
-                    <a:lnTlToBr w="12700" cmpd="sng">
-                      <a:noFill/>
-                      <a:prstDash val="solid"/>
-                    </a:lnTlToBr>
-                    <a:lnBlToTr w="12700" cmpd="sng">
-                      <a:noFill/>
-                      <a:prstDash val="solid"/>
-                    </a:lnBlToTr>
-                    <a:solidFill>
-                      <a:srgbClr val="AF1E2D">
-                        <a:tint val="40000"/>
-                      </a:srgbClr>
-                    </a:solidFill>
-                  </a:tcPr>
-                </a:tc>
-                <a:extLst>
-                  <a:ext uri="{0D108BD9-81ED-4DB2-BD59-A6C34878D82A}">
-                    <a16:rowId xmlns:a16="http://schemas.microsoft.com/office/drawing/2014/main" xmlns="" val="10010"/>
-                  </a:ext>
-                </a:extLst>
-              </a:tr>
-              <a:tr h="398522">
-                <a:tc>
-                  <a:txBody>
-                    <a:bodyPr/>
-                    <a:lstStyle>
-                      <a:lvl1pPr marL="0" algn="l" defTabSz="364645" rtl="0" eaLnBrk="1" latinLnBrk="0" hangingPunct="1">
-                        <a:defRPr sz="1400" kern="1200">
-                          <a:solidFill>
-                            <a:schemeClr val="dk1"/>
-                          </a:solidFill>
-                          <a:latin typeface="Segoe UI"/>
-                        </a:defRPr>
-                      </a:lvl1pPr>
-                      <a:lvl2pPr marL="364645" algn="l" defTabSz="364645" rtl="0" eaLnBrk="1" latinLnBrk="0" hangingPunct="1">
-                        <a:defRPr sz="1400" kern="1200">
-                          <a:solidFill>
-                            <a:schemeClr val="dk1"/>
-                          </a:solidFill>
-                          <a:latin typeface="Segoe UI"/>
-                        </a:defRPr>
-                      </a:lvl2pPr>
-                      <a:lvl3pPr marL="729290" algn="l" defTabSz="364645" rtl="0" eaLnBrk="1" latinLnBrk="0" hangingPunct="1">
-                        <a:defRPr sz="1400" kern="1200">
-                          <a:solidFill>
-                            <a:schemeClr val="dk1"/>
-                          </a:solidFill>
-                          <a:latin typeface="Segoe UI"/>
-                        </a:defRPr>
-                      </a:lvl3pPr>
-                      <a:lvl4pPr marL="1093935" algn="l" defTabSz="364645" rtl="0" eaLnBrk="1" latinLnBrk="0" hangingPunct="1">
-                        <a:defRPr sz="1400" kern="1200">
-                          <a:solidFill>
-                            <a:schemeClr val="dk1"/>
-                          </a:solidFill>
-                          <a:latin typeface="Segoe UI"/>
-                        </a:defRPr>
-                      </a:lvl4pPr>
-                      <a:lvl5pPr marL="1458580" algn="l" defTabSz="364645" rtl="0" eaLnBrk="1" latinLnBrk="0" hangingPunct="1">
-                        <a:defRPr sz="1400" kern="1200">
-                          <a:solidFill>
-                            <a:schemeClr val="dk1"/>
-                          </a:solidFill>
-                          <a:latin typeface="Segoe UI"/>
-                        </a:defRPr>
-                      </a:lvl5pPr>
-                      <a:lvl6pPr marL="1823225" algn="l" defTabSz="364645" rtl="0" eaLnBrk="1" latinLnBrk="0" hangingPunct="1">
-                        <a:defRPr sz="1400" kern="1200">
-                          <a:solidFill>
-                            <a:schemeClr val="dk1"/>
-                          </a:solidFill>
-                          <a:latin typeface="Segoe UI"/>
-                        </a:defRPr>
-                      </a:lvl6pPr>
-                      <a:lvl7pPr marL="2187869" algn="l" defTabSz="364645" rtl="0" eaLnBrk="1" latinLnBrk="0" hangingPunct="1">
-                        <a:defRPr sz="1400" kern="1200">
-                          <a:solidFill>
-                            <a:schemeClr val="dk1"/>
-                          </a:solidFill>
-                          <a:latin typeface="Segoe UI"/>
-                        </a:defRPr>
-                      </a:lvl7pPr>
-                      <a:lvl8pPr marL="2552515" algn="l" defTabSz="364645" rtl="0" eaLnBrk="1" latinLnBrk="0" hangingPunct="1">
-                        <a:defRPr sz="1400" kern="1200">
-                          <a:solidFill>
-                            <a:schemeClr val="dk1"/>
-                          </a:solidFill>
-                          <a:latin typeface="Segoe UI"/>
-                        </a:defRPr>
-                      </a:lvl8pPr>
-                      <a:lvl9pPr marL="2917160" algn="l" defTabSz="364645" rtl="0" eaLnBrk="1" latinLnBrk="0" hangingPunct="1">
-                        <a:defRPr sz="1400" kern="1200">
-                          <a:solidFill>
-                            <a:schemeClr val="dk1"/>
-                          </a:solidFill>
-                          <a:latin typeface="Segoe UI"/>
-                        </a:defRPr>
-                      </a:lvl9pPr>
-                    </a:lstStyle>
-                    <a:p>
-                      <a:r>
-                        <a:rPr lang="en-US" sz="1600" dirty="0"/>
-                        <a:t>Country</a:t>
-                      </a:r>
-                    </a:p>
-                  </a:txBody>
-                  <a:tcPr marL="124632" marR="124632" marT="62316" marB="62316">
-                    <a:lnL w="12700" cmpd="sng">
-                      <a:solidFill>
-                        <a:sysClr val="window" lastClr="FFFFFF"/>
-                      </a:solidFill>
-                    </a:lnL>
-                    <a:lnR w="12700" cmpd="sng">
-                      <a:solidFill>
-                        <a:sysClr val="window" lastClr="FFFFFF"/>
-                      </a:solidFill>
-                    </a:lnR>
-                    <a:lnT w="12700" cmpd="sng">
-                      <a:solidFill>
-                        <a:sysClr val="window" lastClr="FFFFFF"/>
-                      </a:solidFill>
-                    </a:lnT>
-                    <a:lnB w="12700" cmpd="sng">
-                      <a:solidFill>
-                        <a:sysClr val="window" lastClr="FFFFFF"/>
-                      </a:solidFill>
-                    </a:lnB>
-                    <a:lnTlToBr w="12700" cmpd="sng">
-                      <a:noFill/>
-                      <a:prstDash val="solid"/>
-                    </a:lnTlToBr>
-                    <a:lnBlToTr w="12700" cmpd="sng">
-                      <a:noFill/>
-                      <a:prstDash val="solid"/>
-                    </a:lnBlToTr>
-                    <a:solidFill>
-                      <a:srgbClr val="AF1E2D">
-                        <a:tint val="20000"/>
-                      </a:srgbClr>
-                    </a:solidFill>
-                  </a:tcPr>
-                </a:tc>
-                <a:tc>
-                  <a:txBody>
-                    <a:bodyPr/>
-                    <a:lstStyle>
-                      <a:lvl1pPr marL="0" algn="l" defTabSz="364645" rtl="0" eaLnBrk="1" latinLnBrk="0" hangingPunct="1">
-                        <a:defRPr sz="1400" kern="1200">
-                          <a:solidFill>
-                            <a:schemeClr val="dk1"/>
-                          </a:solidFill>
-                          <a:latin typeface="Segoe UI"/>
-                        </a:defRPr>
-                      </a:lvl1pPr>
-                      <a:lvl2pPr marL="364645" algn="l" defTabSz="364645" rtl="0" eaLnBrk="1" latinLnBrk="0" hangingPunct="1">
-                        <a:defRPr sz="1400" kern="1200">
-                          <a:solidFill>
-                            <a:schemeClr val="dk1"/>
-                          </a:solidFill>
-                          <a:latin typeface="Segoe UI"/>
-                        </a:defRPr>
-                      </a:lvl2pPr>
-                      <a:lvl3pPr marL="729290" algn="l" defTabSz="364645" rtl="0" eaLnBrk="1" latinLnBrk="0" hangingPunct="1">
-                        <a:defRPr sz="1400" kern="1200">
-                          <a:solidFill>
-                            <a:schemeClr val="dk1"/>
-                          </a:solidFill>
-                          <a:latin typeface="Segoe UI"/>
-                        </a:defRPr>
-                      </a:lvl3pPr>
-                      <a:lvl4pPr marL="1093935" algn="l" defTabSz="364645" rtl="0" eaLnBrk="1" latinLnBrk="0" hangingPunct="1">
-                        <a:defRPr sz="1400" kern="1200">
-                          <a:solidFill>
-                            <a:schemeClr val="dk1"/>
-                          </a:solidFill>
-                          <a:latin typeface="Segoe UI"/>
-                        </a:defRPr>
-                      </a:lvl4pPr>
-                      <a:lvl5pPr marL="1458580" algn="l" defTabSz="364645" rtl="0" eaLnBrk="1" latinLnBrk="0" hangingPunct="1">
-                        <a:defRPr sz="1400" kern="1200">
-                          <a:solidFill>
-                            <a:schemeClr val="dk1"/>
-                          </a:solidFill>
-                          <a:latin typeface="Segoe UI"/>
-                        </a:defRPr>
-                      </a:lvl5pPr>
-                      <a:lvl6pPr marL="1823225" algn="l" defTabSz="364645" rtl="0" eaLnBrk="1" latinLnBrk="0" hangingPunct="1">
-                        <a:defRPr sz="1400" kern="1200">
-                          <a:solidFill>
-                            <a:schemeClr val="dk1"/>
-                          </a:solidFill>
-                          <a:latin typeface="Segoe UI"/>
-                        </a:defRPr>
-                      </a:lvl6pPr>
-                      <a:lvl7pPr marL="2187869" algn="l" defTabSz="364645" rtl="0" eaLnBrk="1" latinLnBrk="0" hangingPunct="1">
-                        <a:defRPr sz="1400" kern="1200">
-                          <a:solidFill>
-                            <a:schemeClr val="dk1"/>
-                          </a:solidFill>
-                          <a:latin typeface="Segoe UI"/>
-                        </a:defRPr>
-                      </a:lvl7pPr>
-                      <a:lvl8pPr marL="2552515" algn="l" defTabSz="364645" rtl="0" eaLnBrk="1" latinLnBrk="0" hangingPunct="1">
-                        <a:defRPr sz="1400" kern="1200">
-                          <a:solidFill>
-                            <a:schemeClr val="dk1"/>
-                          </a:solidFill>
-                          <a:latin typeface="Segoe UI"/>
-                        </a:defRPr>
-                      </a:lvl8pPr>
-                      <a:lvl9pPr marL="2917160" algn="l" defTabSz="364645" rtl="0" eaLnBrk="1" latinLnBrk="0" hangingPunct="1">
-                        <a:defRPr sz="1400" kern="1200">
-                          <a:solidFill>
-                            <a:schemeClr val="dk1"/>
-                          </a:solidFill>
-                          <a:latin typeface="Segoe UI"/>
-                        </a:defRPr>
-                      </a:lvl9pPr>
-                    </a:lstStyle>
-                    <a:p>
-                      <a:r>
-                        <a:rPr lang="en-US" sz="1600" dirty="0"/>
-                        <a:t>Vietnam</a:t>
-                      </a:r>
-                    </a:p>
-                  </a:txBody>
-                  <a:tcPr marL="124632" marR="124632" marT="62316" marB="62316">
-                    <a:lnL w="12700" cmpd="sng">
-                      <a:solidFill>
-                        <a:sysClr val="window" lastClr="FFFFFF"/>
-                      </a:solidFill>
-                    </a:lnL>
-                    <a:lnR w="12700" cmpd="sng">
-                      <a:solidFill>
-                        <a:sysClr val="window" lastClr="FFFFFF"/>
-                      </a:solidFill>
-                    </a:lnR>
-                    <a:lnT w="12700" cmpd="sng">
-                      <a:solidFill>
-                        <a:sysClr val="window" lastClr="FFFFFF"/>
-                      </a:solidFill>
-                    </a:lnT>
-                    <a:lnB w="12700" cmpd="sng">
-                      <a:solidFill>
-                        <a:sysClr val="window" lastClr="FFFFFF"/>
-                      </a:solidFill>
-                    </a:lnB>
-                    <a:lnTlToBr w="12700" cmpd="sng">
-                      <a:noFill/>
-                      <a:prstDash val="solid"/>
-                    </a:lnTlToBr>
-                    <a:lnBlToTr w="12700" cmpd="sng">
-                      <a:noFill/>
-                      <a:prstDash val="solid"/>
-                    </a:lnBlToTr>
-                    <a:solidFill>
-                      <a:srgbClr val="AF1E2D">
-                        <a:tint val="20000"/>
-                      </a:srgbClr>
-                    </a:solidFill>
-                  </a:tcPr>
-                </a:tc>
-                <a:extLst>
-                  <a:ext uri="{0D108BD9-81ED-4DB2-BD59-A6C34878D82A}">
-                    <a16:rowId xmlns:a16="http://schemas.microsoft.com/office/drawing/2014/main" xmlns="" val="10011"/>
-                  </a:ext>
-                </a:extLst>
-              </a:tr>
-            </a:tbl>
-          </a:graphicData>
-        </a:graphic>
-      </p:graphicFrame>
-      <p:pic>
-        <p:nvPicPr>
-          <p:cNvPr id="278" name="Picture 4" descr="http://www.ratehub.ca/mortgage-blog/files/2014/09/denied-stamp-mortgage-renewal.jpg"/>
-          <p:cNvPicPr>
-            <a:picLocks noChangeAspect="1" noChangeArrowheads="1"/>
-          </p:cNvPicPr>
-          <p:nvPr/>
-        </p:nvPicPr>
-        <p:blipFill>
-          <a:blip r:embed="rId9" cstate="print">
-            <a:extLst>
-              <a:ext uri="{28A0092B-C50C-407E-A947-70E740481C1C}">
-                <a14:useLocalDpi xmlns:a14="http://schemas.microsoft.com/office/drawing/2010/main" val="0"/>
-              </a:ext>
-            </a:extLst>
-          </a:blip>
-          <a:srcRect/>
-          <a:stretch>
-            <a:fillRect/>
-          </a:stretch>
-        </p:blipFill>
-        <p:spPr bwMode="auto">
-          <a:xfrm>
-            <a:off x="26423952" y="23463468"/>
+            <a:off x="11106553" y="23331894"/>
             <a:ext cx="3938970" cy="2954227"/>
           </a:xfrm>
           <a:prstGeom prst="rect">
@@ -11493,7 +8450,7 @@
         <p:spPr>
           <a:xfrm>
             <a:off x="3424196" y="34488120"/>
-            <a:ext cx="11410095" cy="1935481"/>
+            <a:ext cx="12196804" cy="2690534"/>
           </a:xfrm>
           <a:prstGeom prst="rect">
             <a:avLst/>
@@ -11911,8 +8868,8 @@
         </p:nvSpPr>
         <p:spPr>
           <a:xfrm>
-            <a:off x="3489661" y="37211525"/>
-            <a:ext cx="11475916" cy="1786890"/>
+            <a:off x="3489661" y="37211524"/>
+            <a:ext cx="11475916" cy="2016661"/>
           </a:xfrm>
           <a:prstGeom prst="rect">
             <a:avLst/>
@@ -12186,8 +9143,8 @@
         </p:nvSpPr>
         <p:spPr>
           <a:xfrm>
-            <a:off x="3925039" y="39660288"/>
-            <a:ext cx="8893519" cy="679870"/>
+            <a:off x="3898588" y="39485066"/>
+            <a:ext cx="8893519" cy="1119199"/>
           </a:xfrm>
           <a:prstGeom prst="rect">
             <a:avLst/>
@@ -12375,8 +9332,79 @@
                 </a:solidFill>
                 <a:latin typeface="Segoe UI"/>
               </a:rPr>
-              <a:t>Implemented with Logistic Regression, Kernel SVM, Decision Trees, Decision Forest</a:t>
+              <a:t>Implemented with Logistic Regression, Kernel SVM, Decision Trees, Decision </a:t>
             </a:r>
+            <a:r>
+              <a:rPr lang="en-US" sz="2880" dirty="0" smtClean="0">
+                <a:solidFill>
+                  <a:prstClr val="black"/>
+                </a:solidFill>
+                <a:latin typeface="Segoe UI"/>
+              </a:rPr>
+              <a:t>Forest</a:t>
+            </a:r>
+          </a:p>
+          <a:p>
+            <a:pPr marL="0" indent="0" fontAlgn="auto">
+              <a:spcAft>
+                <a:spcPts val="0"/>
+              </a:spcAft>
+              <a:buNone/>
+            </a:pPr>
+            <a:endParaRPr lang="en-US" sz="2880" dirty="0" smtClean="0">
+              <a:solidFill>
+                <a:prstClr val="black"/>
+              </a:solidFill>
+              <a:latin typeface="Segoe UI"/>
+            </a:endParaRPr>
+          </a:p>
+          <a:p>
+            <a:pPr marL="0" indent="0" fontAlgn="auto">
+              <a:spcAft>
+                <a:spcPts val="0"/>
+              </a:spcAft>
+              <a:buNone/>
+            </a:pPr>
+            <a:r>
+              <a:rPr lang="en-US" sz="2880" dirty="0">
+                <a:solidFill>
+                  <a:prstClr val="black"/>
+                </a:solidFill>
+                <a:latin typeface="Segoe UI"/>
+              </a:rPr>
+              <a:t>Efficient approximation scheme for measures</a:t>
+            </a:r>
+          </a:p>
+          <a:p>
+            <a:pPr marL="0" indent="0" fontAlgn="auto">
+              <a:spcAft>
+                <a:spcPts val="0"/>
+              </a:spcAft>
+              <a:buNone/>
+            </a:pPr>
+            <a:r>
+              <a:rPr lang="en-US" sz="2880" dirty="0">
+                <a:solidFill>
+                  <a:prstClr val="black"/>
+                </a:solidFill>
+                <a:latin typeface="Segoe UI"/>
+              </a:rPr>
+              <a:t>Differential Privacy ensures dataset members are private</a:t>
+            </a:r>
+          </a:p>
+          <a:p>
+            <a:pPr marL="0" indent="0" fontAlgn="auto">
+              <a:spcAft>
+                <a:spcPts val="0"/>
+              </a:spcAft>
+              <a:buNone/>
+            </a:pPr>
+            <a:endParaRPr lang="en-US" sz="2880" dirty="0">
+              <a:solidFill>
+                <a:prstClr val="black"/>
+              </a:solidFill>
+              <a:latin typeface="Segoe UI"/>
+            </a:endParaRPr>
           </a:p>
         </p:txBody>
       </p:sp>
@@ -14650,8 +11678,8 @@
           </a:extLst>
         </p:spPr>
       </p:pic>
-      <mc:AlternateContent xmlns:mc="http://schemas.openxmlformats.org/markup-compatibility/2006">
-        <mc:Choice xmlns:a14="http://schemas.microsoft.com/office/drawing/2010/main" Requires="a14">
+      <mc:AlternateContent xmlns:mc="http://schemas.openxmlformats.org/markup-compatibility/2006" xmlns:a14="http://schemas.microsoft.com/office/drawing/2010/main">
+        <mc:Choice Requires="a14">
           <p:sp>
             <p:nvSpPr>
               <p:cNvPr id="414" name="Privacy"/>
@@ -14793,7 +11821,7 @@
             </p:txBody>
           </p:sp>
         </mc:Choice>
-        <mc:Fallback>
+        <mc:Fallback xmlns="">
           <p:sp>
             <p:nvSpPr>
               <p:cNvPr id="414" name="Privacy"/>
@@ -14878,227 +11906,6 @@
                 <a:cs typeface="Avenir Light"/>
               </a:rPr>
               <a:t>Directions</a:t>
-            </a:r>
-          </a:p>
-        </p:txBody>
-      </p:sp>
-      <p:sp>
-        <p:nvSpPr>
-          <p:cNvPr id="417" name="Content Placeholder 2"/>
-          <p:cNvSpPr txBox="1">
-            <a:spLocks/>
-          </p:cNvSpPr>
-          <p:nvPr/>
-        </p:nvSpPr>
-        <p:spPr>
-          <a:xfrm>
-            <a:off x="3925040" y="40640790"/>
-            <a:ext cx="9092282" cy="679870"/>
-          </a:xfrm>
-          <a:prstGeom prst="rect">
-            <a:avLst/>
-          </a:prstGeom>
-        </p:spPr>
-        <p:txBody>
-          <a:bodyPr vert="horz" lIns="109728" tIns="54864" rIns="109728" bIns="54864" rtlCol="0">
-            <a:noAutofit/>
-          </a:bodyPr>
-          <a:lstStyle>
-            <a:lvl1pPr marL="171450" indent="-171450" algn="l" defTabSz="685800" rtl="0" eaLnBrk="1" latinLnBrk="0" hangingPunct="1">
-              <a:lnSpc>
-                <a:spcPct val="90000"/>
-              </a:lnSpc>
-              <a:spcBef>
-                <a:spcPts val="750"/>
-              </a:spcBef>
-              <a:buFont typeface="Arial" panose="020B0604020202020204" pitchFamily="34" charset="0"/>
-              <a:buChar char="•"/>
-              <a:defRPr sz="2100" kern="1200">
-                <a:solidFill>
-                  <a:schemeClr val="tx1"/>
-                </a:solidFill>
-                <a:latin typeface="+mn-lt"/>
-                <a:ea typeface="+mn-ea"/>
-                <a:cs typeface="+mn-cs"/>
-              </a:defRPr>
-            </a:lvl1pPr>
-            <a:lvl2pPr marL="514350" indent="-171450" algn="l" defTabSz="685800" rtl="0" eaLnBrk="1" latinLnBrk="0" hangingPunct="1">
-              <a:lnSpc>
-                <a:spcPct val="90000"/>
-              </a:lnSpc>
-              <a:spcBef>
-                <a:spcPts val="375"/>
-              </a:spcBef>
-              <a:buFont typeface="Arial" panose="020B0604020202020204" pitchFamily="34" charset="0"/>
-              <a:buChar char="•"/>
-              <a:defRPr sz="1800" kern="1200">
-                <a:solidFill>
-                  <a:schemeClr val="tx1"/>
-                </a:solidFill>
-                <a:latin typeface="+mn-lt"/>
-                <a:ea typeface="+mn-ea"/>
-                <a:cs typeface="+mn-cs"/>
-              </a:defRPr>
-            </a:lvl2pPr>
-            <a:lvl3pPr marL="857250" indent="-171450" algn="l" defTabSz="685800" rtl="0" eaLnBrk="1" latinLnBrk="0" hangingPunct="1">
-              <a:lnSpc>
-                <a:spcPct val="90000"/>
-              </a:lnSpc>
-              <a:spcBef>
-                <a:spcPts val="375"/>
-              </a:spcBef>
-              <a:buFont typeface="Arial" panose="020B0604020202020204" pitchFamily="34" charset="0"/>
-              <a:buChar char="•"/>
-              <a:defRPr sz="1500" kern="1200">
-                <a:solidFill>
-                  <a:schemeClr val="tx1"/>
-                </a:solidFill>
-                <a:latin typeface="+mn-lt"/>
-                <a:ea typeface="+mn-ea"/>
-                <a:cs typeface="+mn-cs"/>
-              </a:defRPr>
-            </a:lvl3pPr>
-            <a:lvl4pPr marL="1200150" indent="-171450" algn="l" defTabSz="685800" rtl="0" eaLnBrk="1" latinLnBrk="0" hangingPunct="1">
-              <a:lnSpc>
-                <a:spcPct val="90000"/>
-              </a:lnSpc>
-              <a:spcBef>
-                <a:spcPts val="375"/>
-              </a:spcBef>
-              <a:buFont typeface="Arial" panose="020B0604020202020204" pitchFamily="34" charset="0"/>
-              <a:buChar char="•"/>
-              <a:defRPr sz="1350" kern="1200">
-                <a:solidFill>
-                  <a:schemeClr val="tx1"/>
-                </a:solidFill>
-                <a:latin typeface="+mn-lt"/>
-                <a:ea typeface="+mn-ea"/>
-                <a:cs typeface="+mn-cs"/>
-              </a:defRPr>
-            </a:lvl4pPr>
-            <a:lvl5pPr marL="1543050" indent="-171450" algn="l" defTabSz="685800" rtl="0" eaLnBrk="1" latinLnBrk="0" hangingPunct="1">
-              <a:lnSpc>
-                <a:spcPct val="90000"/>
-              </a:lnSpc>
-              <a:spcBef>
-                <a:spcPts val="375"/>
-              </a:spcBef>
-              <a:buFont typeface="Arial" panose="020B0604020202020204" pitchFamily="34" charset="0"/>
-              <a:buChar char="•"/>
-              <a:defRPr sz="1350" kern="1200">
-                <a:solidFill>
-                  <a:schemeClr val="tx1"/>
-                </a:solidFill>
-                <a:latin typeface="+mn-lt"/>
-                <a:ea typeface="+mn-ea"/>
-                <a:cs typeface="+mn-cs"/>
-              </a:defRPr>
-            </a:lvl5pPr>
-            <a:lvl6pPr marL="1885950" indent="-171450" algn="l" defTabSz="685800" rtl="0" eaLnBrk="1" latinLnBrk="0" hangingPunct="1">
-              <a:lnSpc>
-                <a:spcPct val="90000"/>
-              </a:lnSpc>
-              <a:spcBef>
-                <a:spcPts val="375"/>
-              </a:spcBef>
-              <a:buFont typeface="Arial" panose="020B0604020202020204" pitchFamily="34" charset="0"/>
-              <a:buChar char="•"/>
-              <a:defRPr sz="1350" kern="1200">
-                <a:solidFill>
-                  <a:schemeClr val="tx1"/>
-                </a:solidFill>
-                <a:latin typeface="+mn-lt"/>
-                <a:ea typeface="+mn-ea"/>
-                <a:cs typeface="+mn-cs"/>
-              </a:defRPr>
-            </a:lvl6pPr>
-            <a:lvl7pPr marL="2228850" indent="-171450" algn="l" defTabSz="685800" rtl="0" eaLnBrk="1" latinLnBrk="0" hangingPunct="1">
-              <a:lnSpc>
-                <a:spcPct val="90000"/>
-              </a:lnSpc>
-              <a:spcBef>
-                <a:spcPts val="375"/>
-              </a:spcBef>
-              <a:buFont typeface="Arial" panose="020B0604020202020204" pitchFamily="34" charset="0"/>
-              <a:buChar char="•"/>
-              <a:defRPr sz="1350" kern="1200">
-                <a:solidFill>
-                  <a:schemeClr val="tx1"/>
-                </a:solidFill>
-                <a:latin typeface="+mn-lt"/>
-                <a:ea typeface="+mn-ea"/>
-                <a:cs typeface="+mn-cs"/>
-              </a:defRPr>
-            </a:lvl7pPr>
-            <a:lvl8pPr marL="2571750" indent="-171450" algn="l" defTabSz="685800" rtl="0" eaLnBrk="1" latinLnBrk="0" hangingPunct="1">
-              <a:lnSpc>
-                <a:spcPct val="90000"/>
-              </a:lnSpc>
-              <a:spcBef>
-                <a:spcPts val="375"/>
-              </a:spcBef>
-              <a:buFont typeface="Arial" panose="020B0604020202020204" pitchFamily="34" charset="0"/>
-              <a:buChar char="•"/>
-              <a:defRPr sz="1350" kern="1200">
-                <a:solidFill>
-                  <a:schemeClr val="tx1"/>
-                </a:solidFill>
-                <a:latin typeface="+mn-lt"/>
-                <a:ea typeface="+mn-ea"/>
-                <a:cs typeface="+mn-cs"/>
-              </a:defRPr>
-            </a:lvl8pPr>
-            <a:lvl9pPr marL="2914650" indent="-171450" algn="l" defTabSz="685800" rtl="0" eaLnBrk="1" latinLnBrk="0" hangingPunct="1">
-              <a:lnSpc>
-                <a:spcPct val="90000"/>
-              </a:lnSpc>
-              <a:spcBef>
-                <a:spcPts val="375"/>
-              </a:spcBef>
-              <a:buFont typeface="Arial" panose="020B0604020202020204" pitchFamily="34" charset="0"/>
-              <a:buChar char="•"/>
-              <a:defRPr sz="1350" kern="1200">
-                <a:solidFill>
-                  <a:schemeClr val="tx1"/>
-                </a:solidFill>
-                <a:latin typeface="+mn-lt"/>
-                <a:ea typeface="+mn-ea"/>
-                <a:cs typeface="+mn-cs"/>
-              </a:defRPr>
-            </a:lvl9pPr>
-          </a:lstStyle>
-          <a:p>
-            <a:pPr marL="0" indent="0" fontAlgn="auto">
-              <a:spcAft>
-                <a:spcPts val="0"/>
-              </a:spcAft>
-              <a:buNone/>
-            </a:pPr>
-            <a:r>
-              <a:rPr lang="en-US" sz="2880" dirty="0">
-                <a:solidFill>
-                  <a:prstClr val="black"/>
-                </a:solidFill>
-                <a:latin typeface="Segoe UI"/>
-              </a:rPr>
-              <a:t>Efficient approximation scheme for measures</a:t>
-            </a:r>
-          </a:p>
-          <a:p>
-            <a:pPr marL="0" indent="0" fontAlgn="auto">
-              <a:spcAft>
-                <a:spcPts val="0"/>
-              </a:spcAft>
-              <a:buNone/>
-            </a:pPr>
-            <a:r>
-              <a:rPr lang="en-US" sz="2880" dirty="0">
-                <a:solidFill>
-                  <a:prstClr val="black"/>
-                </a:solidFill>
-                <a:latin typeface="Segoe UI"/>
-              </a:rPr>
-              <a:t>Differential Privacy ensures dataset members are private</a:t>
             </a:r>
           </a:p>
         </p:txBody>
@@ -16856,6 +13663,3509 @@
           </a:prstGeom>
         </p:spPr>
       </p:pic>
+      <p:pic>
+        <p:nvPicPr>
+          <p:cNvPr id="110" name="Picture 109"/>
+          <p:cNvPicPr>
+            <a:picLocks noChangeAspect="1"/>
+          </p:cNvPicPr>
+          <p:nvPr/>
+        </p:nvPicPr>
+        <p:blipFill>
+          <a:blip r:embed="rId21"/>
+          <a:stretch>
+            <a:fillRect/>
+          </a:stretch>
+        </p:blipFill>
+        <p:spPr>
+          <a:xfrm>
+            <a:off x="16881177" y="24835017"/>
+            <a:ext cx="9150753" cy="7130682"/>
+          </a:xfrm>
+          <a:prstGeom prst="rect">
+            <a:avLst/>
+          </a:prstGeom>
+        </p:spPr>
+      </p:pic>
+      <p:graphicFrame>
+        <p:nvGraphicFramePr>
+          <p:cNvPr id="115" name="Table 114"/>
+          <p:cNvGraphicFramePr>
+            <a:graphicFrameLocks noGrp="1"/>
+          </p:cNvGraphicFramePr>
+          <p:nvPr>
+            <p:extLst>
+              <p:ext uri="{D42A27DB-BD31-4B8C-83A1-F6EECF244321}">
+                <p14:modId xmlns:p14="http://schemas.microsoft.com/office/powerpoint/2010/main" val="971825532"/>
+              </p:ext>
+            </p:extLst>
+          </p:nvPr>
+        </p:nvGraphicFramePr>
+        <p:xfrm>
+          <a:off x="26119181" y="25450870"/>
+          <a:ext cx="5497065" cy="5066712"/>
+        </p:xfrm>
+        <a:graphic>
+          <a:graphicData uri="http://schemas.openxmlformats.org/drawingml/2006/table">
+            <a:tbl>
+              <a:tblPr bandRow="1"/>
+              <a:tblGrid>
+                <a:gridCol w="3663526">
+                  <a:extLst>
+                    <a:ext uri="{9D8B030D-6E8A-4147-A177-3AD203B41FA5}">
+                      <a16:colId xmlns="" xmlns:a16="http://schemas.microsoft.com/office/drawing/2014/main" val="20000"/>
+                    </a:ext>
+                  </a:extLst>
+                </a:gridCol>
+                <a:gridCol w="1833539">
+                  <a:extLst>
+                    <a:ext uri="{9D8B030D-6E8A-4147-A177-3AD203B41FA5}">
+                      <a16:colId xmlns="" xmlns:a16="http://schemas.microsoft.com/office/drawing/2014/main" val="20001"/>
+                    </a:ext>
+                  </a:extLst>
+                </a:gridCol>
+              </a:tblGrid>
+              <a:tr h="422226">
+                <a:tc>
+                  <a:txBody>
+                    <a:bodyPr/>
+                    <a:lstStyle>
+                      <a:lvl1pPr marL="0" algn="l" defTabSz="437556" rtl="0" eaLnBrk="1" latinLnBrk="0" hangingPunct="1">
+                        <a:defRPr sz="1680" kern="1200">
+                          <a:solidFill>
+                            <a:schemeClr val="dk1"/>
+                          </a:solidFill>
+                          <a:latin typeface="Segoe UI"/>
+                          <a:ea typeface=""/>
+                          <a:cs typeface=""/>
+                        </a:defRPr>
+                      </a:lvl1pPr>
+                      <a:lvl2pPr marL="437556" algn="l" defTabSz="437556" rtl="0" eaLnBrk="1" latinLnBrk="0" hangingPunct="1">
+                        <a:defRPr sz="1680" kern="1200">
+                          <a:solidFill>
+                            <a:schemeClr val="dk1"/>
+                          </a:solidFill>
+                          <a:latin typeface="Segoe UI"/>
+                          <a:ea typeface=""/>
+                          <a:cs typeface=""/>
+                        </a:defRPr>
+                      </a:lvl2pPr>
+                      <a:lvl3pPr marL="875113" algn="l" defTabSz="437556" rtl="0" eaLnBrk="1" latinLnBrk="0" hangingPunct="1">
+                        <a:defRPr sz="1680" kern="1200">
+                          <a:solidFill>
+                            <a:schemeClr val="dk1"/>
+                          </a:solidFill>
+                          <a:latin typeface="Segoe UI"/>
+                          <a:ea typeface=""/>
+                          <a:cs typeface=""/>
+                        </a:defRPr>
+                      </a:lvl3pPr>
+                      <a:lvl4pPr marL="1312669" algn="l" defTabSz="437556" rtl="0" eaLnBrk="1" latinLnBrk="0" hangingPunct="1">
+                        <a:defRPr sz="1680" kern="1200">
+                          <a:solidFill>
+                            <a:schemeClr val="dk1"/>
+                          </a:solidFill>
+                          <a:latin typeface="Segoe UI"/>
+                          <a:ea typeface=""/>
+                          <a:cs typeface=""/>
+                        </a:defRPr>
+                      </a:lvl4pPr>
+                      <a:lvl5pPr marL="1750226" algn="l" defTabSz="437556" rtl="0" eaLnBrk="1" latinLnBrk="0" hangingPunct="1">
+                        <a:defRPr sz="1680" kern="1200">
+                          <a:solidFill>
+                            <a:schemeClr val="dk1"/>
+                          </a:solidFill>
+                          <a:latin typeface="Segoe UI"/>
+                          <a:ea typeface=""/>
+                          <a:cs typeface=""/>
+                        </a:defRPr>
+                      </a:lvl5pPr>
+                      <a:lvl6pPr marL="2187782" algn="l" defTabSz="437556" rtl="0" eaLnBrk="1" latinLnBrk="0" hangingPunct="1">
+                        <a:defRPr sz="1680" kern="1200">
+                          <a:solidFill>
+                            <a:schemeClr val="dk1"/>
+                          </a:solidFill>
+                          <a:latin typeface="Segoe UI"/>
+                          <a:ea typeface=""/>
+                          <a:cs typeface=""/>
+                        </a:defRPr>
+                      </a:lvl6pPr>
+                      <a:lvl7pPr marL="2625338" algn="l" defTabSz="437556" rtl="0" eaLnBrk="1" latinLnBrk="0" hangingPunct="1">
+                        <a:defRPr sz="1680" kern="1200">
+                          <a:solidFill>
+                            <a:schemeClr val="dk1"/>
+                          </a:solidFill>
+                          <a:latin typeface="Segoe UI"/>
+                          <a:ea typeface=""/>
+                          <a:cs typeface=""/>
+                        </a:defRPr>
+                      </a:lvl7pPr>
+                      <a:lvl8pPr marL="3062896" algn="l" defTabSz="437556" rtl="0" eaLnBrk="1" latinLnBrk="0" hangingPunct="1">
+                        <a:defRPr sz="1680" kern="1200">
+                          <a:solidFill>
+                            <a:schemeClr val="dk1"/>
+                          </a:solidFill>
+                          <a:latin typeface="Segoe UI"/>
+                          <a:ea typeface=""/>
+                          <a:cs typeface=""/>
+                        </a:defRPr>
+                      </a:lvl8pPr>
+                      <a:lvl9pPr marL="3500452" algn="l" defTabSz="437556" rtl="0" eaLnBrk="1" latinLnBrk="0" hangingPunct="1">
+                        <a:defRPr sz="1680" kern="1200">
+                          <a:solidFill>
+                            <a:schemeClr val="dk1"/>
+                          </a:solidFill>
+                          <a:latin typeface="Segoe UI"/>
+                          <a:ea typeface=""/>
+                          <a:cs typeface=""/>
+                        </a:defRPr>
+                      </a:lvl9pPr>
+                    </a:lstStyle>
+                    <a:p>
+                      <a:r>
+                        <a:rPr lang="en-US" sz="1700" dirty="0"/>
+                        <a:t>Age</a:t>
+                      </a:r>
+                    </a:p>
+                  </a:txBody>
+                  <a:tcPr>
+                    <a:lnL w="12700" cmpd="sng">
+                      <a:solidFill>
+                        <a:sysClr val="window" lastClr="FFFFFF"/>
+                      </a:solidFill>
+                    </a:lnL>
+                    <a:lnR w="12700" cmpd="sng">
+                      <a:solidFill>
+                        <a:sysClr val="window" lastClr="FFFFFF"/>
+                      </a:solidFill>
+                    </a:lnR>
+                    <a:lnT w="12700" cmpd="sng">
+                      <a:solidFill>
+                        <a:sysClr val="window" lastClr="FFFFFF"/>
+                      </a:solidFill>
+                    </a:lnT>
+                    <a:lnB w="12700" cmpd="sng">
+                      <a:solidFill>
+                        <a:sysClr val="window" lastClr="FFFFFF"/>
+                      </a:solidFill>
+                    </a:lnB>
+                    <a:lnTlToBr w="12700" cmpd="sng">
+                      <a:noFill/>
+                      <a:prstDash val="solid"/>
+                    </a:lnTlToBr>
+                    <a:lnBlToTr w="12700" cmpd="sng">
+                      <a:noFill/>
+                      <a:prstDash val="solid"/>
+                    </a:lnBlToTr>
+                    <a:solidFill>
+                      <a:srgbClr val="AF1E2D">
+                        <a:tint val="40000"/>
+                      </a:srgbClr>
+                    </a:solidFill>
+                  </a:tcPr>
+                </a:tc>
+                <a:tc>
+                  <a:txBody>
+                    <a:bodyPr/>
+                    <a:lstStyle>
+                      <a:lvl1pPr marL="0" algn="l" defTabSz="437556" rtl="0" eaLnBrk="1" latinLnBrk="0" hangingPunct="1">
+                        <a:defRPr sz="1680" kern="1200">
+                          <a:solidFill>
+                            <a:schemeClr val="dk1"/>
+                          </a:solidFill>
+                          <a:latin typeface="Segoe UI"/>
+                          <a:ea typeface=""/>
+                          <a:cs typeface=""/>
+                        </a:defRPr>
+                      </a:lvl1pPr>
+                      <a:lvl2pPr marL="437556" algn="l" defTabSz="437556" rtl="0" eaLnBrk="1" latinLnBrk="0" hangingPunct="1">
+                        <a:defRPr sz="1680" kern="1200">
+                          <a:solidFill>
+                            <a:schemeClr val="dk1"/>
+                          </a:solidFill>
+                          <a:latin typeface="Segoe UI"/>
+                          <a:ea typeface=""/>
+                          <a:cs typeface=""/>
+                        </a:defRPr>
+                      </a:lvl2pPr>
+                      <a:lvl3pPr marL="875113" algn="l" defTabSz="437556" rtl="0" eaLnBrk="1" latinLnBrk="0" hangingPunct="1">
+                        <a:defRPr sz="1680" kern="1200">
+                          <a:solidFill>
+                            <a:schemeClr val="dk1"/>
+                          </a:solidFill>
+                          <a:latin typeface="Segoe UI"/>
+                          <a:ea typeface=""/>
+                          <a:cs typeface=""/>
+                        </a:defRPr>
+                      </a:lvl3pPr>
+                      <a:lvl4pPr marL="1312669" algn="l" defTabSz="437556" rtl="0" eaLnBrk="1" latinLnBrk="0" hangingPunct="1">
+                        <a:defRPr sz="1680" kern="1200">
+                          <a:solidFill>
+                            <a:schemeClr val="dk1"/>
+                          </a:solidFill>
+                          <a:latin typeface="Segoe UI"/>
+                          <a:ea typeface=""/>
+                          <a:cs typeface=""/>
+                        </a:defRPr>
+                      </a:lvl4pPr>
+                      <a:lvl5pPr marL="1750226" algn="l" defTabSz="437556" rtl="0" eaLnBrk="1" latinLnBrk="0" hangingPunct="1">
+                        <a:defRPr sz="1680" kern="1200">
+                          <a:solidFill>
+                            <a:schemeClr val="dk1"/>
+                          </a:solidFill>
+                          <a:latin typeface="Segoe UI"/>
+                          <a:ea typeface=""/>
+                          <a:cs typeface=""/>
+                        </a:defRPr>
+                      </a:lvl5pPr>
+                      <a:lvl6pPr marL="2187782" algn="l" defTabSz="437556" rtl="0" eaLnBrk="1" latinLnBrk="0" hangingPunct="1">
+                        <a:defRPr sz="1680" kern="1200">
+                          <a:solidFill>
+                            <a:schemeClr val="dk1"/>
+                          </a:solidFill>
+                          <a:latin typeface="Segoe UI"/>
+                          <a:ea typeface=""/>
+                          <a:cs typeface=""/>
+                        </a:defRPr>
+                      </a:lvl6pPr>
+                      <a:lvl7pPr marL="2625338" algn="l" defTabSz="437556" rtl="0" eaLnBrk="1" latinLnBrk="0" hangingPunct="1">
+                        <a:defRPr sz="1680" kern="1200">
+                          <a:solidFill>
+                            <a:schemeClr val="dk1"/>
+                          </a:solidFill>
+                          <a:latin typeface="Segoe UI"/>
+                          <a:ea typeface=""/>
+                          <a:cs typeface=""/>
+                        </a:defRPr>
+                      </a:lvl7pPr>
+                      <a:lvl8pPr marL="3062896" algn="l" defTabSz="437556" rtl="0" eaLnBrk="1" latinLnBrk="0" hangingPunct="1">
+                        <a:defRPr sz="1680" kern="1200">
+                          <a:solidFill>
+                            <a:schemeClr val="dk1"/>
+                          </a:solidFill>
+                          <a:latin typeface="Segoe UI"/>
+                          <a:ea typeface=""/>
+                          <a:cs typeface=""/>
+                        </a:defRPr>
+                      </a:lvl8pPr>
+                      <a:lvl9pPr marL="3500452" algn="l" defTabSz="437556" rtl="0" eaLnBrk="1" latinLnBrk="0" hangingPunct="1">
+                        <a:defRPr sz="1680" kern="1200">
+                          <a:solidFill>
+                            <a:schemeClr val="dk1"/>
+                          </a:solidFill>
+                          <a:latin typeface="Segoe UI"/>
+                          <a:ea typeface=""/>
+                          <a:cs typeface=""/>
+                        </a:defRPr>
+                      </a:lvl9pPr>
+                    </a:lstStyle>
+                    <a:p>
+                      <a:r>
+                        <a:rPr lang="en-US" sz="1700" dirty="0"/>
+                        <a:t>27</a:t>
+                      </a:r>
+                    </a:p>
+                  </a:txBody>
+                  <a:tcPr>
+                    <a:lnL w="12700" cmpd="sng">
+                      <a:solidFill>
+                        <a:sysClr val="window" lastClr="FFFFFF"/>
+                      </a:solidFill>
+                    </a:lnL>
+                    <a:lnR w="12700" cmpd="sng">
+                      <a:solidFill>
+                        <a:sysClr val="window" lastClr="FFFFFF"/>
+                      </a:solidFill>
+                    </a:lnR>
+                    <a:lnT w="12700" cmpd="sng">
+                      <a:solidFill>
+                        <a:sysClr val="window" lastClr="FFFFFF"/>
+                      </a:solidFill>
+                    </a:lnT>
+                    <a:lnB w="12700" cmpd="sng">
+                      <a:solidFill>
+                        <a:sysClr val="window" lastClr="FFFFFF"/>
+                      </a:solidFill>
+                    </a:lnB>
+                    <a:lnTlToBr w="12700" cmpd="sng">
+                      <a:noFill/>
+                      <a:prstDash val="solid"/>
+                    </a:lnTlToBr>
+                    <a:lnBlToTr w="12700" cmpd="sng">
+                      <a:noFill/>
+                      <a:prstDash val="solid"/>
+                    </a:lnBlToTr>
+                    <a:solidFill>
+                      <a:srgbClr val="AF1E2D">
+                        <a:tint val="40000"/>
+                      </a:srgbClr>
+                    </a:solidFill>
+                  </a:tcPr>
+                </a:tc>
+                <a:extLst>
+                  <a:ext uri="{0D108BD9-81ED-4DB2-BD59-A6C34878D82A}">
+                    <a16:rowId xmlns="" xmlns:a16="http://schemas.microsoft.com/office/drawing/2014/main" val="10000"/>
+                  </a:ext>
+                </a:extLst>
+              </a:tr>
+              <a:tr h="422226">
+                <a:tc>
+                  <a:txBody>
+                    <a:bodyPr/>
+                    <a:lstStyle>
+                      <a:lvl1pPr marL="0" algn="l" defTabSz="437556" rtl="0" eaLnBrk="1" latinLnBrk="0" hangingPunct="1">
+                        <a:defRPr sz="1680" kern="1200">
+                          <a:solidFill>
+                            <a:schemeClr val="dk1"/>
+                          </a:solidFill>
+                          <a:latin typeface="Segoe UI"/>
+                          <a:ea typeface=""/>
+                          <a:cs typeface=""/>
+                        </a:defRPr>
+                      </a:lvl1pPr>
+                      <a:lvl2pPr marL="437556" algn="l" defTabSz="437556" rtl="0" eaLnBrk="1" latinLnBrk="0" hangingPunct="1">
+                        <a:defRPr sz="1680" kern="1200">
+                          <a:solidFill>
+                            <a:schemeClr val="dk1"/>
+                          </a:solidFill>
+                          <a:latin typeface="Segoe UI"/>
+                          <a:ea typeface=""/>
+                          <a:cs typeface=""/>
+                        </a:defRPr>
+                      </a:lvl2pPr>
+                      <a:lvl3pPr marL="875113" algn="l" defTabSz="437556" rtl="0" eaLnBrk="1" latinLnBrk="0" hangingPunct="1">
+                        <a:defRPr sz="1680" kern="1200">
+                          <a:solidFill>
+                            <a:schemeClr val="dk1"/>
+                          </a:solidFill>
+                          <a:latin typeface="Segoe UI"/>
+                          <a:ea typeface=""/>
+                          <a:cs typeface=""/>
+                        </a:defRPr>
+                      </a:lvl3pPr>
+                      <a:lvl4pPr marL="1312669" algn="l" defTabSz="437556" rtl="0" eaLnBrk="1" latinLnBrk="0" hangingPunct="1">
+                        <a:defRPr sz="1680" kern="1200">
+                          <a:solidFill>
+                            <a:schemeClr val="dk1"/>
+                          </a:solidFill>
+                          <a:latin typeface="Segoe UI"/>
+                          <a:ea typeface=""/>
+                          <a:cs typeface=""/>
+                        </a:defRPr>
+                      </a:lvl4pPr>
+                      <a:lvl5pPr marL="1750226" algn="l" defTabSz="437556" rtl="0" eaLnBrk="1" latinLnBrk="0" hangingPunct="1">
+                        <a:defRPr sz="1680" kern="1200">
+                          <a:solidFill>
+                            <a:schemeClr val="dk1"/>
+                          </a:solidFill>
+                          <a:latin typeface="Segoe UI"/>
+                          <a:ea typeface=""/>
+                          <a:cs typeface=""/>
+                        </a:defRPr>
+                      </a:lvl5pPr>
+                      <a:lvl6pPr marL="2187782" algn="l" defTabSz="437556" rtl="0" eaLnBrk="1" latinLnBrk="0" hangingPunct="1">
+                        <a:defRPr sz="1680" kern="1200">
+                          <a:solidFill>
+                            <a:schemeClr val="dk1"/>
+                          </a:solidFill>
+                          <a:latin typeface="Segoe UI"/>
+                          <a:ea typeface=""/>
+                          <a:cs typeface=""/>
+                        </a:defRPr>
+                      </a:lvl6pPr>
+                      <a:lvl7pPr marL="2625338" algn="l" defTabSz="437556" rtl="0" eaLnBrk="1" latinLnBrk="0" hangingPunct="1">
+                        <a:defRPr sz="1680" kern="1200">
+                          <a:solidFill>
+                            <a:schemeClr val="dk1"/>
+                          </a:solidFill>
+                          <a:latin typeface="Segoe UI"/>
+                          <a:ea typeface=""/>
+                          <a:cs typeface=""/>
+                        </a:defRPr>
+                      </a:lvl7pPr>
+                      <a:lvl8pPr marL="3062896" algn="l" defTabSz="437556" rtl="0" eaLnBrk="1" latinLnBrk="0" hangingPunct="1">
+                        <a:defRPr sz="1680" kern="1200">
+                          <a:solidFill>
+                            <a:schemeClr val="dk1"/>
+                          </a:solidFill>
+                          <a:latin typeface="Segoe UI"/>
+                          <a:ea typeface=""/>
+                          <a:cs typeface=""/>
+                        </a:defRPr>
+                      </a:lvl8pPr>
+                      <a:lvl9pPr marL="3500452" algn="l" defTabSz="437556" rtl="0" eaLnBrk="1" latinLnBrk="0" hangingPunct="1">
+                        <a:defRPr sz="1680" kern="1200">
+                          <a:solidFill>
+                            <a:schemeClr val="dk1"/>
+                          </a:solidFill>
+                          <a:latin typeface="Segoe UI"/>
+                          <a:ea typeface=""/>
+                          <a:cs typeface=""/>
+                        </a:defRPr>
+                      </a:lvl9pPr>
+                    </a:lstStyle>
+                    <a:p>
+                      <a:r>
+                        <a:rPr lang="en-US" sz="1700" dirty="0" err="1"/>
+                        <a:t>Workclass</a:t>
+                      </a:r>
+                      <a:endParaRPr lang="en-US" sz="1700" dirty="0"/>
+                    </a:p>
+                  </a:txBody>
+                  <a:tcPr>
+                    <a:lnL w="12700" cmpd="sng">
+                      <a:solidFill>
+                        <a:sysClr val="window" lastClr="FFFFFF"/>
+                      </a:solidFill>
+                    </a:lnL>
+                    <a:lnR w="12700" cmpd="sng">
+                      <a:solidFill>
+                        <a:sysClr val="window" lastClr="FFFFFF"/>
+                      </a:solidFill>
+                    </a:lnR>
+                    <a:lnT w="12700" cmpd="sng">
+                      <a:solidFill>
+                        <a:sysClr val="window" lastClr="FFFFFF"/>
+                      </a:solidFill>
+                    </a:lnT>
+                    <a:lnB w="12700" cmpd="sng">
+                      <a:solidFill>
+                        <a:sysClr val="window" lastClr="FFFFFF"/>
+                      </a:solidFill>
+                    </a:lnB>
+                    <a:lnTlToBr w="12700" cmpd="sng">
+                      <a:noFill/>
+                      <a:prstDash val="solid"/>
+                    </a:lnTlToBr>
+                    <a:lnBlToTr w="12700" cmpd="sng">
+                      <a:noFill/>
+                      <a:prstDash val="solid"/>
+                    </a:lnBlToTr>
+                    <a:solidFill>
+                      <a:srgbClr val="AF1E2D">
+                        <a:tint val="20000"/>
+                      </a:srgbClr>
+                    </a:solidFill>
+                  </a:tcPr>
+                </a:tc>
+                <a:tc>
+                  <a:txBody>
+                    <a:bodyPr/>
+                    <a:lstStyle>
+                      <a:lvl1pPr marL="0" algn="l" defTabSz="437556" rtl="0" eaLnBrk="1" latinLnBrk="0" hangingPunct="1">
+                        <a:defRPr sz="1680" kern="1200">
+                          <a:solidFill>
+                            <a:schemeClr val="dk1"/>
+                          </a:solidFill>
+                          <a:latin typeface="Segoe UI"/>
+                          <a:ea typeface=""/>
+                          <a:cs typeface=""/>
+                        </a:defRPr>
+                      </a:lvl1pPr>
+                      <a:lvl2pPr marL="437556" algn="l" defTabSz="437556" rtl="0" eaLnBrk="1" latinLnBrk="0" hangingPunct="1">
+                        <a:defRPr sz="1680" kern="1200">
+                          <a:solidFill>
+                            <a:schemeClr val="dk1"/>
+                          </a:solidFill>
+                          <a:latin typeface="Segoe UI"/>
+                          <a:ea typeface=""/>
+                          <a:cs typeface=""/>
+                        </a:defRPr>
+                      </a:lvl2pPr>
+                      <a:lvl3pPr marL="875113" algn="l" defTabSz="437556" rtl="0" eaLnBrk="1" latinLnBrk="0" hangingPunct="1">
+                        <a:defRPr sz="1680" kern="1200">
+                          <a:solidFill>
+                            <a:schemeClr val="dk1"/>
+                          </a:solidFill>
+                          <a:latin typeface="Segoe UI"/>
+                          <a:ea typeface=""/>
+                          <a:cs typeface=""/>
+                        </a:defRPr>
+                      </a:lvl3pPr>
+                      <a:lvl4pPr marL="1312669" algn="l" defTabSz="437556" rtl="0" eaLnBrk="1" latinLnBrk="0" hangingPunct="1">
+                        <a:defRPr sz="1680" kern="1200">
+                          <a:solidFill>
+                            <a:schemeClr val="dk1"/>
+                          </a:solidFill>
+                          <a:latin typeface="Segoe UI"/>
+                          <a:ea typeface=""/>
+                          <a:cs typeface=""/>
+                        </a:defRPr>
+                      </a:lvl4pPr>
+                      <a:lvl5pPr marL="1750226" algn="l" defTabSz="437556" rtl="0" eaLnBrk="1" latinLnBrk="0" hangingPunct="1">
+                        <a:defRPr sz="1680" kern="1200">
+                          <a:solidFill>
+                            <a:schemeClr val="dk1"/>
+                          </a:solidFill>
+                          <a:latin typeface="Segoe UI"/>
+                          <a:ea typeface=""/>
+                          <a:cs typeface=""/>
+                        </a:defRPr>
+                      </a:lvl5pPr>
+                      <a:lvl6pPr marL="2187782" algn="l" defTabSz="437556" rtl="0" eaLnBrk="1" latinLnBrk="0" hangingPunct="1">
+                        <a:defRPr sz="1680" kern="1200">
+                          <a:solidFill>
+                            <a:schemeClr val="dk1"/>
+                          </a:solidFill>
+                          <a:latin typeface="Segoe UI"/>
+                          <a:ea typeface=""/>
+                          <a:cs typeface=""/>
+                        </a:defRPr>
+                      </a:lvl6pPr>
+                      <a:lvl7pPr marL="2625338" algn="l" defTabSz="437556" rtl="0" eaLnBrk="1" latinLnBrk="0" hangingPunct="1">
+                        <a:defRPr sz="1680" kern="1200">
+                          <a:solidFill>
+                            <a:schemeClr val="dk1"/>
+                          </a:solidFill>
+                          <a:latin typeface="Segoe UI"/>
+                          <a:ea typeface=""/>
+                          <a:cs typeface=""/>
+                        </a:defRPr>
+                      </a:lvl7pPr>
+                      <a:lvl8pPr marL="3062896" algn="l" defTabSz="437556" rtl="0" eaLnBrk="1" latinLnBrk="0" hangingPunct="1">
+                        <a:defRPr sz="1680" kern="1200">
+                          <a:solidFill>
+                            <a:schemeClr val="dk1"/>
+                          </a:solidFill>
+                          <a:latin typeface="Segoe UI"/>
+                          <a:ea typeface=""/>
+                          <a:cs typeface=""/>
+                        </a:defRPr>
+                      </a:lvl8pPr>
+                      <a:lvl9pPr marL="3500452" algn="l" defTabSz="437556" rtl="0" eaLnBrk="1" latinLnBrk="0" hangingPunct="1">
+                        <a:defRPr sz="1680" kern="1200">
+                          <a:solidFill>
+                            <a:schemeClr val="dk1"/>
+                          </a:solidFill>
+                          <a:latin typeface="Segoe UI"/>
+                          <a:ea typeface=""/>
+                          <a:cs typeface=""/>
+                        </a:defRPr>
+                      </a:lvl9pPr>
+                    </a:lstStyle>
+                    <a:p>
+                      <a:r>
+                        <a:rPr lang="en-US" sz="1700" dirty="0"/>
+                        <a:t>Private</a:t>
+                      </a:r>
+                    </a:p>
+                  </a:txBody>
+                  <a:tcPr>
+                    <a:lnL w="12700" cmpd="sng">
+                      <a:solidFill>
+                        <a:sysClr val="window" lastClr="FFFFFF"/>
+                      </a:solidFill>
+                    </a:lnL>
+                    <a:lnR w="12700" cmpd="sng">
+                      <a:solidFill>
+                        <a:sysClr val="window" lastClr="FFFFFF"/>
+                      </a:solidFill>
+                    </a:lnR>
+                    <a:lnT w="12700" cmpd="sng">
+                      <a:solidFill>
+                        <a:sysClr val="window" lastClr="FFFFFF"/>
+                      </a:solidFill>
+                    </a:lnT>
+                    <a:lnB w="12700" cmpd="sng">
+                      <a:solidFill>
+                        <a:sysClr val="window" lastClr="FFFFFF"/>
+                      </a:solidFill>
+                    </a:lnB>
+                    <a:lnTlToBr w="12700" cmpd="sng">
+                      <a:noFill/>
+                      <a:prstDash val="solid"/>
+                    </a:lnTlToBr>
+                    <a:lnBlToTr w="12700" cmpd="sng">
+                      <a:noFill/>
+                      <a:prstDash val="solid"/>
+                    </a:lnBlToTr>
+                    <a:solidFill>
+                      <a:srgbClr val="AF1E2D">
+                        <a:tint val="20000"/>
+                      </a:srgbClr>
+                    </a:solidFill>
+                  </a:tcPr>
+                </a:tc>
+                <a:extLst>
+                  <a:ext uri="{0D108BD9-81ED-4DB2-BD59-A6C34878D82A}">
+                    <a16:rowId xmlns="" xmlns:a16="http://schemas.microsoft.com/office/drawing/2014/main" val="10001"/>
+                  </a:ext>
+                </a:extLst>
+              </a:tr>
+              <a:tr h="422226">
+                <a:tc>
+                  <a:txBody>
+                    <a:bodyPr/>
+                    <a:lstStyle>
+                      <a:lvl1pPr marL="0" algn="l" defTabSz="437556" rtl="0" eaLnBrk="1" latinLnBrk="0" hangingPunct="1">
+                        <a:defRPr sz="1680" kern="1200">
+                          <a:solidFill>
+                            <a:schemeClr val="dk1"/>
+                          </a:solidFill>
+                          <a:latin typeface="Segoe UI"/>
+                          <a:ea typeface=""/>
+                          <a:cs typeface=""/>
+                        </a:defRPr>
+                      </a:lvl1pPr>
+                      <a:lvl2pPr marL="437556" algn="l" defTabSz="437556" rtl="0" eaLnBrk="1" latinLnBrk="0" hangingPunct="1">
+                        <a:defRPr sz="1680" kern="1200">
+                          <a:solidFill>
+                            <a:schemeClr val="dk1"/>
+                          </a:solidFill>
+                          <a:latin typeface="Segoe UI"/>
+                          <a:ea typeface=""/>
+                          <a:cs typeface=""/>
+                        </a:defRPr>
+                      </a:lvl2pPr>
+                      <a:lvl3pPr marL="875113" algn="l" defTabSz="437556" rtl="0" eaLnBrk="1" latinLnBrk="0" hangingPunct="1">
+                        <a:defRPr sz="1680" kern="1200">
+                          <a:solidFill>
+                            <a:schemeClr val="dk1"/>
+                          </a:solidFill>
+                          <a:latin typeface="Segoe UI"/>
+                          <a:ea typeface=""/>
+                          <a:cs typeface=""/>
+                        </a:defRPr>
+                      </a:lvl3pPr>
+                      <a:lvl4pPr marL="1312669" algn="l" defTabSz="437556" rtl="0" eaLnBrk="1" latinLnBrk="0" hangingPunct="1">
+                        <a:defRPr sz="1680" kern="1200">
+                          <a:solidFill>
+                            <a:schemeClr val="dk1"/>
+                          </a:solidFill>
+                          <a:latin typeface="Segoe UI"/>
+                          <a:ea typeface=""/>
+                          <a:cs typeface=""/>
+                        </a:defRPr>
+                      </a:lvl4pPr>
+                      <a:lvl5pPr marL="1750226" algn="l" defTabSz="437556" rtl="0" eaLnBrk="1" latinLnBrk="0" hangingPunct="1">
+                        <a:defRPr sz="1680" kern="1200">
+                          <a:solidFill>
+                            <a:schemeClr val="dk1"/>
+                          </a:solidFill>
+                          <a:latin typeface="Segoe UI"/>
+                          <a:ea typeface=""/>
+                          <a:cs typeface=""/>
+                        </a:defRPr>
+                      </a:lvl5pPr>
+                      <a:lvl6pPr marL="2187782" algn="l" defTabSz="437556" rtl="0" eaLnBrk="1" latinLnBrk="0" hangingPunct="1">
+                        <a:defRPr sz="1680" kern="1200">
+                          <a:solidFill>
+                            <a:schemeClr val="dk1"/>
+                          </a:solidFill>
+                          <a:latin typeface="Segoe UI"/>
+                          <a:ea typeface=""/>
+                          <a:cs typeface=""/>
+                        </a:defRPr>
+                      </a:lvl6pPr>
+                      <a:lvl7pPr marL="2625338" algn="l" defTabSz="437556" rtl="0" eaLnBrk="1" latinLnBrk="0" hangingPunct="1">
+                        <a:defRPr sz="1680" kern="1200">
+                          <a:solidFill>
+                            <a:schemeClr val="dk1"/>
+                          </a:solidFill>
+                          <a:latin typeface="Segoe UI"/>
+                          <a:ea typeface=""/>
+                          <a:cs typeface=""/>
+                        </a:defRPr>
+                      </a:lvl7pPr>
+                      <a:lvl8pPr marL="3062896" algn="l" defTabSz="437556" rtl="0" eaLnBrk="1" latinLnBrk="0" hangingPunct="1">
+                        <a:defRPr sz="1680" kern="1200">
+                          <a:solidFill>
+                            <a:schemeClr val="dk1"/>
+                          </a:solidFill>
+                          <a:latin typeface="Segoe UI"/>
+                          <a:ea typeface=""/>
+                          <a:cs typeface=""/>
+                        </a:defRPr>
+                      </a:lvl8pPr>
+                      <a:lvl9pPr marL="3500452" algn="l" defTabSz="437556" rtl="0" eaLnBrk="1" latinLnBrk="0" hangingPunct="1">
+                        <a:defRPr sz="1680" kern="1200">
+                          <a:solidFill>
+                            <a:schemeClr val="dk1"/>
+                          </a:solidFill>
+                          <a:latin typeface="Segoe UI"/>
+                          <a:ea typeface=""/>
+                          <a:cs typeface=""/>
+                        </a:defRPr>
+                      </a:lvl9pPr>
+                    </a:lstStyle>
+                    <a:p>
+                      <a:r>
+                        <a:rPr lang="en-US" sz="1700" dirty="0"/>
+                        <a:t>Education</a:t>
+                      </a:r>
+                    </a:p>
+                  </a:txBody>
+                  <a:tcPr>
+                    <a:lnL w="12700" cmpd="sng">
+                      <a:solidFill>
+                        <a:sysClr val="window" lastClr="FFFFFF"/>
+                      </a:solidFill>
+                    </a:lnL>
+                    <a:lnR w="12700" cmpd="sng">
+                      <a:solidFill>
+                        <a:sysClr val="window" lastClr="FFFFFF"/>
+                      </a:solidFill>
+                    </a:lnR>
+                    <a:lnT w="12700" cmpd="sng">
+                      <a:solidFill>
+                        <a:sysClr val="window" lastClr="FFFFFF"/>
+                      </a:solidFill>
+                    </a:lnT>
+                    <a:lnB w="12700" cmpd="sng">
+                      <a:solidFill>
+                        <a:sysClr val="window" lastClr="FFFFFF"/>
+                      </a:solidFill>
+                    </a:lnB>
+                    <a:lnTlToBr w="12700" cmpd="sng">
+                      <a:noFill/>
+                      <a:prstDash val="solid"/>
+                    </a:lnTlToBr>
+                    <a:lnBlToTr w="12700" cmpd="sng">
+                      <a:noFill/>
+                      <a:prstDash val="solid"/>
+                    </a:lnBlToTr>
+                    <a:solidFill>
+                      <a:srgbClr val="AF1E2D">
+                        <a:lumMod val="60000"/>
+                        <a:lumOff val="40000"/>
+                      </a:srgbClr>
+                    </a:solidFill>
+                  </a:tcPr>
+                </a:tc>
+                <a:tc>
+                  <a:txBody>
+                    <a:bodyPr/>
+                    <a:lstStyle>
+                      <a:lvl1pPr marL="0" algn="l" defTabSz="437556" rtl="0" eaLnBrk="1" latinLnBrk="0" hangingPunct="1">
+                        <a:defRPr sz="1680" kern="1200">
+                          <a:solidFill>
+                            <a:schemeClr val="dk1"/>
+                          </a:solidFill>
+                          <a:latin typeface="Segoe UI"/>
+                          <a:ea typeface=""/>
+                          <a:cs typeface=""/>
+                        </a:defRPr>
+                      </a:lvl1pPr>
+                      <a:lvl2pPr marL="437556" algn="l" defTabSz="437556" rtl="0" eaLnBrk="1" latinLnBrk="0" hangingPunct="1">
+                        <a:defRPr sz="1680" kern="1200">
+                          <a:solidFill>
+                            <a:schemeClr val="dk1"/>
+                          </a:solidFill>
+                          <a:latin typeface="Segoe UI"/>
+                          <a:ea typeface=""/>
+                          <a:cs typeface=""/>
+                        </a:defRPr>
+                      </a:lvl2pPr>
+                      <a:lvl3pPr marL="875113" algn="l" defTabSz="437556" rtl="0" eaLnBrk="1" latinLnBrk="0" hangingPunct="1">
+                        <a:defRPr sz="1680" kern="1200">
+                          <a:solidFill>
+                            <a:schemeClr val="dk1"/>
+                          </a:solidFill>
+                          <a:latin typeface="Segoe UI"/>
+                          <a:ea typeface=""/>
+                          <a:cs typeface=""/>
+                        </a:defRPr>
+                      </a:lvl3pPr>
+                      <a:lvl4pPr marL="1312669" algn="l" defTabSz="437556" rtl="0" eaLnBrk="1" latinLnBrk="0" hangingPunct="1">
+                        <a:defRPr sz="1680" kern="1200">
+                          <a:solidFill>
+                            <a:schemeClr val="dk1"/>
+                          </a:solidFill>
+                          <a:latin typeface="Segoe UI"/>
+                          <a:ea typeface=""/>
+                          <a:cs typeface=""/>
+                        </a:defRPr>
+                      </a:lvl4pPr>
+                      <a:lvl5pPr marL="1750226" algn="l" defTabSz="437556" rtl="0" eaLnBrk="1" latinLnBrk="0" hangingPunct="1">
+                        <a:defRPr sz="1680" kern="1200">
+                          <a:solidFill>
+                            <a:schemeClr val="dk1"/>
+                          </a:solidFill>
+                          <a:latin typeface="Segoe UI"/>
+                          <a:ea typeface=""/>
+                          <a:cs typeface=""/>
+                        </a:defRPr>
+                      </a:lvl5pPr>
+                      <a:lvl6pPr marL="2187782" algn="l" defTabSz="437556" rtl="0" eaLnBrk="1" latinLnBrk="0" hangingPunct="1">
+                        <a:defRPr sz="1680" kern="1200">
+                          <a:solidFill>
+                            <a:schemeClr val="dk1"/>
+                          </a:solidFill>
+                          <a:latin typeface="Segoe UI"/>
+                          <a:ea typeface=""/>
+                          <a:cs typeface=""/>
+                        </a:defRPr>
+                      </a:lvl6pPr>
+                      <a:lvl7pPr marL="2625338" algn="l" defTabSz="437556" rtl="0" eaLnBrk="1" latinLnBrk="0" hangingPunct="1">
+                        <a:defRPr sz="1680" kern="1200">
+                          <a:solidFill>
+                            <a:schemeClr val="dk1"/>
+                          </a:solidFill>
+                          <a:latin typeface="Segoe UI"/>
+                          <a:ea typeface=""/>
+                          <a:cs typeface=""/>
+                        </a:defRPr>
+                      </a:lvl7pPr>
+                      <a:lvl8pPr marL="3062896" algn="l" defTabSz="437556" rtl="0" eaLnBrk="1" latinLnBrk="0" hangingPunct="1">
+                        <a:defRPr sz="1680" kern="1200">
+                          <a:solidFill>
+                            <a:schemeClr val="dk1"/>
+                          </a:solidFill>
+                          <a:latin typeface="Segoe UI"/>
+                          <a:ea typeface=""/>
+                          <a:cs typeface=""/>
+                        </a:defRPr>
+                      </a:lvl8pPr>
+                      <a:lvl9pPr marL="3500452" algn="l" defTabSz="437556" rtl="0" eaLnBrk="1" latinLnBrk="0" hangingPunct="1">
+                        <a:defRPr sz="1680" kern="1200">
+                          <a:solidFill>
+                            <a:schemeClr val="dk1"/>
+                          </a:solidFill>
+                          <a:latin typeface="Segoe UI"/>
+                          <a:ea typeface=""/>
+                          <a:cs typeface=""/>
+                        </a:defRPr>
+                      </a:lvl9pPr>
+                    </a:lstStyle>
+                    <a:p>
+                      <a:r>
+                        <a:rPr lang="en-US" sz="1700" dirty="0"/>
+                        <a:t>Preschool</a:t>
+                      </a:r>
+                    </a:p>
+                  </a:txBody>
+                  <a:tcPr>
+                    <a:lnL w="12700" cmpd="sng">
+                      <a:solidFill>
+                        <a:sysClr val="window" lastClr="FFFFFF"/>
+                      </a:solidFill>
+                    </a:lnL>
+                    <a:lnR w="12700" cmpd="sng">
+                      <a:solidFill>
+                        <a:sysClr val="window" lastClr="FFFFFF"/>
+                      </a:solidFill>
+                    </a:lnR>
+                    <a:lnT w="12700" cmpd="sng">
+                      <a:solidFill>
+                        <a:sysClr val="window" lastClr="FFFFFF"/>
+                      </a:solidFill>
+                    </a:lnT>
+                    <a:lnB w="12700" cmpd="sng">
+                      <a:solidFill>
+                        <a:sysClr val="window" lastClr="FFFFFF"/>
+                      </a:solidFill>
+                    </a:lnB>
+                    <a:lnTlToBr w="12700" cmpd="sng">
+                      <a:noFill/>
+                      <a:prstDash val="solid"/>
+                    </a:lnTlToBr>
+                    <a:lnBlToTr w="12700" cmpd="sng">
+                      <a:noFill/>
+                      <a:prstDash val="solid"/>
+                    </a:lnBlToTr>
+                    <a:solidFill>
+                      <a:srgbClr val="AF1E2D">
+                        <a:lumMod val="60000"/>
+                        <a:lumOff val="40000"/>
+                      </a:srgbClr>
+                    </a:solidFill>
+                  </a:tcPr>
+                </a:tc>
+                <a:extLst>
+                  <a:ext uri="{0D108BD9-81ED-4DB2-BD59-A6C34878D82A}">
+                    <a16:rowId xmlns="" xmlns:a16="http://schemas.microsoft.com/office/drawing/2014/main" val="10002"/>
+                  </a:ext>
+                </a:extLst>
+              </a:tr>
+              <a:tr h="422226">
+                <a:tc>
+                  <a:txBody>
+                    <a:bodyPr/>
+                    <a:lstStyle>
+                      <a:lvl1pPr marL="0" algn="l" defTabSz="437556" rtl="0" eaLnBrk="1" latinLnBrk="0" hangingPunct="1">
+                        <a:defRPr sz="1680" kern="1200">
+                          <a:solidFill>
+                            <a:schemeClr val="dk1"/>
+                          </a:solidFill>
+                          <a:latin typeface="Segoe UI"/>
+                          <a:ea typeface=""/>
+                          <a:cs typeface=""/>
+                        </a:defRPr>
+                      </a:lvl1pPr>
+                      <a:lvl2pPr marL="437556" algn="l" defTabSz="437556" rtl="0" eaLnBrk="1" latinLnBrk="0" hangingPunct="1">
+                        <a:defRPr sz="1680" kern="1200">
+                          <a:solidFill>
+                            <a:schemeClr val="dk1"/>
+                          </a:solidFill>
+                          <a:latin typeface="Segoe UI"/>
+                          <a:ea typeface=""/>
+                          <a:cs typeface=""/>
+                        </a:defRPr>
+                      </a:lvl2pPr>
+                      <a:lvl3pPr marL="875113" algn="l" defTabSz="437556" rtl="0" eaLnBrk="1" latinLnBrk="0" hangingPunct="1">
+                        <a:defRPr sz="1680" kern="1200">
+                          <a:solidFill>
+                            <a:schemeClr val="dk1"/>
+                          </a:solidFill>
+                          <a:latin typeface="Segoe UI"/>
+                          <a:ea typeface=""/>
+                          <a:cs typeface=""/>
+                        </a:defRPr>
+                      </a:lvl3pPr>
+                      <a:lvl4pPr marL="1312669" algn="l" defTabSz="437556" rtl="0" eaLnBrk="1" latinLnBrk="0" hangingPunct="1">
+                        <a:defRPr sz="1680" kern="1200">
+                          <a:solidFill>
+                            <a:schemeClr val="dk1"/>
+                          </a:solidFill>
+                          <a:latin typeface="Segoe UI"/>
+                          <a:ea typeface=""/>
+                          <a:cs typeface=""/>
+                        </a:defRPr>
+                      </a:lvl4pPr>
+                      <a:lvl5pPr marL="1750226" algn="l" defTabSz="437556" rtl="0" eaLnBrk="1" latinLnBrk="0" hangingPunct="1">
+                        <a:defRPr sz="1680" kern="1200">
+                          <a:solidFill>
+                            <a:schemeClr val="dk1"/>
+                          </a:solidFill>
+                          <a:latin typeface="Segoe UI"/>
+                          <a:ea typeface=""/>
+                          <a:cs typeface=""/>
+                        </a:defRPr>
+                      </a:lvl5pPr>
+                      <a:lvl6pPr marL="2187782" algn="l" defTabSz="437556" rtl="0" eaLnBrk="1" latinLnBrk="0" hangingPunct="1">
+                        <a:defRPr sz="1680" kern="1200">
+                          <a:solidFill>
+                            <a:schemeClr val="dk1"/>
+                          </a:solidFill>
+                          <a:latin typeface="Segoe UI"/>
+                          <a:ea typeface=""/>
+                          <a:cs typeface=""/>
+                        </a:defRPr>
+                      </a:lvl6pPr>
+                      <a:lvl7pPr marL="2625338" algn="l" defTabSz="437556" rtl="0" eaLnBrk="1" latinLnBrk="0" hangingPunct="1">
+                        <a:defRPr sz="1680" kern="1200">
+                          <a:solidFill>
+                            <a:schemeClr val="dk1"/>
+                          </a:solidFill>
+                          <a:latin typeface="Segoe UI"/>
+                          <a:ea typeface=""/>
+                          <a:cs typeface=""/>
+                        </a:defRPr>
+                      </a:lvl7pPr>
+                      <a:lvl8pPr marL="3062896" algn="l" defTabSz="437556" rtl="0" eaLnBrk="1" latinLnBrk="0" hangingPunct="1">
+                        <a:defRPr sz="1680" kern="1200">
+                          <a:solidFill>
+                            <a:schemeClr val="dk1"/>
+                          </a:solidFill>
+                          <a:latin typeface="Segoe UI"/>
+                          <a:ea typeface=""/>
+                          <a:cs typeface=""/>
+                        </a:defRPr>
+                      </a:lvl8pPr>
+                      <a:lvl9pPr marL="3500452" algn="l" defTabSz="437556" rtl="0" eaLnBrk="1" latinLnBrk="0" hangingPunct="1">
+                        <a:defRPr sz="1680" kern="1200">
+                          <a:solidFill>
+                            <a:schemeClr val="dk1"/>
+                          </a:solidFill>
+                          <a:latin typeface="Segoe UI"/>
+                          <a:ea typeface=""/>
+                          <a:cs typeface=""/>
+                        </a:defRPr>
+                      </a:lvl9pPr>
+                    </a:lstStyle>
+                    <a:p>
+                      <a:r>
+                        <a:rPr lang="en-US" sz="1700" dirty="0"/>
+                        <a:t>Marital Status</a:t>
+                      </a:r>
+                    </a:p>
+                  </a:txBody>
+                  <a:tcPr>
+                    <a:lnL w="12700" cmpd="sng">
+                      <a:solidFill>
+                        <a:sysClr val="window" lastClr="FFFFFF"/>
+                      </a:solidFill>
+                    </a:lnL>
+                    <a:lnR w="12700" cmpd="sng">
+                      <a:solidFill>
+                        <a:sysClr val="window" lastClr="FFFFFF"/>
+                      </a:solidFill>
+                    </a:lnR>
+                    <a:lnT w="12700" cmpd="sng">
+                      <a:solidFill>
+                        <a:sysClr val="window" lastClr="FFFFFF"/>
+                      </a:solidFill>
+                    </a:lnT>
+                    <a:lnB w="12700" cmpd="sng">
+                      <a:solidFill>
+                        <a:sysClr val="window" lastClr="FFFFFF"/>
+                      </a:solidFill>
+                    </a:lnB>
+                    <a:lnTlToBr w="12700" cmpd="sng">
+                      <a:noFill/>
+                      <a:prstDash val="solid"/>
+                    </a:lnTlToBr>
+                    <a:lnBlToTr w="12700" cmpd="sng">
+                      <a:noFill/>
+                      <a:prstDash val="solid"/>
+                    </a:lnBlToTr>
+                    <a:solidFill>
+                      <a:srgbClr val="AF1E2D">
+                        <a:tint val="20000"/>
+                      </a:srgbClr>
+                    </a:solidFill>
+                  </a:tcPr>
+                </a:tc>
+                <a:tc>
+                  <a:txBody>
+                    <a:bodyPr/>
+                    <a:lstStyle>
+                      <a:lvl1pPr marL="0" algn="l" defTabSz="437556" rtl="0" eaLnBrk="1" latinLnBrk="0" hangingPunct="1">
+                        <a:defRPr sz="1680" kern="1200">
+                          <a:solidFill>
+                            <a:schemeClr val="dk1"/>
+                          </a:solidFill>
+                          <a:latin typeface="Segoe UI"/>
+                          <a:ea typeface=""/>
+                          <a:cs typeface=""/>
+                        </a:defRPr>
+                      </a:lvl1pPr>
+                      <a:lvl2pPr marL="437556" algn="l" defTabSz="437556" rtl="0" eaLnBrk="1" latinLnBrk="0" hangingPunct="1">
+                        <a:defRPr sz="1680" kern="1200">
+                          <a:solidFill>
+                            <a:schemeClr val="dk1"/>
+                          </a:solidFill>
+                          <a:latin typeface="Segoe UI"/>
+                          <a:ea typeface=""/>
+                          <a:cs typeface=""/>
+                        </a:defRPr>
+                      </a:lvl2pPr>
+                      <a:lvl3pPr marL="875113" algn="l" defTabSz="437556" rtl="0" eaLnBrk="1" latinLnBrk="0" hangingPunct="1">
+                        <a:defRPr sz="1680" kern="1200">
+                          <a:solidFill>
+                            <a:schemeClr val="dk1"/>
+                          </a:solidFill>
+                          <a:latin typeface="Segoe UI"/>
+                          <a:ea typeface=""/>
+                          <a:cs typeface=""/>
+                        </a:defRPr>
+                      </a:lvl3pPr>
+                      <a:lvl4pPr marL="1312669" algn="l" defTabSz="437556" rtl="0" eaLnBrk="1" latinLnBrk="0" hangingPunct="1">
+                        <a:defRPr sz="1680" kern="1200">
+                          <a:solidFill>
+                            <a:schemeClr val="dk1"/>
+                          </a:solidFill>
+                          <a:latin typeface="Segoe UI"/>
+                          <a:ea typeface=""/>
+                          <a:cs typeface=""/>
+                        </a:defRPr>
+                      </a:lvl4pPr>
+                      <a:lvl5pPr marL="1750226" algn="l" defTabSz="437556" rtl="0" eaLnBrk="1" latinLnBrk="0" hangingPunct="1">
+                        <a:defRPr sz="1680" kern="1200">
+                          <a:solidFill>
+                            <a:schemeClr val="dk1"/>
+                          </a:solidFill>
+                          <a:latin typeface="Segoe UI"/>
+                          <a:ea typeface=""/>
+                          <a:cs typeface=""/>
+                        </a:defRPr>
+                      </a:lvl5pPr>
+                      <a:lvl6pPr marL="2187782" algn="l" defTabSz="437556" rtl="0" eaLnBrk="1" latinLnBrk="0" hangingPunct="1">
+                        <a:defRPr sz="1680" kern="1200">
+                          <a:solidFill>
+                            <a:schemeClr val="dk1"/>
+                          </a:solidFill>
+                          <a:latin typeface="Segoe UI"/>
+                          <a:ea typeface=""/>
+                          <a:cs typeface=""/>
+                        </a:defRPr>
+                      </a:lvl6pPr>
+                      <a:lvl7pPr marL="2625338" algn="l" defTabSz="437556" rtl="0" eaLnBrk="1" latinLnBrk="0" hangingPunct="1">
+                        <a:defRPr sz="1680" kern="1200">
+                          <a:solidFill>
+                            <a:schemeClr val="dk1"/>
+                          </a:solidFill>
+                          <a:latin typeface="Segoe UI"/>
+                          <a:ea typeface=""/>
+                          <a:cs typeface=""/>
+                        </a:defRPr>
+                      </a:lvl7pPr>
+                      <a:lvl8pPr marL="3062896" algn="l" defTabSz="437556" rtl="0" eaLnBrk="1" latinLnBrk="0" hangingPunct="1">
+                        <a:defRPr sz="1680" kern="1200">
+                          <a:solidFill>
+                            <a:schemeClr val="dk1"/>
+                          </a:solidFill>
+                          <a:latin typeface="Segoe UI"/>
+                          <a:ea typeface=""/>
+                          <a:cs typeface=""/>
+                        </a:defRPr>
+                      </a:lvl8pPr>
+                      <a:lvl9pPr marL="3500452" algn="l" defTabSz="437556" rtl="0" eaLnBrk="1" latinLnBrk="0" hangingPunct="1">
+                        <a:defRPr sz="1680" kern="1200">
+                          <a:solidFill>
+                            <a:schemeClr val="dk1"/>
+                          </a:solidFill>
+                          <a:latin typeface="Segoe UI"/>
+                          <a:ea typeface=""/>
+                          <a:cs typeface=""/>
+                        </a:defRPr>
+                      </a:lvl9pPr>
+                    </a:lstStyle>
+                    <a:p>
+                      <a:r>
+                        <a:rPr lang="en-US" sz="1700" dirty="0"/>
+                        <a:t>Married</a:t>
+                      </a:r>
+                    </a:p>
+                  </a:txBody>
+                  <a:tcPr>
+                    <a:lnL w="12700" cmpd="sng">
+                      <a:solidFill>
+                        <a:sysClr val="window" lastClr="FFFFFF"/>
+                      </a:solidFill>
+                    </a:lnL>
+                    <a:lnR w="12700" cmpd="sng">
+                      <a:solidFill>
+                        <a:sysClr val="window" lastClr="FFFFFF"/>
+                      </a:solidFill>
+                    </a:lnR>
+                    <a:lnT w="12700" cmpd="sng">
+                      <a:solidFill>
+                        <a:sysClr val="window" lastClr="FFFFFF"/>
+                      </a:solidFill>
+                    </a:lnT>
+                    <a:lnB w="12700" cmpd="sng">
+                      <a:solidFill>
+                        <a:sysClr val="window" lastClr="FFFFFF"/>
+                      </a:solidFill>
+                    </a:lnB>
+                    <a:lnTlToBr w="12700" cmpd="sng">
+                      <a:noFill/>
+                      <a:prstDash val="solid"/>
+                    </a:lnTlToBr>
+                    <a:lnBlToTr w="12700" cmpd="sng">
+                      <a:noFill/>
+                      <a:prstDash val="solid"/>
+                    </a:lnBlToTr>
+                    <a:solidFill>
+                      <a:srgbClr val="AF1E2D">
+                        <a:tint val="20000"/>
+                      </a:srgbClr>
+                    </a:solidFill>
+                  </a:tcPr>
+                </a:tc>
+                <a:extLst>
+                  <a:ext uri="{0D108BD9-81ED-4DB2-BD59-A6C34878D82A}">
+                    <a16:rowId xmlns="" xmlns:a16="http://schemas.microsoft.com/office/drawing/2014/main" val="10003"/>
+                  </a:ext>
+                </a:extLst>
+              </a:tr>
+              <a:tr h="422226">
+                <a:tc>
+                  <a:txBody>
+                    <a:bodyPr/>
+                    <a:lstStyle>
+                      <a:lvl1pPr marL="0" algn="l" defTabSz="437556" rtl="0" eaLnBrk="1" latinLnBrk="0" hangingPunct="1">
+                        <a:defRPr sz="1680" kern="1200">
+                          <a:solidFill>
+                            <a:schemeClr val="dk1"/>
+                          </a:solidFill>
+                          <a:latin typeface="Segoe UI"/>
+                          <a:ea typeface=""/>
+                          <a:cs typeface=""/>
+                        </a:defRPr>
+                      </a:lvl1pPr>
+                      <a:lvl2pPr marL="437556" algn="l" defTabSz="437556" rtl="0" eaLnBrk="1" latinLnBrk="0" hangingPunct="1">
+                        <a:defRPr sz="1680" kern="1200">
+                          <a:solidFill>
+                            <a:schemeClr val="dk1"/>
+                          </a:solidFill>
+                          <a:latin typeface="Segoe UI"/>
+                          <a:ea typeface=""/>
+                          <a:cs typeface=""/>
+                        </a:defRPr>
+                      </a:lvl2pPr>
+                      <a:lvl3pPr marL="875113" algn="l" defTabSz="437556" rtl="0" eaLnBrk="1" latinLnBrk="0" hangingPunct="1">
+                        <a:defRPr sz="1680" kern="1200">
+                          <a:solidFill>
+                            <a:schemeClr val="dk1"/>
+                          </a:solidFill>
+                          <a:latin typeface="Segoe UI"/>
+                          <a:ea typeface=""/>
+                          <a:cs typeface=""/>
+                        </a:defRPr>
+                      </a:lvl3pPr>
+                      <a:lvl4pPr marL="1312669" algn="l" defTabSz="437556" rtl="0" eaLnBrk="1" latinLnBrk="0" hangingPunct="1">
+                        <a:defRPr sz="1680" kern="1200">
+                          <a:solidFill>
+                            <a:schemeClr val="dk1"/>
+                          </a:solidFill>
+                          <a:latin typeface="Segoe UI"/>
+                          <a:ea typeface=""/>
+                          <a:cs typeface=""/>
+                        </a:defRPr>
+                      </a:lvl4pPr>
+                      <a:lvl5pPr marL="1750226" algn="l" defTabSz="437556" rtl="0" eaLnBrk="1" latinLnBrk="0" hangingPunct="1">
+                        <a:defRPr sz="1680" kern="1200">
+                          <a:solidFill>
+                            <a:schemeClr val="dk1"/>
+                          </a:solidFill>
+                          <a:latin typeface="Segoe UI"/>
+                          <a:ea typeface=""/>
+                          <a:cs typeface=""/>
+                        </a:defRPr>
+                      </a:lvl5pPr>
+                      <a:lvl6pPr marL="2187782" algn="l" defTabSz="437556" rtl="0" eaLnBrk="1" latinLnBrk="0" hangingPunct="1">
+                        <a:defRPr sz="1680" kern="1200">
+                          <a:solidFill>
+                            <a:schemeClr val="dk1"/>
+                          </a:solidFill>
+                          <a:latin typeface="Segoe UI"/>
+                          <a:ea typeface=""/>
+                          <a:cs typeface=""/>
+                        </a:defRPr>
+                      </a:lvl6pPr>
+                      <a:lvl7pPr marL="2625338" algn="l" defTabSz="437556" rtl="0" eaLnBrk="1" latinLnBrk="0" hangingPunct="1">
+                        <a:defRPr sz="1680" kern="1200">
+                          <a:solidFill>
+                            <a:schemeClr val="dk1"/>
+                          </a:solidFill>
+                          <a:latin typeface="Segoe UI"/>
+                          <a:ea typeface=""/>
+                          <a:cs typeface=""/>
+                        </a:defRPr>
+                      </a:lvl7pPr>
+                      <a:lvl8pPr marL="3062896" algn="l" defTabSz="437556" rtl="0" eaLnBrk="1" latinLnBrk="0" hangingPunct="1">
+                        <a:defRPr sz="1680" kern="1200">
+                          <a:solidFill>
+                            <a:schemeClr val="dk1"/>
+                          </a:solidFill>
+                          <a:latin typeface="Segoe UI"/>
+                          <a:ea typeface=""/>
+                          <a:cs typeface=""/>
+                        </a:defRPr>
+                      </a:lvl8pPr>
+                      <a:lvl9pPr marL="3500452" algn="l" defTabSz="437556" rtl="0" eaLnBrk="1" latinLnBrk="0" hangingPunct="1">
+                        <a:defRPr sz="1680" kern="1200">
+                          <a:solidFill>
+                            <a:schemeClr val="dk1"/>
+                          </a:solidFill>
+                          <a:latin typeface="Segoe UI"/>
+                          <a:ea typeface=""/>
+                          <a:cs typeface=""/>
+                        </a:defRPr>
+                      </a:lvl9pPr>
+                    </a:lstStyle>
+                    <a:p>
+                      <a:r>
+                        <a:rPr lang="en-US" sz="1700" dirty="0"/>
+                        <a:t>Occupation</a:t>
+                      </a:r>
+                    </a:p>
+                  </a:txBody>
+                  <a:tcPr>
+                    <a:lnL w="12700" cmpd="sng">
+                      <a:solidFill>
+                        <a:sysClr val="window" lastClr="FFFFFF"/>
+                      </a:solidFill>
+                    </a:lnL>
+                    <a:lnR w="12700" cmpd="sng">
+                      <a:solidFill>
+                        <a:sysClr val="window" lastClr="FFFFFF"/>
+                      </a:solidFill>
+                    </a:lnR>
+                    <a:lnT w="12700" cmpd="sng">
+                      <a:solidFill>
+                        <a:sysClr val="window" lastClr="FFFFFF"/>
+                      </a:solidFill>
+                    </a:lnT>
+                    <a:lnB w="12700" cmpd="sng">
+                      <a:solidFill>
+                        <a:sysClr val="window" lastClr="FFFFFF"/>
+                      </a:solidFill>
+                    </a:lnB>
+                    <a:lnTlToBr w="12700" cmpd="sng">
+                      <a:noFill/>
+                      <a:prstDash val="solid"/>
+                    </a:lnTlToBr>
+                    <a:lnBlToTr w="12700" cmpd="sng">
+                      <a:noFill/>
+                      <a:prstDash val="solid"/>
+                    </a:lnBlToTr>
+                    <a:solidFill>
+                      <a:srgbClr val="AF1E2D"/>
+                    </a:solidFill>
+                  </a:tcPr>
+                </a:tc>
+                <a:tc>
+                  <a:txBody>
+                    <a:bodyPr/>
+                    <a:lstStyle>
+                      <a:lvl1pPr marL="0" algn="l" defTabSz="437556" rtl="0" eaLnBrk="1" latinLnBrk="0" hangingPunct="1">
+                        <a:defRPr sz="1680" kern="1200">
+                          <a:solidFill>
+                            <a:schemeClr val="dk1"/>
+                          </a:solidFill>
+                          <a:latin typeface="Segoe UI"/>
+                          <a:ea typeface=""/>
+                          <a:cs typeface=""/>
+                        </a:defRPr>
+                      </a:lvl1pPr>
+                      <a:lvl2pPr marL="437556" algn="l" defTabSz="437556" rtl="0" eaLnBrk="1" latinLnBrk="0" hangingPunct="1">
+                        <a:defRPr sz="1680" kern="1200">
+                          <a:solidFill>
+                            <a:schemeClr val="dk1"/>
+                          </a:solidFill>
+                          <a:latin typeface="Segoe UI"/>
+                          <a:ea typeface=""/>
+                          <a:cs typeface=""/>
+                        </a:defRPr>
+                      </a:lvl2pPr>
+                      <a:lvl3pPr marL="875113" algn="l" defTabSz="437556" rtl="0" eaLnBrk="1" latinLnBrk="0" hangingPunct="1">
+                        <a:defRPr sz="1680" kern="1200">
+                          <a:solidFill>
+                            <a:schemeClr val="dk1"/>
+                          </a:solidFill>
+                          <a:latin typeface="Segoe UI"/>
+                          <a:ea typeface=""/>
+                          <a:cs typeface=""/>
+                        </a:defRPr>
+                      </a:lvl3pPr>
+                      <a:lvl4pPr marL="1312669" algn="l" defTabSz="437556" rtl="0" eaLnBrk="1" latinLnBrk="0" hangingPunct="1">
+                        <a:defRPr sz="1680" kern="1200">
+                          <a:solidFill>
+                            <a:schemeClr val="dk1"/>
+                          </a:solidFill>
+                          <a:latin typeface="Segoe UI"/>
+                          <a:ea typeface=""/>
+                          <a:cs typeface=""/>
+                        </a:defRPr>
+                      </a:lvl4pPr>
+                      <a:lvl5pPr marL="1750226" algn="l" defTabSz="437556" rtl="0" eaLnBrk="1" latinLnBrk="0" hangingPunct="1">
+                        <a:defRPr sz="1680" kern="1200">
+                          <a:solidFill>
+                            <a:schemeClr val="dk1"/>
+                          </a:solidFill>
+                          <a:latin typeface="Segoe UI"/>
+                          <a:ea typeface=""/>
+                          <a:cs typeface=""/>
+                        </a:defRPr>
+                      </a:lvl5pPr>
+                      <a:lvl6pPr marL="2187782" algn="l" defTabSz="437556" rtl="0" eaLnBrk="1" latinLnBrk="0" hangingPunct="1">
+                        <a:defRPr sz="1680" kern="1200">
+                          <a:solidFill>
+                            <a:schemeClr val="dk1"/>
+                          </a:solidFill>
+                          <a:latin typeface="Segoe UI"/>
+                          <a:ea typeface=""/>
+                          <a:cs typeface=""/>
+                        </a:defRPr>
+                      </a:lvl6pPr>
+                      <a:lvl7pPr marL="2625338" algn="l" defTabSz="437556" rtl="0" eaLnBrk="1" latinLnBrk="0" hangingPunct="1">
+                        <a:defRPr sz="1680" kern="1200">
+                          <a:solidFill>
+                            <a:schemeClr val="dk1"/>
+                          </a:solidFill>
+                          <a:latin typeface="Segoe UI"/>
+                          <a:ea typeface=""/>
+                          <a:cs typeface=""/>
+                        </a:defRPr>
+                      </a:lvl7pPr>
+                      <a:lvl8pPr marL="3062896" algn="l" defTabSz="437556" rtl="0" eaLnBrk="1" latinLnBrk="0" hangingPunct="1">
+                        <a:defRPr sz="1680" kern="1200">
+                          <a:solidFill>
+                            <a:schemeClr val="dk1"/>
+                          </a:solidFill>
+                          <a:latin typeface="Segoe UI"/>
+                          <a:ea typeface=""/>
+                          <a:cs typeface=""/>
+                        </a:defRPr>
+                      </a:lvl8pPr>
+                      <a:lvl9pPr marL="3500452" algn="l" defTabSz="437556" rtl="0" eaLnBrk="1" latinLnBrk="0" hangingPunct="1">
+                        <a:defRPr sz="1680" kern="1200">
+                          <a:solidFill>
+                            <a:schemeClr val="dk1"/>
+                          </a:solidFill>
+                          <a:latin typeface="Segoe UI"/>
+                          <a:ea typeface=""/>
+                          <a:cs typeface=""/>
+                        </a:defRPr>
+                      </a:lvl9pPr>
+                    </a:lstStyle>
+                    <a:p>
+                      <a:r>
+                        <a:rPr lang="en-US" sz="1700" dirty="0"/>
+                        <a:t>Farming-Fishing</a:t>
+                      </a:r>
+                    </a:p>
+                  </a:txBody>
+                  <a:tcPr>
+                    <a:lnL w="12700" cmpd="sng">
+                      <a:solidFill>
+                        <a:sysClr val="window" lastClr="FFFFFF"/>
+                      </a:solidFill>
+                    </a:lnL>
+                    <a:lnR w="12700" cmpd="sng">
+                      <a:solidFill>
+                        <a:sysClr val="window" lastClr="FFFFFF"/>
+                      </a:solidFill>
+                    </a:lnR>
+                    <a:lnT w="12700" cmpd="sng">
+                      <a:solidFill>
+                        <a:sysClr val="window" lastClr="FFFFFF"/>
+                      </a:solidFill>
+                    </a:lnT>
+                    <a:lnB w="12700" cmpd="sng">
+                      <a:solidFill>
+                        <a:sysClr val="window" lastClr="FFFFFF"/>
+                      </a:solidFill>
+                    </a:lnB>
+                    <a:lnTlToBr w="12700" cmpd="sng">
+                      <a:noFill/>
+                      <a:prstDash val="solid"/>
+                    </a:lnTlToBr>
+                    <a:lnBlToTr w="12700" cmpd="sng">
+                      <a:noFill/>
+                      <a:prstDash val="solid"/>
+                    </a:lnBlToTr>
+                    <a:solidFill>
+                      <a:srgbClr val="AF1E2D"/>
+                    </a:solidFill>
+                  </a:tcPr>
+                </a:tc>
+                <a:extLst>
+                  <a:ext uri="{0D108BD9-81ED-4DB2-BD59-A6C34878D82A}">
+                    <a16:rowId xmlns="" xmlns:a16="http://schemas.microsoft.com/office/drawing/2014/main" val="10004"/>
+                  </a:ext>
+                </a:extLst>
+              </a:tr>
+              <a:tr h="422226">
+                <a:tc>
+                  <a:txBody>
+                    <a:bodyPr/>
+                    <a:lstStyle>
+                      <a:lvl1pPr marL="0" algn="l" defTabSz="437556" rtl="0" eaLnBrk="1" latinLnBrk="0" hangingPunct="1">
+                        <a:defRPr sz="1680" kern="1200">
+                          <a:solidFill>
+                            <a:schemeClr val="dk1"/>
+                          </a:solidFill>
+                          <a:latin typeface="Segoe UI"/>
+                          <a:ea typeface=""/>
+                          <a:cs typeface=""/>
+                        </a:defRPr>
+                      </a:lvl1pPr>
+                      <a:lvl2pPr marL="437556" algn="l" defTabSz="437556" rtl="0" eaLnBrk="1" latinLnBrk="0" hangingPunct="1">
+                        <a:defRPr sz="1680" kern="1200">
+                          <a:solidFill>
+                            <a:schemeClr val="dk1"/>
+                          </a:solidFill>
+                          <a:latin typeface="Segoe UI"/>
+                          <a:ea typeface=""/>
+                          <a:cs typeface=""/>
+                        </a:defRPr>
+                      </a:lvl2pPr>
+                      <a:lvl3pPr marL="875113" algn="l" defTabSz="437556" rtl="0" eaLnBrk="1" latinLnBrk="0" hangingPunct="1">
+                        <a:defRPr sz="1680" kern="1200">
+                          <a:solidFill>
+                            <a:schemeClr val="dk1"/>
+                          </a:solidFill>
+                          <a:latin typeface="Segoe UI"/>
+                          <a:ea typeface=""/>
+                          <a:cs typeface=""/>
+                        </a:defRPr>
+                      </a:lvl3pPr>
+                      <a:lvl4pPr marL="1312669" algn="l" defTabSz="437556" rtl="0" eaLnBrk="1" latinLnBrk="0" hangingPunct="1">
+                        <a:defRPr sz="1680" kern="1200">
+                          <a:solidFill>
+                            <a:schemeClr val="dk1"/>
+                          </a:solidFill>
+                          <a:latin typeface="Segoe UI"/>
+                          <a:ea typeface=""/>
+                          <a:cs typeface=""/>
+                        </a:defRPr>
+                      </a:lvl4pPr>
+                      <a:lvl5pPr marL="1750226" algn="l" defTabSz="437556" rtl="0" eaLnBrk="1" latinLnBrk="0" hangingPunct="1">
+                        <a:defRPr sz="1680" kern="1200">
+                          <a:solidFill>
+                            <a:schemeClr val="dk1"/>
+                          </a:solidFill>
+                          <a:latin typeface="Segoe UI"/>
+                          <a:ea typeface=""/>
+                          <a:cs typeface=""/>
+                        </a:defRPr>
+                      </a:lvl5pPr>
+                      <a:lvl6pPr marL="2187782" algn="l" defTabSz="437556" rtl="0" eaLnBrk="1" latinLnBrk="0" hangingPunct="1">
+                        <a:defRPr sz="1680" kern="1200">
+                          <a:solidFill>
+                            <a:schemeClr val="dk1"/>
+                          </a:solidFill>
+                          <a:latin typeface="Segoe UI"/>
+                          <a:ea typeface=""/>
+                          <a:cs typeface=""/>
+                        </a:defRPr>
+                      </a:lvl6pPr>
+                      <a:lvl7pPr marL="2625338" algn="l" defTabSz="437556" rtl="0" eaLnBrk="1" latinLnBrk="0" hangingPunct="1">
+                        <a:defRPr sz="1680" kern="1200">
+                          <a:solidFill>
+                            <a:schemeClr val="dk1"/>
+                          </a:solidFill>
+                          <a:latin typeface="Segoe UI"/>
+                          <a:ea typeface=""/>
+                          <a:cs typeface=""/>
+                        </a:defRPr>
+                      </a:lvl7pPr>
+                      <a:lvl8pPr marL="3062896" algn="l" defTabSz="437556" rtl="0" eaLnBrk="1" latinLnBrk="0" hangingPunct="1">
+                        <a:defRPr sz="1680" kern="1200">
+                          <a:solidFill>
+                            <a:schemeClr val="dk1"/>
+                          </a:solidFill>
+                          <a:latin typeface="Segoe UI"/>
+                          <a:ea typeface=""/>
+                          <a:cs typeface=""/>
+                        </a:defRPr>
+                      </a:lvl8pPr>
+                      <a:lvl9pPr marL="3500452" algn="l" defTabSz="437556" rtl="0" eaLnBrk="1" latinLnBrk="0" hangingPunct="1">
+                        <a:defRPr sz="1680" kern="1200">
+                          <a:solidFill>
+                            <a:schemeClr val="dk1"/>
+                          </a:solidFill>
+                          <a:latin typeface="Segoe UI"/>
+                          <a:ea typeface=""/>
+                          <a:cs typeface=""/>
+                        </a:defRPr>
+                      </a:lvl9pPr>
+                    </a:lstStyle>
+                    <a:p>
+                      <a:r>
+                        <a:rPr lang="en-US" sz="1700" dirty="0"/>
+                        <a:t>Relationship to</a:t>
+                      </a:r>
+                      <a:r>
+                        <a:rPr lang="en-US" sz="1700" baseline="0" dirty="0"/>
+                        <a:t> household income</a:t>
+                      </a:r>
+                      <a:endParaRPr lang="en-US" sz="1700" dirty="0"/>
+                    </a:p>
+                  </a:txBody>
+                  <a:tcPr>
+                    <a:lnL w="12700" cmpd="sng">
+                      <a:solidFill>
+                        <a:sysClr val="window" lastClr="FFFFFF"/>
+                      </a:solidFill>
+                    </a:lnL>
+                    <a:lnR w="12700" cmpd="sng">
+                      <a:solidFill>
+                        <a:sysClr val="window" lastClr="FFFFFF"/>
+                      </a:solidFill>
+                    </a:lnR>
+                    <a:lnT w="12700" cmpd="sng">
+                      <a:solidFill>
+                        <a:sysClr val="window" lastClr="FFFFFF"/>
+                      </a:solidFill>
+                    </a:lnT>
+                    <a:lnB w="12700" cmpd="sng">
+                      <a:solidFill>
+                        <a:sysClr val="window" lastClr="FFFFFF"/>
+                      </a:solidFill>
+                    </a:lnB>
+                    <a:lnTlToBr w="12700" cmpd="sng">
+                      <a:noFill/>
+                      <a:prstDash val="solid"/>
+                    </a:lnTlToBr>
+                    <a:lnBlToTr w="12700" cmpd="sng">
+                      <a:noFill/>
+                      <a:prstDash val="solid"/>
+                    </a:lnBlToTr>
+                    <a:solidFill>
+                      <a:srgbClr val="AF1E2D">
+                        <a:tint val="20000"/>
+                      </a:srgbClr>
+                    </a:solidFill>
+                  </a:tcPr>
+                </a:tc>
+                <a:tc>
+                  <a:txBody>
+                    <a:bodyPr/>
+                    <a:lstStyle>
+                      <a:lvl1pPr marL="0" algn="l" defTabSz="437556" rtl="0" eaLnBrk="1" latinLnBrk="0" hangingPunct="1">
+                        <a:defRPr sz="1680" kern="1200">
+                          <a:solidFill>
+                            <a:schemeClr val="dk1"/>
+                          </a:solidFill>
+                          <a:latin typeface="Segoe UI"/>
+                          <a:ea typeface=""/>
+                          <a:cs typeface=""/>
+                        </a:defRPr>
+                      </a:lvl1pPr>
+                      <a:lvl2pPr marL="437556" algn="l" defTabSz="437556" rtl="0" eaLnBrk="1" latinLnBrk="0" hangingPunct="1">
+                        <a:defRPr sz="1680" kern="1200">
+                          <a:solidFill>
+                            <a:schemeClr val="dk1"/>
+                          </a:solidFill>
+                          <a:latin typeface="Segoe UI"/>
+                          <a:ea typeface=""/>
+                          <a:cs typeface=""/>
+                        </a:defRPr>
+                      </a:lvl2pPr>
+                      <a:lvl3pPr marL="875113" algn="l" defTabSz="437556" rtl="0" eaLnBrk="1" latinLnBrk="0" hangingPunct="1">
+                        <a:defRPr sz="1680" kern="1200">
+                          <a:solidFill>
+                            <a:schemeClr val="dk1"/>
+                          </a:solidFill>
+                          <a:latin typeface="Segoe UI"/>
+                          <a:ea typeface=""/>
+                          <a:cs typeface=""/>
+                        </a:defRPr>
+                      </a:lvl3pPr>
+                      <a:lvl4pPr marL="1312669" algn="l" defTabSz="437556" rtl="0" eaLnBrk="1" latinLnBrk="0" hangingPunct="1">
+                        <a:defRPr sz="1680" kern="1200">
+                          <a:solidFill>
+                            <a:schemeClr val="dk1"/>
+                          </a:solidFill>
+                          <a:latin typeface="Segoe UI"/>
+                          <a:ea typeface=""/>
+                          <a:cs typeface=""/>
+                        </a:defRPr>
+                      </a:lvl4pPr>
+                      <a:lvl5pPr marL="1750226" algn="l" defTabSz="437556" rtl="0" eaLnBrk="1" latinLnBrk="0" hangingPunct="1">
+                        <a:defRPr sz="1680" kern="1200">
+                          <a:solidFill>
+                            <a:schemeClr val="dk1"/>
+                          </a:solidFill>
+                          <a:latin typeface="Segoe UI"/>
+                          <a:ea typeface=""/>
+                          <a:cs typeface=""/>
+                        </a:defRPr>
+                      </a:lvl5pPr>
+                      <a:lvl6pPr marL="2187782" algn="l" defTabSz="437556" rtl="0" eaLnBrk="1" latinLnBrk="0" hangingPunct="1">
+                        <a:defRPr sz="1680" kern="1200">
+                          <a:solidFill>
+                            <a:schemeClr val="dk1"/>
+                          </a:solidFill>
+                          <a:latin typeface="Segoe UI"/>
+                          <a:ea typeface=""/>
+                          <a:cs typeface=""/>
+                        </a:defRPr>
+                      </a:lvl6pPr>
+                      <a:lvl7pPr marL="2625338" algn="l" defTabSz="437556" rtl="0" eaLnBrk="1" latinLnBrk="0" hangingPunct="1">
+                        <a:defRPr sz="1680" kern="1200">
+                          <a:solidFill>
+                            <a:schemeClr val="dk1"/>
+                          </a:solidFill>
+                          <a:latin typeface="Segoe UI"/>
+                          <a:ea typeface=""/>
+                          <a:cs typeface=""/>
+                        </a:defRPr>
+                      </a:lvl7pPr>
+                      <a:lvl8pPr marL="3062896" algn="l" defTabSz="437556" rtl="0" eaLnBrk="1" latinLnBrk="0" hangingPunct="1">
+                        <a:defRPr sz="1680" kern="1200">
+                          <a:solidFill>
+                            <a:schemeClr val="dk1"/>
+                          </a:solidFill>
+                          <a:latin typeface="Segoe UI"/>
+                          <a:ea typeface=""/>
+                          <a:cs typeface=""/>
+                        </a:defRPr>
+                      </a:lvl8pPr>
+                      <a:lvl9pPr marL="3500452" algn="l" defTabSz="437556" rtl="0" eaLnBrk="1" latinLnBrk="0" hangingPunct="1">
+                        <a:defRPr sz="1680" kern="1200">
+                          <a:solidFill>
+                            <a:schemeClr val="dk1"/>
+                          </a:solidFill>
+                          <a:latin typeface="Segoe UI"/>
+                          <a:ea typeface=""/>
+                          <a:cs typeface=""/>
+                        </a:defRPr>
+                      </a:lvl9pPr>
+                    </a:lstStyle>
+                    <a:p>
+                      <a:r>
+                        <a:rPr lang="en-US" sz="1700" dirty="0"/>
+                        <a:t>Other Relative</a:t>
+                      </a:r>
+                    </a:p>
+                  </a:txBody>
+                  <a:tcPr>
+                    <a:lnL w="12700" cmpd="sng">
+                      <a:solidFill>
+                        <a:sysClr val="window" lastClr="FFFFFF"/>
+                      </a:solidFill>
+                    </a:lnL>
+                    <a:lnR w="12700" cmpd="sng">
+                      <a:solidFill>
+                        <a:sysClr val="window" lastClr="FFFFFF"/>
+                      </a:solidFill>
+                    </a:lnR>
+                    <a:lnT w="12700" cmpd="sng">
+                      <a:solidFill>
+                        <a:sysClr val="window" lastClr="FFFFFF"/>
+                      </a:solidFill>
+                    </a:lnT>
+                    <a:lnB w="12700" cmpd="sng">
+                      <a:solidFill>
+                        <a:sysClr val="window" lastClr="FFFFFF"/>
+                      </a:solidFill>
+                    </a:lnB>
+                    <a:lnTlToBr w="12700" cmpd="sng">
+                      <a:noFill/>
+                      <a:prstDash val="solid"/>
+                    </a:lnTlToBr>
+                    <a:lnBlToTr w="12700" cmpd="sng">
+                      <a:noFill/>
+                      <a:prstDash val="solid"/>
+                    </a:lnBlToTr>
+                    <a:solidFill>
+                      <a:srgbClr val="AF1E2D">
+                        <a:tint val="20000"/>
+                      </a:srgbClr>
+                    </a:solidFill>
+                  </a:tcPr>
+                </a:tc>
+                <a:extLst>
+                  <a:ext uri="{0D108BD9-81ED-4DB2-BD59-A6C34878D82A}">
+                    <a16:rowId xmlns="" xmlns:a16="http://schemas.microsoft.com/office/drawing/2014/main" val="10005"/>
+                  </a:ext>
+                </a:extLst>
+              </a:tr>
+              <a:tr h="422226">
+                <a:tc>
+                  <a:txBody>
+                    <a:bodyPr/>
+                    <a:lstStyle>
+                      <a:lvl1pPr marL="0" algn="l" defTabSz="437556" rtl="0" eaLnBrk="1" latinLnBrk="0" hangingPunct="1">
+                        <a:defRPr sz="1680" kern="1200">
+                          <a:solidFill>
+                            <a:schemeClr val="dk1"/>
+                          </a:solidFill>
+                          <a:latin typeface="Segoe UI"/>
+                          <a:ea typeface=""/>
+                          <a:cs typeface=""/>
+                        </a:defRPr>
+                      </a:lvl1pPr>
+                      <a:lvl2pPr marL="437556" algn="l" defTabSz="437556" rtl="0" eaLnBrk="1" latinLnBrk="0" hangingPunct="1">
+                        <a:defRPr sz="1680" kern="1200">
+                          <a:solidFill>
+                            <a:schemeClr val="dk1"/>
+                          </a:solidFill>
+                          <a:latin typeface="Segoe UI"/>
+                          <a:ea typeface=""/>
+                          <a:cs typeface=""/>
+                        </a:defRPr>
+                      </a:lvl2pPr>
+                      <a:lvl3pPr marL="875113" algn="l" defTabSz="437556" rtl="0" eaLnBrk="1" latinLnBrk="0" hangingPunct="1">
+                        <a:defRPr sz="1680" kern="1200">
+                          <a:solidFill>
+                            <a:schemeClr val="dk1"/>
+                          </a:solidFill>
+                          <a:latin typeface="Segoe UI"/>
+                          <a:ea typeface=""/>
+                          <a:cs typeface=""/>
+                        </a:defRPr>
+                      </a:lvl3pPr>
+                      <a:lvl4pPr marL="1312669" algn="l" defTabSz="437556" rtl="0" eaLnBrk="1" latinLnBrk="0" hangingPunct="1">
+                        <a:defRPr sz="1680" kern="1200">
+                          <a:solidFill>
+                            <a:schemeClr val="dk1"/>
+                          </a:solidFill>
+                          <a:latin typeface="Segoe UI"/>
+                          <a:ea typeface=""/>
+                          <a:cs typeface=""/>
+                        </a:defRPr>
+                      </a:lvl4pPr>
+                      <a:lvl5pPr marL="1750226" algn="l" defTabSz="437556" rtl="0" eaLnBrk="1" latinLnBrk="0" hangingPunct="1">
+                        <a:defRPr sz="1680" kern="1200">
+                          <a:solidFill>
+                            <a:schemeClr val="dk1"/>
+                          </a:solidFill>
+                          <a:latin typeface="Segoe UI"/>
+                          <a:ea typeface=""/>
+                          <a:cs typeface=""/>
+                        </a:defRPr>
+                      </a:lvl5pPr>
+                      <a:lvl6pPr marL="2187782" algn="l" defTabSz="437556" rtl="0" eaLnBrk="1" latinLnBrk="0" hangingPunct="1">
+                        <a:defRPr sz="1680" kern="1200">
+                          <a:solidFill>
+                            <a:schemeClr val="dk1"/>
+                          </a:solidFill>
+                          <a:latin typeface="Segoe UI"/>
+                          <a:ea typeface=""/>
+                          <a:cs typeface=""/>
+                        </a:defRPr>
+                      </a:lvl6pPr>
+                      <a:lvl7pPr marL="2625338" algn="l" defTabSz="437556" rtl="0" eaLnBrk="1" latinLnBrk="0" hangingPunct="1">
+                        <a:defRPr sz="1680" kern="1200">
+                          <a:solidFill>
+                            <a:schemeClr val="dk1"/>
+                          </a:solidFill>
+                          <a:latin typeface="Segoe UI"/>
+                          <a:ea typeface=""/>
+                          <a:cs typeface=""/>
+                        </a:defRPr>
+                      </a:lvl7pPr>
+                      <a:lvl8pPr marL="3062896" algn="l" defTabSz="437556" rtl="0" eaLnBrk="1" latinLnBrk="0" hangingPunct="1">
+                        <a:defRPr sz="1680" kern="1200">
+                          <a:solidFill>
+                            <a:schemeClr val="dk1"/>
+                          </a:solidFill>
+                          <a:latin typeface="Segoe UI"/>
+                          <a:ea typeface=""/>
+                          <a:cs typeface=""/>
+                        </a:defRPr>
+                      </a:lvl8pPr>
+                      <a:lvl9pPr marL="3500452" algn="l" defTabSz="437556" rtl="0" eaLnBrk="1" latinLnBrk="0" hangingPunct="1">
+                        <a:defRPr sz="1680" kern="1200">
+                          <a:solidFill>
+                            <a:schemeClr val="dk1"/>
+                          </a:solidFill>
+                          <a:latin typeface="Segoe UI"/>
+                          <a:ea typeface=""/>
+                          <a:cs typeface=""/>
+                        </a:defRPr>
+                      </a:lvl9pPr>
+                    </a:lstStyle>
+                    <a:p>
+                      <a:r>
+                        <a:rPr lang="en-US" sz="1700" dirty="0"/>
+                        <a:t>Race</a:t>
+                      </a:r>
+                    </a:p>
+                  </a:txBody>
+                  <a:tcPr>
+                    <a:lnL w="12700" cmpd="sng">
+                      <a:solidFill>
+                        <a:sysClr val="window" lastClr="FFFFFF"/>
+                      </a:solidFill>
+                    </a:lnL>
+                    <a:lnR w="12700" cmpd="sng">
+                      <a:solidFill>
+                        <a:sysClr val="window" lastClr="FFFFFF"/>
+                      </a:solidFill>
+                    </a:lnR>
+                    <a:lnT w="12700" cmpd="sng">
+                      <a:solidFill>
+                        <a:sysClr val="window" lastClr="FFFFFF"/>
+                      </a:solidFill>
+                    </a:lnT>
+                    <a:lnB w="12700" cmpd="sng">
+                      <a:solidFill>
+                        <a:sysClr val="window" lastClr="FFFFFF"/>
+                      </a:solidFill>
+                    </a:lnB>
+                    <a:lnTlToBr w="12700" cmpd="sng">
+                      <a:noFill/>
+                      <a:prstDash val="solid"/>
+                    </a:lnTlToBr>
+                    <a:lnBlToTr w="12700" cmpd="sng">
+                      <a:noFill/>
+                      <a:prstDash val="solid"/>
+                    </a:lnBlToTr>
+                    <a:solidFill>
+                      <a:srgbClr val="AF1E2D">
+                        <a:tint val="40000"/>
+                      </a:srgbClr>
+                    </a:solidFill>
+                  </a:tcPr>
+                </a:tc>
+                <a:tc>
+                  <a:txBody>
+                    <a:bodyPr/>
+                    <a:lstStyle>
+                      <a:lvl1pPr marL="0" algn="l" defTabSz="437556" rtl="0" eaLnBrk="1" latinLnBrk="0" hangingPunct="1">
+                        <a:defRPr sz="1680" kern="1200">
+                          <a:solidFill>
+                            <a:schemeClr val="dk1"/>
+                          </a:solidFill>
+                          <a:latin typeface="Segoe UI"/>
+                          <a:ea typeface=""/>
+                          <a:cs typeface=""/>
+                        </a:defRPr>
+                      </a:lvl1pPr>
+                      <a:lvl2pPr marL="437556" algn="l" defTabSz="437556" rtl="0" eaLnBrk="1" latinLnBrk="0" hangingPunct="1">
+                        <a:defRPr sz="1680" kern="1200">
+                          <a:solidFill>
+                            <a:schemeClr val="dk1"/>
+                          </a:solidFill>
+                          <a:latin typeface="Segoe UI"/>
+                          <a:ea typeface=""/>
+                          <a:cs typeface=""/>
+                        </a:defRPr>
+                      </a:lvl2pPr>
+                      <a:lvl3pPr marL="875113" algn="l" defTabSz="437556" rtl="0" eaLnBrk="1" latinLnBrk="0" hangingPunct="1">
+                        <a:defRPr sz="1680" kern="1200">
+                          <a:solidFill>
+                            <a:schemeClr val="dk1"/>
+                          </a:solidFill>
+                          <a:latin typeface="Segoe UI"/>
+                          <a:ea typeface=""/>
+                          <a:cs typeface=""/>
+                        </a:defRPr>
+                      </a:lvl3pPr>
+                      <a:lvl4pPr marL="1312669" algn="l" defTabSz="437556" rtl="0" eaLnBrk="1" latinLnBrk="0" hangingPunct="1">
+                        <a:defRPr sz="1680" kern="1200">
+                          <a:solidFill>
+                            <a:schemeClr val="dk1"/>
+                          </a:solidFill>
+                          <a:latin typeface="Segoe UI"/>
+                          <a:ea typeface=""/>
+                          <a:cs typeface=""/>
+                        </a:defRPr>
+                      </a:lvl4pPr>
+                      <a:lvl5pPr marL="1750226" algn="l" defTabSz="437556" rtl="0" eaLnBrk="1" latinLnBrk="0" hangingPunct="1">
+                        <a:defRPr sz="1680" kern="1200">
+                          <a:solidFill>
+                            <a:schemeClr val="dk1"/>
+                          </a:solidFill>
+                          <a:latin typeface="Segoe UI"/>
+                          <a:ea typeface=""/>
+                          <a:cs typeface=""/>
+                        </a:defRPr>
+                      </a:lvl5pPr>
+                      <a:lvl6pPr marL="2187782" algn="l" defTabSz="437556" rtl="0" eaLnBrk="1" latinLnBrk="0" hangingPunct="1">
+                        <a:defRPr sz="1680" kern="1200">
+                          <a:solidFill>
+                            <a:schemeClr val="dk1"/>
+                          </a:solidFill>
+                          <a:latin typeface="Segoe UI"/>
+                          <a:ea typeface=""/>
+                          <a:cs typeface=""/>
+                        </a:defRPr>
+                      </a:lvl6pPr>
+                      <a:lvl7pPr marL="2625338" algn="l" defTabSz="437556" rtl="0" eaLnBrk="1" latinLnBrk="0" hangingPunct="1">
+                        <a:defRPr sz="1680" kern="1200">
+                          <a:solidFill>
+                            <a:schemeClr val="dk1"/>
+                          </a:solidFill>
+                          <a:latin typeface="Segoe UI"/>
+                          <a:ea typeface=""/>
+                          <a:cs typeface=""/>
+                        </a:defRPr>
+                      </a:lvl7pPr>
+                      <a:lvl8pPr marL="3062896" algn="l" defTabSz="437556" rtl="0" eaLnBrk="1" latinLnBrk="0" hangingPunct="1">
+                        <a:defRPr sz="1680" kern="1200">
+                          <a:solidFill>
+                            <a:schemeClr val="dk1"/>
+                          </a:solidFill>
+                          <a:latin typeface="Segoe UI"/>
+                          <a:ea typeface=""/>
+                          <a:cs typeface=""/>
+                        </a:defRPr>
+                      </a:lvl8pPr>
+                      <a:lvl9pPr marL="3500452" algn="l" defTabSz="437556" rtl="0" eaLnBrk="1" latinLnBrk="0" hangingPunct="1">
+                        <a:defRPr sz="1680" kern="1200">
+                          <a:solidFill>
+                            <a:schemeClr val="dk1"/>
+                          </a:solidFill>
+                          <a:latin typeface="Segoe UI"/>
+                          <a:ea typeface=""/>
+                          <a:cs typeface=""/>
+                        </a:defRPr>
+                      </a:lvl9pPr>
+                    </a:lstStyle>
+                    <a:p>
+                      <a:r>
+                        <a:rPr lang="en-US" sz="1700" dirty="0"/>
+                        <a:t>White</a:t>
+                      </a:r>
+                    </a:p>
+                  </a:txBody>
+                  <a:tcPr>
+                    <a:lnL w="12700" cmpd="sng">
+                      <a:solidFill>
+                        <a:sysClr val="window" lastClr="FFFFFF"/>
+                      </a:solidFill>
+                    </a:lnL>
+                    <a:lnR w="12700" cmpd="sng">
+                      <a:solidFill>
+                        <a:sysClr val="window" lastClr="FFFFFF"/>
+                      </a:solidFill>
+                    </a:lnR>
+                    <a:lnT w="12700" cmpd="sng">
+                      <a:solidFill>
+                        <a:sysClr val="window" lastClr="FFFFFF"/>
+                      </a:solidFill>
+                    </a:lnT>
+                    <a:lnB w="12700" cmpd="sng">
+                      <a:solidFill>
+                        <a:sysClr val="window" lastClr="FFFFFF"/>
+                      </a:solidFill>
+                    </a:lnB>
+                    <a:lnTlToBr w="12700" cmpd="sng">
+                      <a:noFill/>
+                      <a:prstDash val="solid"/>
+                    </a:lnTlToBr>
+                    <a:lnBlToTr w="12700" cmpd="sng">
+                      <a:noFill/>
+                      <a:prstDash val="solid"/>
+                    </a:lnBlToTr>
+                    <a:solidFill>
+                      <a:srgbClr val="AF1E2D">
+                        <a:tint val="40000"/>
+                      </a:srgbClr>
+                    </a:solidFill>
+                  </a:tcPr>
+                </a:tc>
+                <a:extLst>
+                  <a:ext uri="{0D108BD9-81ED-4DB2-BD59-A6C34878D82A}">
+                    <a16:rowId xmlns="" xmlns:a16="http://schemas.microsoft.com/office/drawing/2014/main" val="10006"/>
+                  </a:ext>
+                </a:extLst>
+              </a:tr>
+              <a:tr h="422226">
+                <a:tc>
+                  <a:txBody>
+                    <a:bodyPr/>
+                    <a:lstStyle>
+                      <a:lvl1pPr marL="0" algn="l" defTabSz="437556" rtl="0" eaLnBrk="1" latinLnBrk="0" hangingPunct="1">
+                        <a:defRPr sz="1680" kern="1200">
+                          <a:solidFill>
+                            <a:schemeClr val="dk1"/>
+                          </a:solidFill>
+                          <a:latin typeface="Segoe UI"/>
+                          <a:ea typeface=""/>
+                          <a:cs typeface=""/>
+                        </a:defRPr>
+                      </a:lvl1pPr>
+                      <a:lvl2pPr marL="437556" algn="l" defTabSz="437556" rtl="0" eaLnBrk="1" latinLnBrk="0" hangingPunct="1">
+                        <a:defRPr sz="1680" kern="1200">
+                          <a:solidFill>
+                            <a:schemeClr val="dk1"/>
+                          </a:solidFill>
+                          <a:latin typeface="Segoe UI"/>
+                          <a:ea typeface=""/>
+                          <a:cs typeface=""/>
+                        </a:defRPr>
+                      </a:lvl2pPr>
+                      <a:lvl3pPr marL="875113" algn="l" defTabSz="437556" rtl="0" eaLnBrk="1" latinLnBrk="0" hangingPunct="1">
+                        <a:defRPr sz="1680" kern="1200">
+                          <a:solidFill>
+                            <a:schemeClr val="dk1"/>
+                          </a:solidFill>
+                          <a:latin typeface="Segoe UI"/>
+                          <a:ea typeface=""/>
+                          <a:cs typeface=""/>
+                        </a:defRPr>
+                      </a:lvl3pPr>
+                      <a:lvl4pPr marL="1312669" algn="l" defTabSz="437556" rtl="0" eaLnBrk="1" latinLnBrk="0" hangingPunct="1">
+                        <a:defRPr sz="1680" kern="1200">
+                          <a:solidFill>
+                            <a:schemeClr val="dk1"/>
+                          </a:solidFill>
+                          <a:latin typeface="Segoe UI"/>
+                          <a:ea typeface=""/>
+                          <a:cs typeface=""/>
+                        </a:defRPr>
+                      </a:lvl4pPr>
+                      <a:lvl5pPr marL="1750226" algn="l" defTabSz="437556" rtl="0" eaLnBrk="1" latinLnBrk="0" hangingPunct="1">
+                        <a:defRPr sz="1680" kern="1200">
+                          <a:solidFill>
+                            <a:schemeClr val="dk1"/>
+                          </a:solidFill>
+                          <a:latin typeface="Segoe UI"/>
+                          <a:ea typeface=""/>
+                          <a:cs typeface=""/>
+                        </a:defRPr>
+                      </a:lvl5pPr>
+                      <a:lvl6pPr marL="2187782" algn="l" defTabSz="437556" rtl="0" eaLnBrk="1" latinLnBrk="0" hangingPunct="1">
+                        <a:defRPr sz="1680" kern="1200">
+                          <a:solidFill>
+                            <a:schemeClr val="dk1"/>
+                          </a:solidFill>
+                          <a:latin typeface="Segoe UI"/>
+                          <a:ea typeface=""/>
+                          <a:cs typeface=""/>
+                        </a:defRPr>
+                      </a:lvl6pPr>
+                      <a:lvl7pPr marL="2625338" algn="l" defTabSz="437556" rtl="0" eaLnBrk="1" latinLnBrk="0" hangingPunct="1">
+                        <a:defRPr sz="1680" kern="1200">
+                          <a:solidFill>
+                            <a:schemeClr val="dk1"/>
+                          </a:solidFill>
+                          <a:latin typeface="Segoe UI"/>
+                          <a:ea typeface=""/>
+                          <a:cs typeface=""/>
+                        </a:defRPr>
+                      </a:lvl7pPr>
+                      <a:lvl8pPr marL="3062896" algn="l" defTabSz="437556" rtl="0" eaLnBrk="1" latinLnBrk="0" hangingPunct="1">
+                        <a:defRPr sz="1680" kern="1200">
+                          <a:solidFill>
+                            <a:schemeClr val="dk1"/>
+                          </a:solidFill>
+                          <a:latin typeface="Segoe UI"/>
+                          <a:ea typeface=""/>
+                          <a:cs typeface=""/>
+                        </a:defRPr>
+                      </a:lvl8pPr>
+                      <a:lvl9pPr marL="3500452" algn="l" defTabSz="437556" rtl="0" eaLnBrk="1" latinLnBrk="0" hangingPunct="1">
+                        <a:defRPr sz="1680" kern="1200">
+                          <a:solidFill>
+                            <a:schemeClr val="dk1"/>
+                          </a:solidFill>
+                          <a:latin typeface="Segoe UI"/>
+                          <a:ea typeface=""/>
+                          <a:cs typeface=""/>
+                        </a:defRPr>
+                      </a:lvl9pPr>
+                    </a:lstStyle>
+                    <a:p>
+                      <a:r>
+                        <a:rPr lang="en-US" sz="1700" dirty="0"/>
+                        <a:t>Gender</a:t>
+                      </a:r>
+                    </a:p>
+                  </a:txBody>
+                  <a:tcPr>
+                    <a:lnL w="12700" cmpd="sng">
+                      <a:solidFill>
+                        <a:sysClr val="window" lastClr="FFFFFF"/>
+                      </a:solidFill>
+                    </a:lnL>
+                    <a:lnR w="12700" cmpd="sng">
+                      <a:solidFill>
+                        <a:sysClr val="window" lastClr="FFFFFF"/>
+                      </a:solidFill>
+                    </a:lnR>
+                    <a:lnT w="12700" cmpd="sng">
+                      <a:solidFill>
+                        <a:sysClr val="window" lastClr="FFFFFF"/>
+                      </a:solidFill>
+                    </a:lnT>
+                    <a:lnB w="12700" cmpd="sng">
+                      <a:solidFill>
+                        <a:sysClr val="window" lastClr="FFFFFF"/>
+                      </a:solidFill>
+                    </a:lnB>
+                    <a:lnTlToBr w="12700" cmpd="sng">
+                      <a:noFill/>
+                      <a:prstDash val="solid"/>
+                    </a:lnTlToBr>
+                    <a:lnBlToTr w="12700" cmpd="sng">
+                      <a:noFill/>
+                      <a:prstDash val="solid"/>
+                    </a:lnBlToTr>
+                    <a:solidFill>
+                      <a:srgbClr val="AF1E2D">
+                        <a:tint val="20000"/>
+                      </a:srgbClr>
+                    </a:solidFill>
+                  </a:tcPr>
+                </a:tc>
+                <a:tc>
+                  <a:txBody>
+                    <a:bodyPr/>
+                    <a:lstStyle>
+                      <a:lvl1pPr marL="0" algn="l" defTabSz="437556" rtl="0" eaLnBrk="1" latinLnBrk="0" hangingPunct="1">
+                        <a:defRPr sz="1680" kern="1200">
+                          <a:solidFill>
+                            <a:schemeClr val="dk1"/>
+                          </a:solidFill>
+                          <a:latin typeface="Segoe UI"/>
+                          <a:ea typeface=""/>
+                          <a:cs typeface=""/>
+                        </a:defRPr>
+                      </a:lvl1pPr>
+                      <a:lvl2pPr marL="437556" algn="l" defTabSz="437556" rtl="0" eaLnBrk="1" latinLnBrk="0" hangingPunct="1">
+                        <a:defRPr sz="1680" kern="1200">
+                          <a:solidFill>
+                            <a:schemeClr val="dk1"/>
+                          </a:solidFill>
+                          <a:latin typeface="Segoe UI"/>
+                          <a:ea typeface=""/>
+                          <a:cs typeface=""/>
+                        </a:defRPr>
+                      </a:lvl2pPr>
+                      <a:lvl3pPr marL="875113" algn="l" defTabSz="437556" rtl="0" eaLnBrk="1" latinLnBrk="0" hangingPunct="1">
+                        <a:defRPr sz="1680" kern="1200">
+                          <a:solidFill>
+                            <a:schemeClr val="dk1"/>
+                          </a:solidFill>
+                          <a:latin typeface="Segoe UI"/>
+                          <a:ea typeface=""/>
+                          <a:cs typeface=""/>
+                        </a:defRPr>
+                      </a:lvl3pPr>
+                      <a:lvl4pPr marL="1312669" algn="l" defTabSz="437556" rtl="0" eaLnBrk="1" latinLnBrk="0" hangingPunct="1">
+                        <a:defRPr sz="1680" kern="1200">
+                          <a:solidFill>
+                            <a:schemeClr val="dk1"/>
+                          </a:solidFill>
+                          <a:latin typeface="Segoe UI"/>
+                          <a:ea typeface=""/>
+                          <a:cs typeface=""/>
+                        </a:defRPr>
+                      </a:lvl4pPr>
+                      <a:lvl5pPr marL="1750226" algn="l" defTabSz="437556" rtl="0" eaLnBrk="1" latinLnBrk="0" hangingPunct="1">
+                        <a:defRPr sz="1680" kern="1200">
+                          <a:solidFill>
+                            <a:schemeClr val="dk1"/>
+                          </a:solidFill>
+                          <a:latin typeface="Segoe UI"/>
+                          <a:ea typeface=""/>
+                          <a:cs typeface=""/>
+                        </a:defRPr>
+                      </a:lvl5pPr>
+                      <a:lvl6pPr marL="2187782" algn="l" defTabSz="437556" rtl="0" eaLnBrk="1" latinLnBrk="0" hangingPunct="1">
+                        <a:defRPr sz="1680" kern="1200">
+                          <a:solidFill>
+                            <a:schemeClr val="dk1"/>
+                          </a:solidFill>
+                          <a:latin typeface="Segoe UI"/>
+                          <a:ea typeface=""/>
+                          <a:cs typeface=""/>
+                        </a:defRPr>
+                      </a:lvl6pPr>
+                      <a:lvl7pPr marL="2625338" algn="l" defTabSz="437556" rtl="0" eaLnBrk="1" latinLnBrk="0" hangingPunct="1">
+                        <a:defRPr sz="1680" kern="1200">
+                          <a:solidFill>
+                            <a:schemeClr val="dk1"/>
+                          </a:solidFill>
+                          <a:latin typeface="Segoe UI"/>
+                          <a:ea typeface=""/>
+                          <a:cs typeface=""/>
+                        </a:defRPr>
+                      </a:lvl7pPr>
+                      <a:lvl8pPr marL="3062896" algn="l" defTabSz="437556" rtl="0" eaLnBrk="1" latinLnBrk="0" hangingPunct="1">
+                        <a:defRPr sz="1680" kern="1200">
+                          <a:solidFill>
+                            <a:schemeClr val="dk1"/>
+                          </a:solidFill>
+                          <a:latin typeface="Segoe UI"/>
+                          <a:ea typeface=""/>
+                          <a:cs typeface=""/>
+                        </a:defRPr>
+                      </a:lvl8pPr>
+                      <a:lvl9pPr marL="3500452" algn="l" defTabSz="437556" rtl="0" eaLnBrk="1" latinLnBrk="0" hangingPunct="1">
+                        <a:defRPr sz="1680" kern="1200">
+                          <a:solidFill>
+                            <a:schemeClr val="dk1"/>
+                          </a:solidFill>
+                          <a:latin typeface="Segoe UI"/>
+                          <a:ea typeface=""/>
+                          <a:cs typeface=""/>
+                        </a:defRPr>
+                      </a:lvl9pPr>
+                    </a:lstStyle>
+                    <a:p>
+                      <a:r>
+                        <a:rPr lang="en-US" sz="1700" dirty="0"/>
+                        <a:t>Male</a:t>
+                      </a:r>
+                    </a:p>
+                  </a:txBody>
+                  <a:tcPr>
+                    <a:lnL w="12700" cmpd="sng">
+                      <a:solidFill>
+                        <a:sysClr val="window" lastClr="FFFFFF"/>
+                      </a:solidFill>
+                    </a:lnL>
+                    <a:lnR w="12700" cmpd="sng">
+                      <a:solidFill>
+                        <a:sysClr val="window" lastClr="FFFFFF"/>
+                      </a:solidFill>
+                    </a:lnR>
+                    <a:lnT w="12700" cmpd="sng">
+                      <a:solidFill>
+                        <a:sysClr val="window" lastClr="FFFFFF"/>
+                      </a:solidFill>
+                    </a:lnT>
+                    <a:lnB w="12700" cmpd="sng">
+                      <a:solidFill>
+                        <a:sysClr val="window" lastClr="FFFFFF"/>
+                      </a:solidFill>
+                    </a:lnB>
+                    <a:lnTlToBr w="12700" cmpd="sng">
+                      <a:noFill/>
+                      <a:prstDash val="solid"/>
+                    </a:lnTlToBr>
+                    <a:lnBlToTr w="12700" cmpd="sng">
+                      <a:noFill/>
+                      <a:prstDash val="solid"/>
+                    </a:lnBlToTr>
+                    <a:solidFill>
+                      <a:srgbClr val="AF1E2D">
+                        <a:tint val="20000"/>
+                      </a:srgbClr>
+                    </a:solidFill>
+                  </a:tcPr>
+                </a:tc>
+                <a:extLst>
+                  <a:ext uri="{0D108BD9-81ED-4DB2-BD59-A6C34878D82A}">
+                    <a16:rowId xmlns="" xmlns:a16="http://schemas.microsoft.com/office/drawing/2014/main" val="10007"/>
+                  </a:ext>
+                </a:extLst>
+              </a:tr>
+              <a:tr h="422226">
+                <a:tc>
+                  <a:txBody>
+                    <a:bodyPr/>
+                    <a:lstStyle>
+                      <a:lvl1pPr marL="0" algn="l" defTabSz="437556" rtl="0" eaLnBrk="1" latinLnBrk="0" hangingPunct="1">
+                        <a:defRPr sz="1680" kern="1200">
+                          <a:solidFill>
+                            <a:schemeClr val="dk1"/>
+                          </a:solidFill>
+                          <a:latin typeface="Segoe UI"/>
+                          <a:ea typeface=""/>
+                          <a:cs typeface=""/>
+                        </a:defRPr>
+                      </a:lvl1pPr>
+                      <a:lvl2pPr marL="437556" algn="l" defTabSz="437556" rtl="0" eaLnBrk="1" latinLnBrk="0" hangingPunct="1">
+                        <a:defRPr sz="1680" kern="1200">
+                          <a:solidFill>
+                            <a:schemeClr val="dk1"/>
+                          </a:solidFill>
+                          <a:latin typeface="Segoe UI"/>
+                          <a:ea typeface=""/>
+                          <a:cs typeface=""/>
+                        </a:defRPr>
+                      </a:lvl2pPr>
+                      <a:lvl3pPr marL="875113" algn="l" defTabSz="437556" rtl="0" eaLnBrk="1" latinLnBrk="0" hangingPunct="1">
+                        <a:defRPr sz="1680" kern="1200">
+                          <a:solidFill>
+                            <a:schemeClr val="dk1"/>
+                          </a:solidFill>
+                          <a:latin typeface="Segoe UI"/>
+                          <a:ea typeface=""/>
+                          <a:cs typeface=""/>
+                        </a:defRPr>
+                      </a:lvl3pPr>
+                      <a:lvl4pPr marL="1312669" algn="l" defTabSz="437556" rtl="0" eaLnBrk="1" latinLnBrk="0" hangingPunct="1">
+                        <a:defRPr sz="1680" kern="1200">
+                          <a:solidFill>
+                            <a:schemeClr val="dk1"/>
+                          </a:solidFill>
+                          <a:latin typeface="Segoe UI"/>
+                          <a:ea typeface=""/>
+                          <a:cs typeface=""/>
+                        </a:defRPr>
+                      </a:lvl4pPr>
+                      <a:lvl5pPr marL="1750226" algn="l" defTabSz="437556" rtl="0" eaLnBrk="1" latinLnBrk="0" hangingPunct="1">
+                        <a:defRPr sz="1680" kern="1200">
+                          <a:solidFill>
+                            <a:schemeClr val="dk1"/>
+                          </a:solidFill>
+                          <a:latin typeface="Segoe UI"/>
+                          <a:ea typeface=""/>
+                          <a:cs typeface=""/>
+                        </a:defRPr>
+                      </a:lvl5pPr>
+                      <a:lvl6pPr marL="2187782" algn="l" defTabSz="437556" rtl="0" eaLnBrk="1" latinLnBrk="0" hangingPunct="1">
+                        <a:defRPr sz="1680" kern="1200">
+                          <a:solidFill>
+                            <a:schemeClr val="dk1"/>
+                          </a:solidFill>
+                          <a:latin typeface="Segoe UI"/>
+                          <a:ea typeface=""/>
+                          <a:cs typeface=""/>
+                        </a:defRPr>
+                      </a:lvl6pPr>
+                      <a:lvl7pPr marL="2625338" algn="l" defTabSz="437556" rtl="0" eaLnBrk="1" latinLnBrk="0" hangingPunct="1">
+                        <a:defRPr sz="1680" kern="1200">
+                          <a:solidFill>
+                            <a:schemeClr val="dk1"/>
+                          </a:solidFill>
+                          <a:latin typeface="Segoe UI"/>
+                          <a:ea typeface=""/>
+                          <a:cs typeface=""/>
+                        </a:defRPr>
+                      </a:lvl7pPr>
+                      <a:lvl8pPr marL="3062896" algn="l" defTabSz="437556" rtl="0" eaLnBrk="1" latinLnBrk="0" hangingPunct="1">
+                        <a:defRPr sz="1680" kern="1200">
+                          <a:solidFill>
+                            <a:schemeClr val="dk1"/>
+                          </a:solidFill>
+                          <a:latin typeface="Segoe UI"/>
+                          <a:ea typeface=""/>
+                          <a:cs typeface=""/>
+                        </a:defRPr>
+                      </a:lvl8pPr>
+                      <a:lvl9pPr marL="3500452" algn="l" defTabSz="437556" rtl="0" eaLnBrk="1" latinLnBrk="0" hangingPunct="1">
+                        <a:defRPr sz="1680" kern="1200">
+                          <a:solidFill>
+                            <a:schemeClr val="dk1"/>
+                          </a:solidFill>
+                          <a:latin typeface="Segoe UI"/>
+                          <a:ea typeface=""/>
+                          <a:cs typeface=""/>
+                        </a:defRPr>
+                      </a:lvl9pPr>
+                    </a:lstStyle>
+                    <a:p>
+                      <a:r>
+                        <a:rPr lang="en-US" sz="1700" dirty="0"/>
+                        <a:t>Capital gain</a:t>
+                      </a:r>
+                    </a:p>
+                  </a:txBody>
+                  <a:tcPr>
+                    <a:lnL w="12700" cmpd="sng">
+                      <a:solidFill>
+                        <a:sysClr val="window" lastClr="FFFFFF"/>
+                      </a:solidFill>
+                    </a:lnL>
+                    <a:lnR w="12700" cmpd="sng">
+                      <a:solidFill>
+                        <a:sysClr val="window" lastClr="FFFFFF"/>
+                      </a:solidFill>
+                    </a:lnR>
+                    <a:lnT w="12700" cmpd="sng">
+                      <a:solidFill>
+                        <a:sysClr val="window" lastClr="FFFFFF"/>
+                      </a:solidFill>
+                    </a:lnT>
+                    <a:lnB w="12700" cmpd="sng">
+                      <a:solidFill>
+                        <a:sysClr val="window" lastClr="FFFFFF"/>
+                      </a:solidFill>
+                    </a:lnB>
+                    <a:lnTlToBr w="12700" cmpd="sng">
+                      <a:noFill/>
+                      <a:prstDash val="solid"/>
+                    </a:lnTlToBr>
+                    <a:lnBlToTr w="12700" cmpd="sng">
+                      <a:noFill/>
+                      <a:prstDash val="solid"/>
+                    </a:lnBlToTr>
+                    <a:solidFill>
+                      <a:srgbClr val="00B050"/>
+                    </a:solidFill>
+                  </a:tcPr>
+                </a:tc>
+                <a:tc>
+                  <a:txBody>
+                    <a:bodyPr/>
+                    <a:lstStyle>
+                      <a:lvl1pPr marL="0" algn="l" defTabSz="437556" rtl="0" eaLnBrk="1" latinLnBrk="0" hangingPunct="1">
+                        <a:defRPr sz="1680" kern="1200">
+                          <a:solidFill>
+                            <a:schemeClr val="dk1"/>
+                          </a:solidFill>
+                          <a:latin typeface="Segoe UI"/>
+                          <a:ea typeface=""/>
+                          <a:cs typeface=""/>
+                        </a:defRPr>
+                      </a:lvl1pPr>
+                      <a:lvl2pPr marL="437556" algn="l" defTabSz="437556" rtl="0" eaLnBrk="1" latinLnBrk="0" hangingPunct="1">
+                        <a:defRPr sz="1680" kern="1200">
+                          <a:solidFill>
+                            <a:schemeClr val="dk1"/>
+                          </a:solidFill>
+                          <a:latin typeface="Segoe UI"/>
+                          <a:ea typeface=""/>
+                          <a:cs typeface=""/>
+                        </a:defRPr>
+                      </a:lvl2pPr>
+                      <a:lvl3pPr marL="875113" algn="l" defTabSz="437556" rtl="0" eaLnBrk="1" latinLnBrk="0" hangingPunct="1">
+                        <a:defRPr sz="1680" kern="1200">
+                          <a:solidFill>
+                            <a:schemeClr val="dk1"/>
+                          </a:solidFill>
+                          <a:latin typeface="Segoe UI"/>
+                          <a:ea typeface=""/>
+                          <a:cs typeface=""/>
+                        </a:defRPr>
+                      </a:lvl3pPr>
+                      <a:lvl4pPr marL="1312669" algn="l" defTabSz="437556" rtl="0" eaLnBrk="1" latinLnBrk="0" hangingPunct="1">
+                        <a:defRPr sz="1680" kern="1200">
+                          <a:solidFill>
+                            <a:schemeClr val="dk1"/>
+                          </a:solidFill>
+                          <a:latin typeface="Segoe UI"/>
+                          <a:ea typeface=""/>
+                          <a:cs typeface=""/>
+                        </a:defRPr>
+                      </a:lvl4pPr>
+                      <a:lvl5pPr marL="1750226" algn="l" defTabSz="437556" rtl="0" eaLnBrk="1" latinLnBrk="0" hangingPunct="1">
+                        <a:defRPr sz="1680" kern="1200">
+                          <a:solidFill>
+                            <a:schemeClr val="dk1"/>
+                          </a:solidFill>
+                          <a:latin typeface="Segoe UI"/>
+                          <a:ea typeface=""/>
+                          <a:cs typeface=""/>
+                        </a:defRPr>
+                      </a:lvl5pPr>
+                      <a:lvl6pPr marL="2187782" algn="l" defTabSz="437556" rtl="0" eaLnBrk="1" latinLnBrk="0" hangingPunct="1">
+                        <a:defRPr sz="1680" kern="1200">
+                          <a:solidFill>
+                            <a:schemeClr val="dk1"/>
+                          </a:solidFill>
+                          <a:latin typeface="Segoe UI"/>
+                          <a:ea typeface=""/>
+                          <a:cs typeface=""/>
+                        </a:defRPr>
+                      </a:lvl6pPr>
+                      <a:lvl7pPr marL="2625338" algn="l" defTabSz="437556" rtl="0" eaLnBrk="1" latinLnBrk="0" hangingPunct="1">
+                        <a:defRPr sz="1680" kern="1200">
+                          <a:solidFill>
+                            <a:schemeClr val="dk1"/>
+                          </a:solidFill>
+                          <a:latin typeface="Segoe UI"/>
+                          <a:ea typeface=""/>
+                          <a:cs typeface=""/>
+                        </a:defRPr>
+                      </a:lvl7pPr>
+                      <a:lvl8pPr marL="3062896" algn="l" defTabSz="437556" rtl="0" eaLnBrk="1" latinLnBrk="0" hangingPunct="1">
+                        <a:defRPr sz="1680" kern="1200">
+                          <a:solidFill>
+                            <a:schemeClr val="dk1"/>
+                          </a:solidFill>
+                          <a:latin typeface="Segoe UI"/>
+                          <a:ea typeface=""/>
+                          <a:cs typeface=""/>
+                        </a:defRPr>
+                      </a:lvl8pPr>
+                      <a:lvl9pPr marL="3500452" algn="l" defTabSz="437556" rtl="0" eaLnBrk="1" latinLnBrk="0" hangingPunct="1">
+                        <a:defRPr sz="1680" kern="1200">
+                          <a:solidFill>
+                            <a:schemeClr val="dk1"/>
+                          </a:solidFill>
+                          <a:latin typeface="Segoe UI"/>
+                          <a:ea typeface=""/>
+                          <a:cs typeface=""/>
+                        </a:defRPr>
+                      </a:lvl9pPr>
+                    </a:lstStyle>
+                    <a:p>
+                      <a:r>
+                        <a:rPr lang="en-US" sz="1700" dirty="0"/>
+                        <a:t>$41310</a:t>
+                      </a:r>
+                    </a:p>
+                  </a:txBody>
+                  <a:tcPr>
+                    <a:lnL w="12700" cmpd="sng">
+                      <a:solidFill>
+                        <a:sysClr val="window" lastClr="FFFFFF"/>
+                      </a:solidFill>
+                    </a:lnL>
+                    <a:lnR w="12700" cmpd="sng">
+                      <a:solidFill>
+                        <a:sysClr val="window" lastClr="FFFFFF"/>
+                      </a:solidFill>
+                    </a:lnR>
+                    <a:lnT w="12700" cmpd="sng">
+                      <a:solidFill>
+                        <a:sysClr val="window" lastClr="FFFFFF"/>
+                      </a:solidFill>
+                    </a:lnT>
+                    <a:lnB w="12700" cmpd="sng">
+                      <a:solidFill>
+                        <a:sysClr val="window" lastClr="FFFFFF"/>
+                      </a:solidFill>
+                    </a:lnB>
+                    <a:lnTlToBr w="12700" cmpd="sng">
+                      <a:noFill/>
+                      <a:prstDash val="solid"/>
+                    </a:lnTlToBr>
+                    <a:lnBlToTr w="12700" cmpd="sng">
+                      <a:noFill/>
+                      <a:prstDash val="solid"/>
+                    </a:lnBlToTr>
+                    <a:solidFill>
+                      <a:srgbClr val="00B050"/>
+                    </a:solidFill>
+                  </a:tcPr>
+                </a:tc>
+                <a:extLst>
+                  <a:ext uri="{0D108BD9-81ED-4DB2-BD59-A6C34878D82A}">
+                    <a16:rowId xmlns="" xmlns:a16="http://schemas.microsoft.com/office/drawing/2014/main" val="10008"/>
+                  </a:ext>
+                </a:extLst>
+              </a:tr>
+              <a:tr h="422226">
+                <a:tc>
+                  <a:txBody>
+                    <a:bodyPr/>
+                    <a:lstStyle>
+                      <a:lvl1pPr marL="0" algn="l" defTabSz="437556" rtl="0" eaLnBrk="1" latinLnBrk="0" hangingPunct="1">
+                        <a:defRPr sz="1680" kern="1200">
+                          <a:solidFill>
+                            <a:schemeClr val="dk1"/>
+                          </a:solidFill>
+                          <a:latin typeface="Segoe UI"/>
+                          <a:ea typeface=""/>
+                          <a:cs typeface=""/>
+                        </a:defRPr>
+                      </a:lvl1pPr>
+                      <a:lvl2pPr marL="437556" algn="l" defTabSz="437556" rtl="0" eaLnBrk="1" latinLnBrk="0" hangingPunct="1">
+                        <a:defRPr sz="1680" kern="1200">
+                          <a:solidFill>
+                            <a:schemeClr val="dk1"/>
+                          </a:solidFill>
+                          <a:latin typeface="Segoe UI"/>
+                          <a:ea typeface=""/>
+                          <a:cs typeface=""/>
+                        </a:defRPr>
+                      </a:lvl2pPr>
+                      <a:lvl3pPr marL="875113" algn="l" defTabSz="437556" rtl="0" eaLnBrk="1" latinLnBrk="0" hangingPunct="1">
+                        <a:defRPr sz="1680" kern="1200">
+                          <a:solidFill>
+                            <a:schemeClr val="dk1"/>
+                          </a:solidFill>
+                          <a:latin typeface="Segoe UI"/>
+                          <a:ea typeface=""/>
+                          <a:cs typeface=""/>
+                        </a:defRPr>
+                      </a:lvl3pPr>
+                      <a:lvl4pPr marL="1312669" algn="l" defTabSz="437556" rtl="0" eaLnBrk="1" latinLnBrk="0" hangingPunct="1">
+                        <a:defRPr sz="1680" kern="1200">
+                          <a:solidFill>
+                            <a:schemeClr val="dk1"/>
+                          </a:solidFill>
+                          <a:latin typeface="Segoe UI"/>
+                          <a:ea typeface=""/>
+                          <a:cs typeface=""/>
+                        </a:defRPr>
+                      </a:lvl4pPr>
+                      <a:lvl5pPr marL="1750226" algn="l" defTabSz="437556" rtl="0" eaLnBrk="1" latinLnBrk="0" hangingPunct="1">
+                        <a:defRPr sz="1680" kern="1200">
+                          <a:solidFill>
+                            <a:schemeClr val="dk1"/>
+                          </a:solidFill>
+                          <a:latin typeface="Segoe UI"/>
+                          <a:ea typeface=""/>
+                          <a:cs typeface=""/>
+                        </a:defRPr>
+                      </a:lvl5pPr>
+                      <a:lvl6pPr marL="2187782" algn="l" defTabSz="437556" rtl="0" eaLnBrk="1" latinLnBrk="0" hangingPunct="1">
+                        <a:defRPr sz="1680" kern="1200">
+                          <a:solidFill>
+                            <a:schemeClr val="dk1"/>
+                          </a:solidFill>
+                          <a:latin typeface="Segoe UI"/>
+                          <a:ea typeface=""/>
+                          <a:cs typeface=""/>
+                        </a:defRPr>
+                      </a:lvl6pPr>
+                      <a:lvl7pPr marL="2625338" algn="l" defTabSz="437556" rtl="0" eaLnBrk="1" latinLnBrk="0" hangingPunct="1">
+                        <a:defRPr sz="1680" kern="1200">
+                          <a:solidFill>
+                            <a:schemeClr val="dk1"/>
+                          </a:solidFill>
+                          <a:latin typeface="Segoe UI"/>
+                          <a:ea typeface=""/>
+                          <a:cs typeface=""/>
+                        </a:defRPr>
+                      </a:lvl7pPr>
+                      <a:lvl8pPr marL="3062896" algn="l" defTabSz="437556" rtl="0" eaLnBrk="1" latinLnBrk="0" hangingPunct="1">
+                        <a:defRPr sz="1680" kern="1200">
+                          <a:solidFill>
+                            <a:schemeClr val="dk1"/>
+                          </a:solidFill>
+                          <a:latin typeface="Segoe UI"/>
+                          <a:ea typeface=""/>
+                          <a:cs typeface=""/>
+                        </a:defRPr>
+                      </a:lvl8pPr>
+                      <a:lvl9pPr marL="3500452" algn="l" defTabSz="437556" rtl="0" eaLnBrk="1" latinLnBrk="0" hangingPunct="1">
+                        <a:defRPr sz="1680" kern="1200">
+                          <a:solidFill>
+                            <a:schemeClr val="dk1"/>
+                          </a:solidFill>
+                          <a:latin typeface="Segoe UI"/>
+                          <a:ea typeface=""/>
+                          <a:cs typeface=""/>
+                        </a:defRPr>
+                      </a:lvl9pPr>
+                    </a:lstStyle>
+                    <a:p>
+                      <a:r>
+                        <a:rPr lang="en-US" sz="1700" dirty="0"/>
+                        <a:t>Capital loss</a:t>
+                      </a:r>
+                    </a:p>
+                  </a:txBody>
+                  <a:tcPr>
+                    <a:lnL w="12700" cmpd="sng">
+                      <a:solidFill>
+                        <a:sysClr val="window" lastClr="FFFFFF"/>
+                      </a:solidFill>
+                    </a:lnL>
+                    <a:lnR w="12700" cmpd="sng">
+                      <a:solidFill>
+                        <a:sysClr val="window" lastClr="FFFFFF"/>
+                      </a:solidFill>
+                    </a:lnR>
+                    <a:lnT w="12700" cmpd="sng">
+                      <a:solidFill>
+                        <a:sysClr val="window" lastClr="FFFFFF"/>
+                      </a:solidFill>
+                    </a:lnT>
+                    <a:lnB w="12700" cmpd="sng">
+                      <a:solidFill>
+                        <a:sysClr val="window" lastClr="FFFFFF"/>
+                      </a:solidFill>
+                    </a:lnB>
+                    <a:lnTlToBr w="12700" cmpd="sng">
+                      <a:noFill/>
+                      <a:prstDash val="solid"/>
+                    </a:lnTlToBr>
+                    <a:lnBlToTr w="12700" cmpd="sng">
+                      <a:noFill/>
+                      <a:prstDash val="solid"/>
+                    </a:lnBlToTr>
+                    <a:solidFill>
+                      <a:srgbClr val="AF1E2D">
+                        <a:tint val="20000"/>
+                      </a:srgbClr>
+                    </a:solidFill>
+                  </a:tcPr>
+                </a:tc>
+                <a:tc>
+                  <a:txBody>
+                    <a:bodyPr/>
+                    <a:lstStyle>
+                      <a:lvl1pPr marL="0" algn="l" defTabSz="437556" rtl="0" eaLnBrk="1" latinLnBrk="0" hangingPunct="1">
+                        <a:defRPr sz="1680" kern="1200">
+                          <a:solidFill>
+                            <a:schemeClr val="dk1"/>
+                          </a:solidFill>
+                          <a:latin typeface="Segoe UI"/>
+                          <a:ea typeface=""/>
+                          <a:cs typeface=""/>
+                        </a:defRPr>
+                      </a:lvl1pPr>
+                      <a:lvl2pPr marL="437556" algn="l" defTabSz="437556" rtl="0" eaLnBrk="1" latinLnBrk="0" hangingPunct="1">
+                        <a:defRPr sz="1680" kern="1200">
+                          <a:solidFill>
+                            <a:schemeClr val="dk1"/>
+                          </a:solidFill>
+                          <a:latin typeface="Segoe UI"/>
+                          <a:ea typeface=""/>
+                          <a:cs typeface=""/>
+                        </a:defRPr>
+                      </a:lvl2pPr>
+                      <a:lvl3pPr marL="875113" algn="l" defTabSz="437556" rtl="0" eaLnBrk="1" latinLnBrk="0" hangingPunct="1">
+                        <a:defRPr sz="1680" kern="1200">
+                          <a:solidFill>
+                            <a:schemeClr val="dk1"/>
+                          </a:solidFill>
+                          <a:latin typeface="Segoe UI"/>
+                          <a:ea typeface=""/>
+                          <a:cs typeface=""/>
+                        </a:defRPr>
+                      </a:lvl3pPr>
+                      <a:lvl4pPr marL="1312669" algn="l" defTabSz="437556" rtl="0" eaLnBrk="1" latinLnBrk="0" hangingPunct="1">
+                        <a:defRPr sz="1680" kern="1200">
+                          <a:solidFill>
+                            <a:schemeClr val="dk1"/>
+                          </a:solidFill>
+                          <a:latin typeface="Segoe UI"/>
+                          <a:ea typeface=""/>
+                          <a:cs typeface=""/>
+                        </a:defRPr>
+                      </a:lvl4pPr>
+                      <a:lvl5pPr marL="1750226" algn="l" defTabSz="437556" rtl="0" eaLnBrk="1" latinLnBrk="0" hangingPunct="1">
+                        <a:defRPr sz="1680" kern="1200">
+                          <a:solidFill>
+                            <a:schemeClr val="dk1"/>
+                          </a:solidFill>
+                          <a:latin typeface="Segoe UI"/>
+                          <a:ea typeface=""/>
+                          <a:cs typeface=""/>
+                        </a:defRPr>
+                      </a:lvl5pPr>
+                      <a:lvl6pPr marL="2187782" algn="l" defTabSz="437556" rtl="0" eaLnBrk="1" latinLnBrk="0" hangingPunct="1">
+                        <a:defRPr sz="1680" kern="1200">
+                          <a:solidFill>
+                            <a:schemeClr val="dk1"/>
+                          </a:solidFill>
+                          <a:latin typeface="Segoe UI"/>
+                          <a:ea typeface=""/>
+                          <a:cs typeface=""/>
+                        </a:defRPr>
+                      </a:lvl6pPr>
+                      <a:lvl7pPr marL="2625338" algn="l" defTabSz="437556" rtl="0" eaLnBrk="1" latinLnBrk="0" hangingPunct="1">
+                        <a:defRPr sz="1680" kern="1200">
+                          <a:solidFill>
+                            <a:schemeClr val="dk1"/>
+                          </a:solidFill>
+                          <a:latin typeface="Segoe UI"/>
+                          <a:ea typeface=""/>
+                          <a:cs typeface=""/>
+                        </a:defRPr>
+                      </a:lvl7pPr>
+                      <a:lvl8pPr marL="3062896" algn="l" defTabSz="437556" rtl="0" eaLnBrk="1" latinLnBrk="0" hangingPunct="1">
+                        <a:defRPr sz="1680" kern="1200">
+                          <a:solidFill>
+                            <a:schemeClr val="dk1"/>
+                          </a:solidFill>
+                          <a:latin typeface="Segoe UI"/>
+                          <a:ea typeface=""/>
+                          <a:cs typeface=""/>
+                        </a:defRPr>
+                      </a:lvl8pPr>
+                      <a:lvl9pPr marL="3500452" algn="l" defTabSz="437556" rtl="0" eaLnBrk="1" latinLnBrk="0" hangingPunct="1">
+                        <a:defRPr sz="1680" kern="1200">
+                          <a:solidFill>
+                            <a:schemeClr val="dk1"/>
+                          </a:solidFill>
+                          <a:latin typeface="Segoe UI"/>
+                          <a:ea typeface=""/>
+                          <a:cs typeface=""/>
+                        </a:defRPr>
+                      </a:lvl9pPr>
+                    </a:lstStyle>
+                    <a:p>
+                      <a:r>
+                        <a:rPr lang="en-US" sz="1700" dirty="0"/>
+                        <a:t>$0</a:t>
+                      </a:r>
+                    </a:p>
+                  </a:txBody>
+                  <a:tcPr>
+                    <a:lnL w="12700" cmpd="sng">
+                      <a:solidFill>
+                        <a:sysClr val="window" lastClr="FFFFFF"/>
+                      </a:solidFill>
+                    </a:lnL>
+                    <a:lnR w="12700" cmpd="sng">
+                      <a:solidFill>
+                        <a:sysClr val="window" lastClr="FFFFFF"/>
+                      </a:solidFill>
+                    </a:lnR>
+                    <a:lnT w="12700" cmpd="sng">
+                      <a:solidFill>
+                        <a:sysClr val="window" lastClr="FFFFFF"/>
+                      </a:solidFill>
+                    </a:lnT>
+                    <a:lnB w="12700" cmpd="sng">
+                      <a:solidFill>
+                        <a:sysClr val="window" lastClr="FFFFFF"/>
+                      </a:solidFill>
+                    </a:lnB>
+                    <a:lnTlToBr w="12700" cmpd="sng">
+                      <a:noFill/>
+                      <a:prstDash val="solid"/>
+                    </a:lnTlToBr>
+                    <a:lnBlToTr w="12700" cmpd="sng">
+                      <a:noFill/>
+                      <a:prstDash val="solid"/>
+                    </a:lnBlToTr>
+                    <a:solidFill>
+                      <a:srgbClr val="AF1E2D">
+                        <a:tint val="20000"/>
+                      </a:srgbClr>
+                    </a:solidFill>
+                  </a:tcPr>
+                </a:tc>
+                <a:extLst>
+                  <a:ext uri="{0D108BD9-81ED-4DB2-BD59-A6C34878D82A}">
+                    <a16:rowId xmlns="" xmlns:a16="http://schemas.microsoft.com/office/drawing/2014/main" val="10009"/>
+                  </a:ext>
+                </a:extLst>
+              </a:tr>
+              <a:tr h="422226">
+                <a:tc>
+                  <a:txBody>
+                    <a:bodyPr/>
+                    <a:lstStyle>
+                      <a:lvl1pPr marL="0" algn="l" defTabSz="437556" rtl="0" eaLnBrk="1" latinLnBrk="0" hangingPunct="1">
+                        <a:defRPr sz="1680" kern="1200">
+                          <a:solidFill>
+                            <a:schemeClr val="dk1"/>
+                          </a:solidFill>
+                          <a:latin typeface="Segoe UI"/>
+                          <a:ea typeface=""/>
+                          <a:cs typeface=""/>
+                        </a:defRPr>
+                      </a:lvl1pPr>
+                      <a:lvl2pPr marL="437556" algn="l" defTabSz="437556" rtl="0" eaLnBrk="1" latinLnBrk="0" hangingPunct="1">
+                        <a:defRPr sz="1680" kern="1200">
+                          <a:solidFill>
+                            <a:schemeClr val="dk1"/>
+                          </a:solidFill>
+                          <a:latin typeface="Segoe UI"/>
+                          <a:ea typeface=""/>
+                          <a:cs typeface=""/>
+                        </a:defRPr>
+                      </a:lvl2pPr>
+                      <a:lvl3pPr marL="875113" algn="l" defTabSz="437556" rtl="0" eaLnBrk="1" latinLnBrk="0" hangingPunct="1">
+                        <a:defRPr sz="1680" kern="1200">
+                          <a:solidFill>
+                            <a:schemeClr val="dk1"/>
+                          </a:solidFill>
+                          <a:latin typeface="Segoe UI"/>
+                          <a:ea typeface=""/>
+                          <a:cs typeface=""/>
+                        </a:defRPr>
+                      </a:lvl3pPr>
+                      <a:lvl4pPr marL="1312669" algn="l" defTabSz="437556" rtl="0" eaLnBrk="1" latinLnBrk="0" hangingPunct="1">
+                        <a:defRPr sz="1680" kern="1200">
+                          <a:solidFill>
+                            <a:schemeClr val="dk1"/>
+                          </a:solidFill>
+                          <a:latin typeface="Segoe UI"/>
+                          <a:ea typeface=""/>
+                          <a:cs typeface=""/>
+                        </a:defRPr>
+                      </a:lvl4pPr>
+                      <a:lvl5pPr marL="1750226" algn="l" defTabSz="437556" rtl="0" eaLnBrk="1" latinLnBrk="0" hangingPunct="1">
+                        <a:defRPr sz="1680" kern="1200">
+                          <a:solidFill>
+                            <a:schemeClr val="dk1"/>
+                          </a:solidFill>
+                          <a:latin typeface="Segoe UI"/>
+                          <a:ea typeface=""/>
+                          <a:cs typeface=""/>
+                        </a:defRPr>
+                      </a:lvl5pPr>
+                      <a:lvl6pPr marL="2187782" algn="l" defTabSz="437556" rtl="0" eaLnBrk="1" latinLnBrk="0" hangingPunct="1">
+                        <a:defRPr sz="1680" kern="1200">
+                          <a:solidFill>
+                            <a:schemeClr val="dk1"/>
+                          </a:solidFill>
+                          <a:latin typeface="Segoe UI"/>
+                          <a:ea typeface=""/>
+                          <a:cs typeface=""/>
+                        </a:defRPr>
+                      </a:lvl6pPr>
+                      <a:lvl7pPr marL="2625338" algn="l" defTabSz="437556" rtl="0" eaLnBrk="1" latinLnBrk="0" hangingPunct="1">
+                        <a:defRPr sz="1680" kern="1200">
+                          <a:solidFill>
+                            <a:schemeClr val="dk1"/>
+                          </a:solidFill>
+                          <a:latin typeface="Segoe UI"/>
+                          <a:ea typeface=""/>
+                          <a:cs typeface=""/>
+                        </a:defRPr>
+                      </a:lvl7pPr>
+                      <a:lvl8pPr marL="3062896" algn="l" defTabSz="437556" rtl="0" eaLnBrk="1" latinLnBrk="0" hangingPunct="1">
+                        <a:defRPr sz="1680" kern="1200">
+                          <a:solidFill>
+                            <a:schemeClr val="dk1"/>
+                          </a:solidFill>
+                          <a:latin typeface="Segoe UI"/>
+                          <a:ea typeface=""/>
+                          <a:cs typeface=""/>
+                        </a:defRPr>
+                      </a:lvl8pPr>
+                      <a:lvl9pPr marL="3500452" algn="l" defTabSz="437556" rtl="0" eaLnBrk="1" latinLnBrk="0" hangingPunct="1">
+                        <a:defRPr sz="1680" kern="1200">
+                          <a:solidFill>
+                            <a:schemeClr val="dk1"/>
+                          </a:solidFill>
+                          <a:latin typeface="Segoe UI"/>
+                          <a:ea typeface=""/>
+                          <a:cs typeface=""/>
+                        </a:defRPr>
+                      </a:lvl9pPr>
+                    </a:lstStyle>
+                    <a:p>
+                      <a:r>
+                        <a:rPr lang="en-US" sz="1700" dirty="0"/>
+                        <a:t>Work hours per week</a:t>
+                      </a:r>
+                    </a:p>
+                  </a:txBody>
+                  <a:tcPr>
+                    <a:lnL w="12700" cmpd="sng">
+                      <a:solidFill>
+                        <a:sysClr val="window" lastClr="FFFFFF"/>
+                      </a:solidFill>
+                    </a:lnL>
+                    <a:lnR w="12700" cmpd="sng">
+                      <a:solidFill>
+                        <a:sysClr val="window" lastClr="FFFFFF"/>
+                      </a:solidFill>
+                    </a:lnR>
+                    <a:lnT w="12700" cmpd="sng">
+                      <a:solidFill>
+                        <a:sysClr val="window" lastClr="FFFFFF"/>
+                      </a:solidFill>
+                    </a:lnT>
+                    <a:lnB w="12700" cmpd="sng">
+                      <a:solidFill>
+                        <a:sysClr val="window" lastClr="FFFFFF"/>
+                      </a:solidFill>
+                    </a:lnB>
+                    <a:lnTlToBr w="12700" cmpd="sng">
+                      <a:noFill/>
+                      <a:prstDash val="solid"/>
+                    </a:lnTlToBr>
+                    <a:lnBlToTr w="12700" cmpd="sng">
+                      <a:noFill/>
+                      <a:prstDash val="solid"/>
+                    </a:lnBlToTr>
+                    <a:solidFill>
+                      <a:srgbClr val="AF1E2D">
+                        <a:tint val="40000"/>
+                      </a:srgbClr>
+                    </a:solidFill>
+                  </a:tcPr>
+                </a:tc>
+                <a:tc>
+                  <a:txBody>
+                    <a:bodyPr/>
+                    <a:lstStyle>
+                      <a:lvl1pPr marL="0" algn="l" defTabSz="437556" rtl="0" eaLnBrk="1" latinLnBrk="0" hangingPunct="1">
+                        <a:defRPr sz="1680" kern="1200">
+                          <a:solidFill>
+                            <a:schemeClr val="dk1"/>
+                          </a:solidFill>
+                          <a:latin typeface="Segoe UI"/>
+                          <a:ea typeface=""/>
+                          <a:cs typeface=""/>
+                        </a:defRPr>
+                      </a:lvl1pPr>
+                      <a:lvl2pPr marL="437556" algn="l" defTabSz="437556" rtl="0" eaLnBrk="1" latinLnBrk="0" hangingPunct="1">
+                        <a:defRPr sz="1680" kern="1200">
+                          <a:solidFill>
+                            <a:schemeClr val="dk1"/>
+                          </a:solidFill>
+                          <a:latin typeface="Segoe UI"/>
+                          <a:ea typeface=""/>
+                          <a:cs typeface=""/>
+                        </a:defRPr>
+                      </a:lvl2pPr>
+                      <a:lvl3pPr marL="875113" algn="l" defTabSz="437556" rtl="0" eaLnBrk="1" latinLnBrk="0" hangingPunct="1">
+                        <a:defRPr sz="1680" kern="1200">
+                          <a:solidFill>
+                            <a:schemeClr val="dk1"/>
+                          </a:solidFill>
+                          <a:latin typeface="Segoe UI"/>
+                          <a:ea typeface=""/>
+                          <a:cs typeface=""/>
+                        </a:defRPr>
+                      </a:lvl3pPr>
+                      <a:lvl4pPr marL="1312669" algn="l" defTabSz="437556" rtl="0" eaLnBrk="1" latinLnBrk="0" hangingPunct="1">
+                        <a:defRPr sz="1680" kern="1200">
+                          <a:solidFill>
+                            <a:schemeClr val="dk1"/>
+                          </a:solidFill>
+                          <a:latin typeface="Segoe UI"/>
+                          <a:ea typeface=""/>
+                          <a:cs typeface=""/>
+                        </a:defRPr>
+                      </a:lvl4pPr>
+                      <a:lvl5pPr marL="1750226" algn="l" defTabSz="437556" rtl="0" eaLnBrk="1" latinLnBrk="0" hangingPunct="1">
+                        <a:defRPr sz="1680" kern="1200">
+                          <a:solidFill>
+                            <a:schemeClr val="dk1"/>
+                          </a:solidFill>
+                          <a:latin typeface="Segoe UI"/>
+                          <a:ea typeface=""/>
+                          <a:cs typeface=""/>
+                        </a:defRPr>
+                      </a:lvl5pPr>
+                      <a:lvl6pPr marL="2187782" algn="l" defTabSz="437556" rtl="0" eaLnBrk="1" latinLnBrk="0" hangingPunct="1">
+                        <a:defRPr sz="1680" kern="1200">
+                          <a:solidFill>
+                            <a:schemeClr val="dk1"/>
+                          </a:solidFill>
+                          <a:latin typeface="Segoe UI"/>
+                          <a:ea typeface=""/>
+                          <a:cs typeface=""/>
+                        </a:defRPr>
+                      </a:lvl6pPr>
+                      <a:lvl7pPr marL="2625338" algn="l" defTabSz="437556" rtl="0" eaLnBrk="1" latinLnBrk="0" hangingPunct="1">
+                        <a:defRPr sz="1680" kern="1200">
+                          <a:solidFill>
+                            <a:schemeClr val="dk1"/>
+                          </a:solidFill>
+                          <a:latin typeface="Segoe UI"/>
+                          <a:ea typeface=""/>
+                          <a:cs typeface=""/>
+                        </a:defRPr>
+                      </a:lvl7pPr>
+                      <a:lvl8pPr marL="3062896" algn="l" defTabSz="437556" rtl="0" eaLnBrk="1" latinLnBrk="0" hangingPunct="1">
+                        <a:defRPr sz="1680" kern="1200">
+                          <a:solidFill>
+                            <a:schemeClr val="dk1"/>
+                          </a:solidFill>
+                          <a:latin typeface="Segoe UI"/>
+                          <a:ea typeface=""/>
+                          <a:cs typeface=""/>
+                        </a:defRPr>
+                      </a:lvl8pPr>
+                      <a:lvl9pPr marL="3500452" algn="l" defTabSz="437556" rtl="0" eaLnBrk="1" latinLnBrk="0" hangingPunct="1">
+                        <a:defRPr sz="1680" kern="1200">
+                          <a:solidFill>
+                            <a:schemeClr val="dk1"/>
+                          </a:solidFill>
+                          <a:latin typeface="Segoe UI"/>
+                          <a:ea typeface=""/>
+                          <a:cs typeface=""/>
+                        </a:defRPr>
+                      </a:lvl9pPr>
+                    </a:lstStyle>
+                    <a:p>
+                      <a:r>
+                        <a:rPr lang="en-US" sz="1700" dirty="0"/>
+                        <a:t>24</a:t>
+                      </a:r>
+                    </a:p>
+                  </a:txBody>
+                  <a:tcPr>
+                    <a:lnL w="12700" cmpd="sng">
+                      <a:solidFill>
+                        <a:sysClr val="window" lastClr="FFFFFF"/>
+                      </a:solidFill>
+                    </a:lnL>
+                    <a:lnR w="12700" cmpd="sng">
+                      <a:solidFill>
+                        <a:sysClr val="window" lastClr="FFFFFF"/>
+                      </a:solidFill>
+                    </a:lnR>
+                    <a:lnT w="12700" cmpd="sng">
+                      <a:solidFill>
+                        <a:sysClr val="window" lastClr="FFFFFF"/>
+                      </a:solidFill>
+                    </a:lnT>
+                    <a:lnB w="12700" cmpd="sng">
+                      <a:solidFill>
+                        <a:sysClr val="window" lastClr="FFFFFF"/>
+                      </a:solidFill>
+                    </a:lnB>
+                    <a:lnTlToBr w="12700" cmpd="sng">
+                      <a:noFill/>
+                      <a:prstDash val="solid"/>
+                    </a:lnTlToBr>
+                    <a:lnBlToTr w="12700" cmpd="sng">
+                      <a:noFill/>
+                      <a:prstDash val="solid"/>
+                    </a:lnBlToTr>
+                    <a:solidFill>
+                      <a:srgbClr val="AF1E2D">
+                        <a:tint val="40000"/>
+                      </a:srgbClr>
+                    </a:solidFill>
+                  </a:tcPr>
+                </a:tc>
+                <a:extLst>
+                  <a:ext uri="{0D108BD9-81ED-4DB2-BD59-A6C34878D82A}">
+                    <a16:rowId xmlns="" xmlns:a16="http://schemas.microsoft.com/office/drawing/2014/main" val="10010"/>
+                  </a:ext>
+                </a:extLst>
+              </a:tr>
+              <a:tr h="422226">
+                <a:tc>
+                  <a:txBody>
+                    <a:bodyPr/>
+                    <a:lstStyle>
+                      <a:lvl1pPr marL="0" algn="l" defTabSz="437556" rtl="0" eaLnBrk="1" latinLnBrk="0" hangingPunct="1">
+                        <a:defRPr sz="1680" kern="1200">
+                          <a:solidFill>
+                            <a:schemeClr val="dk1"/>
+                          </a:solidFill>
+                          <a:latin typeface="Segoe UI"/>
+                          <a:ea typeface=""/>
+                          <a:cs typeface=""/>
+                        </a:defRPr>
+                      </a:lvl1pPr>
+                      <a:lvl2pPr marL="437556" algn="l" defTabSz="437556" rtl="0" eaLnBrk="1" latinLnBrk="0" hangingPunct="1">
+                        <a:defRPr sz="1680" kern="1200">
+                          <a:solidFill>
+                            <a:schemeClr val="dk1"/>
+                          </a:solidFill>
+                          <a:latin typeface="Segoe UI"/>
+                          <a:ea typeface=""/>
+                          <a:cs typeface=""/>
+                        </a:defRPr>
+                      </a:lvl2pPr>
+                      <a:lvl3pPr marL="875113" algn="l" defTabSz="437556" rtl="0" eaLnBrk="1" latinLnBrk="0" hangingPunct="1">
+                        <a:defRPr sz="1680" kern="1200">
+                          <a:solidFill>
+                            <a:schemeClr val="dk1"/>
+                          </a:solidFill>
+                          <a:latin typeface="Segoe UI"/>
+                          <a:ea typeface=""/>
+                          <a:cs typeface=""/>
+                        </a:defRPr>
+                      </a:lvl3pPr>
+                      <a:lvl4pPr marL="1312669" algn="l" defTabSz="437556" rtl="0" eaLnBrk="1" latinLnBrk="0" hangingPunct="1">
+                        <a:defRPr sz="1680" kern="1200">
+                          <a:solidFill>
+                            <a:schemeClr val="dk1"/>
+                          </a:solidFill>
+                          <a:latin typeface="Segoe UI"/>
+                          <a:ea typeface=""/>
+                          <a:cs typeface=""/>
+                        </a:defRPr>
+                      </a:lvl4pPr>
+                      <a:lvl5pPr marL="1750226" algn="l" defTabSz="437556" rtl="0" eaLnBrk="1" latinLnBrk="0" hangingPunct="1">
+                        <a:defRPr sz="1680" kern="1200">
+                          <a:solidFill>
+                            <a:schemeClr val="dk1"/>
+                          </a:solidFill>
+                          <a:latin typeface="Segoe UI"/>
+                          <a:ea typeface=""/>
+                          <a:cs typeface=""/>
+                        </a:defRPr>
+                      </a:lvl5pPr>
+                      <a:lvl6pPr marL="2187782" algn="l" defTabSz="437556" rtl="0" eaLnBrk="1" latinLnBrk="0" hangingPunct="1">
+                        <a:defRPr sz="1680" kern="1200">
+                          <a:solidFill>
+                            <a:schemeClr val="dk1"/>
+                          </a:solidFill>
+                          <a:latin typeface="Segoe UI"/>
+                          <a:ea typeface=""/>
+                          <a:cs typeface=""/>
+                        </a:defRPr>
+                      </a:lvl6pPr>
+                      <a:lvl7pPr marL="2625338" algn="l" defTabSz="437556" rtl="0" eaLnBrk="1" latinLnBrk="0" hangingPunct="1">
+                        <a:defRPr sz="1680" kern="1200">
+                          <a:solidFill>
+                            <a:schemeClr val="dk1"/>
+                          </a:solidFill>
+                          <a:latin typeface="Segoe UI"/>
+                          <a:ea typeface=""/>
+                          <a:cs typeface=""/>
+                        </a:defRPr>
+                      </a:lvl7pPr>
+                      <a:lvl8pPr marL="3062896" algn="l" defTabSz="437556" rtl="0" eaLnBrk="1" latinLnBrk="0" hangingPunct="1">
+                        <a:defRPr sz="1680" kern="1200">
+                          <a:solidFill>
+                            <a:schemeClr val="dk1"/>
+                          </a:solidFill>
+                          <a:latin typeface="Segoe UI"/>
+                          <a:ea typeface=""/>
+                          <a:cs typeface=""/>
+                        </a:defRPr>
+                      </a:lvl8pPr>
+                      <a:lvl9pPr marL="3500452" algn="l" defTabSz="437556" rtl="0" eaLnBrk="1" latinLnBrk="0" hangingPunct="1">
+                        <a:defRPr sz="1680" kern="1200">
+                          <a:solidFill>
+                            <a:schemeClr val="dk1"/>
+                          </a:solidFill>
+                          <a:latin typeface="Segoe UI"/>
+                          <a:ea typeface=""/>
+                          <a:cs typeface=""/>
+                        </a:defRPr>
+                      </a:lvl9pPr>
+                    </a:lstStyle>
+                    <a:p>
+                      <a:r>
+                        <a:rPr lang="en-US" sz="1700" dirty="0"/>
+                        <a:t>Country</a:t>
+                      </a:r>
+                    </a:p>
+                  </a:txBody>
+                  <a:tcPr>
+                    <a:lnL w="12700" cmpd="sng">
+                      <a:solidFill>
+                        <a:sysClr val="window" lastClr="FFFFFF"/>
+                      </a:solidFill>
+                    </a:lnL>
+                    <a:lnR w="12700" cmpd="sng">
+                      <a:solidFill>
+                        <a:sysClr val="window" lastClr="FFFFFF"/>
+                      </a:solidFill>
+                    </a:lnR>
+                    <a:lnT w="12700" cmpd="sng">
+                      <a:solidFill>
+                        <a:sysClr val="window" lastClr="FFFFFF"/>
+                      </a:solidFill>
+                    </a:lnT>
+                    <a:lnB w="12700" cmpd="sng">
+                      <a:solidFill>
+                        <a:sysClr val="window" lastClr="FFFFFF"/>
+                      </a:solidFill>
+                    </a:lnB>
+                    <a:lnTlToBr w="12700" cmpd="sng">
+                      <a:noFill/>
+                      <a:prstDash val="solid"/>
+                    </a:lnTlToBr>
+                    <a:lnBlToTr w="12700" cmpd="sng">
+                      <a:noFill/>
+                      <a:prstDash val="solid"/>
+                    </a:lnBlToTr>
+                    <a:solidFill>
+                      <a:srgbClr val="AF1E2D">
+                        <a:tint val="20000"/>
+                      </a:srgbClr>
+                    </a:solidFill>
+                  </a:tcPr>
+                </a:tc>
+                <a:tc>
+                  <a:txBody>
+                    <a:bodyPr/>
+                    <a:lstStyle>
+                      <a:lvl1pPr marL="0" algn="l" defTabSz="437556" rtl="0" eaLnBrk="1" latinLnBrk="0" hangingPunct="1">
+                        <a:defRPr sz="1680" kern="1200">
+                          <a:solidFill>
+                            <a:schemeClr val="dk1"/>
+                          </a:solidFill>
+                          <a:latin typeface="Segoe UI"/>
+                          <a:ea typeface=""/>
+                          <a:cs typeface=""/>
+                        </a:defRPr>
+                      </a:lvl1pPr>
+                      <a:lvl2pPr marL="437556" algn="l" defTabSz="437556" rtl="0" eaLnBrk="1" latinLnBrk="0" hangingPunct="1">
+                        <a:defRPr sz="1680" kern="1200">
+                          <a:solidFill>
+                            <a:schemeClr val="dk1"/>
+                          </a:solidFill>
+                          <a:latin typeface="Segoe UI"/>
+                          <a:ea typeface=""/>
+                          <a:cs typeface=""/>
+                        </a:defRPr>
+                      </a:lvl2pPr>
+                      <a:lvl3pPr marL="875113" algn="l" defTabSz="437556" rtl="0" eaLnBrk="1" latinLnBrk="0" hangingPunct="1">
+                        <a:defRPr sz="1680" kern="1200">
+                          <a:solidFill>
+                            <a:schemeClr val="dk1"/>
+                          </a:solidFill>
+                          <a:latin typeface="Segoe UI"/>
+                          <a:ea typeface=""/>
+                          <a:cs typeface=""/>
+                        </a:defRPr>
+                      </a:lvl3pPr>
+                      <a:lvl4pPr marL="1312669" algn="l" defTabSz="437556" rtl="0" eaLnBrk="1" latinLnBrk="0" hangingPunct="1">
+                        <a:defRPr sz="1680" kern="1200">
+                          <a:solidFill>
+                            <a:schemeClr val="dk1"/>
+                          </a:solidFill>
+                          <a:latin typeface="Segoe UI"/>
+                          <a:ea typeface=""/>
+                          <a:cs typeface=""/>
+                        </a:defRPr>
+                      </a:lvl4pPr>
+                      <a:lvl5pPr marL="1750226" algn="l" defTabSz="437556" rtl="0" eaLnBrk="1" latinLnBrk="0" hangingPunct="1">
+                        <a:defRPr sz="1680" kern="1200">
+                          <a:solidFill>
+                            <a:schemeClr val="dk1"/>
+                          </a:solidFill>
+                          <a:latin typeface="Segoe UI"/>
+                          <a:ea typeface=""/>
+                          <a:cs typeface=""/>
+                        </a:defRPr>
+                      </a:lvl5pPr>
+                      <a:lvl6pPr marL="2187782" algn="l" defTabSz="437556" rtl="0" eaLnBrk="1" latinLnBrk="0" hangingPunct="1">
+                        <a:defRPr sz="1680" kern="1200">
+                          <a:solidFill>
+                            <a:schemeClr val="dk1"/>
+                          </a:solidFill>
+                          <a:latin typeface="Segoe UI"/>
+                          <a:ea typeface=""/>
+                          <a:cs typeface=""/>
+                        </a:defRPr>
+                      </a:lvl6pPr>
+                      <a:lvl7pPr marL="2625338" algn="l" defTabSz="437556" rtl="0" eaLnBrk="1" latinLnBrk="0" hangingPunct="1">
+                        <a:defRPr sz="1680" kern="1200">
+                          <a:solidFill>
+                            <a:schemeClr val="dk1"/>
+                          </a:solidFill>
+                          <a:latin typeface="Segoe UI"/>
+                          <a:ea typeface=""/>
+                          <a:cs typeface=""/>
+                        </a:defRPr>
+                      </a:lvl7pPr>
+                      <a:lvl8pPr marL="3062896" algn="l" defTabSz="437556" rtl="0" eaLnBrk="1" latinLnBrk="0" hangingPunct="1">
+                        <a:defRPr sz="1680" kern="1200">
+                          <a:solidFill>
+                            <a:schemeClr val="dk1"/>
+                          </a:solidFill>
+                          <a:latin typeface="Segoe UI"/>
+                          <a:ea typeface=""/>
+                          <a:cs typeface=""/>
+                        </a:defRPr>
+                      </a:lvl8pPr>
+                      <a:lvl9pPr marL="3500452" algn="l" defTabSz="437556" rtl="0" eaLnBrk="1" latinLnBrk="0" hangingPunct="1">
+                        <a:defRPr sz="1680" kern="1200">
+                          <a:solidFill>
+                            <a:schemeClr val="dk1"/>
+                          </a:solidFill>
+                          <a:latin typeface="Segoe UI"/>
+                          <a:ea typeface=""/>
+                          <a:cs typeface=""/>
+                        </a:defRPr>
+                      </a:lvl9pPr>
+                    </a:lstStyle>
+                    <a:p>
+                      <a:r>
+                        <a:rPr lang="en-US" sz="1700" dirty="0"/>
+                        <a:t>Mexico</a:t>
+                      </a:r>
+                    </a:p>
+                  </a:txBody>
+                  <a:tcPr>
+                    <a:lnL w="12700" cmpd="sng">
+                      <a:solidFill>
+                        <a:sysClr val="window" lastClr="FFFFFF"/>
+                      </a:solidFill>
+                    </a:lnL>
+                    <a:lnR w="12700" cmpd="sng">
+                      <a:solidFill>
+                        <a:sysClr val="window" lastClr="FFFFFF"/>
+                      </a:solidFill>
+                    </a:lnR>
+                    <a:lnT w="12700" cmpd="sng">
+                      <a:solidFill>
+                        <a:sysClr val="window" lastClr="FFFFFF"/>
+                      </a:solidFill>
+                    </a:lnT>
+                    <a:lnB w="12700" cmpd="sng">
+                      <a:solidFill>
+                        <a:sysClr val="window" lastClr="FFFFFF"/>
+                      </a:solidFill>
+                    </a:lnB>
+                    <a:lnTlToBr w="12700" cmpd="sng">
+                      <a:noFill/>
+                      <a:prstDash val="solid"/>
+                    </a:lnTlToBr>
+                    <a:lnBlToTr w="12700" cmpd="sng">
+                      <a:noFill/>
+                      <a:prstDash val="solid"/>
+                    </a:lnBlToTr>
+                    <a:solidFill>
+                      <a:srgbClr val="AF1E2D">
+                        <a:tint val="20000"/>
+                      </a:srgbClr>
+                    </a:solidFill>
+                  </a:tcPr>
+                </a:tc>
+                <a:extLst>
+                  <a:ext uri="{0D108BD9-81ED-4DB2-BD59-A6C34878D82A}">
+                    <a16:rowId xmlns="" xmlns:a16="http://schemas.microsoft.com/office/drawing/2014/main" val="10011"/>
+                  </a:ext>
+                </a:extLst>
+              </a:tr>
+            </a:tbl>
+          </a:graphicData>
+        </a:graphic>
+      </p:graphicFrame>
+      <p:pic>
+        <p:nvPicPr>
+          <p:cNvPr id="116" name="Picture 4" descr="http://www.ratehub.ca/mortgage-blog/files/2014/09/denied-stamp-mortgage-renewal.jpg"/>
+          <p:cNvPicPr>
+            <a:picLocks noChangeAspect="1" noChangeArrowheads="1"/>
+          </p:cNvPicPr>
+          <p:nvPr/>
+        </p:nvPicPr>
+        <p:blipFill>
+          <a:blip r:embed="rId9" cstate="print">
+            <a:extLst>
+              <a:ext uri="{28A0092B-C50C-407E-A947-70E740481C1C}">
+                <a14:useLocalDpi xmlns:a14="http://schemas.microsoft.com/office/drawing/2010/main" val="0"/>
+              </a:ext>
+            </a:extLst>
+          </a:blip>
+          <a:srcRect/>
+          <a:stretch>
+            <a:fillRect/>
+          </a:stretch>
+        </p:blipFill>
+        <p:spPr bwMode="auto">
+          <a:xfrm>
+            <a:off x="26898229" y="23541995"/>
+            <a:ext cx="3938970" cy="2954227"/>
+          </a:xfrm>
+          <a:prstGeom prst="rect">
+            <a:avLst/>
+          </a:prstGeom>
+          <a:noFill/>
+          <a:extLst>
+            <a:ext uri="{909E8E84-426E-40DD-AFC4-6F175D3DCCD1}">
+              <a14:hiddenFill xmlns:a14="http://schemas.microsoft.com/office/drawing/2010/main">
+                <a:solidFill>
+                  <a:srgbClr val="FFFFFF"/>
+                </a:solidFill>
+              </a14:hiddenFill>
+            </a:ext>
+          </a:extLst>
+        </p:spPr>
+      </p:pic>
     </p:spTree>
     <p:extLst>
       <p:ext uri="{BB962C8B-B14F-4D97-AF65-F5344CB8AC3E}">
@@ -16943,93 +17253,21 @@
                             </p:childTnLst>
                           </p:cTn>
                         </p:par>
-                      </p:childTnLst>
-                    </p:cTn>
-                  </p:par>
-                  <p:par>
-                    <p:cTn id="9" fill="hold">
-                      <p:stCondLst>
-                        <p:cond delay="indefinite"/>
-                      </p:stCondLst>
-                      <p:childTnLst>
                         <p:par>
-                          <p:cTn id="10" fill="hold">
+                          <p:cTn id="9" fill="hold">
                             <p:stCondLst>
                               <p:cond delay="0"/>
                             </p:stCondLst>
                             <p:childTnLst>
                               <p:par>
-                                <p:cTn id="11" presetID="1" presetClass="entr" presetSubtype="0" fill="hold" nodeType="clickEffect">
+                                <p:cTn id="10" presetID="2" presetClass="entr" presetSubtype="4" fill="hold" grpId="0" nodeType="afterEffect">
                                   <p:stCondLst>
                                     <p:cond delay="0"/>
                                   </p:stCondLst>
                                   <p:childTnLst>
                                     <p:set>
                                       <p:cBhvr>
-                                        <p:cTn id="12" dur="1" fill="hold">
-                                          <p:stCondLst>
-                                            <p:cond delay="0"/>
-                                          </p:stCondLst>
-                                        </p:cTn>
-                                        <p:tgtEl>
-                                          <p:spTgt spid="276"/>
-                                        </p:tgtEl>
-                                        <p:attrNameLst>
-                                          <p:attrName>style.visibility</p:attrName>
-                                        </p:attrNameLst>
-                                      </p:cBhvr>
-                                      <p:to>
-                                        <p:strVal val="visible"/>
-                                      </p:to>
-                                    </p:set>
-                                  </p:childTnLst>
-                                </p:cTn>
-                              </p:par>
-                              <p:par>
-                                <p:cTn id="13" presetID="1" presetClass="entr" presetSubtype="0" fill="hold" nodeType="withEffect">
-                                  <p:stCondLst>
-                                    <p:cond delay="0"/>
-                                  </p:stCondLst>
-                                  <p:childTnLst>
-                                    <p:set>
-                                      <p:cBhvr>
-                                        <p:cTn id="14" dur="1" fill="hold">
-                                          <p:stCondLst>
-                                            <p:cond delay="0"/>
-                                          </p:stCondLst>
-                                        </p:cTn>
-                                        <p:tgtEl>
-                                          <p:spTgt spid="277"/>
-                                        </p:tgtEl>
-                                        <p:attrNameLst>
-                                          <p:attrName>style.visibility</p:attrName>
-                                        </p:attrNameLst>
-                                      </p:cBhvr>
-                                      <p:to>
-                                        <p:strVal val="visible"/>
-                                      </p:to>
-                                    </p:set>
-                                  </p:childTnLst>
-                                </p:cTn>
-                              </p:par>
-                            </p:childTnLst>
-                          </p:cTn>
-                        </p:par>
-                        <p:par>
-                          <p:cTn id="15" fill="hold">
-                            <p:stCondLst>
-                              <p:cond delay="0"/>
-                            </p:stCondLst>
-                            <p:childTnLst>
-                              <p:par>
-                                <p:cTn id="16" presetID="2" presetClass="entr" presetSubtype="4" fill="hold" grpId="0" nodeType="afterEffect">
-                                  <p:stCondLst>
-                                    <p:cond delay="0"/>
-                                  </p:stCondLst>
-                                  <p:childTnLst>
-                                    <p:set>
-                                      <p:cBhvr>
-                                        <p:cTn id="17" dur="1" fill="hold">
+                                        <p:cTn id="11" dur="1" fill="hold">
                                           <p:stCondLst>
                                             <p:cond delay="0"/>
                                           </p:stCondLst>
@@ -17047,7 +17285,7 @@
                                     </p:set>
                                     <p:anim calcmode="lin" valueType="num">
                                       <p:cBhvr additive="base">
-                                        <p:cTn id="18" dur="500" fill="hold"/>
+                                        <p:cTn id="12" dur="500" fill="hold"/>
                                         <p:tgtEl>
                                           <p:spTgt spid="396"/>
                                         </p:tgtEl>
@@ -17070,7 +17308,7 @@
                                     </p:anim>
                                     <p:anim calcmode="lin" valueType="num">
                                       <p:cBhvr additive="base">
-                                        <p:cTn id="19" dur="500" fill="hold"/>
+                                        <p:cTn id="13" dur="500" fill="hold"/>
                                         <p:tgtEl>
                                           <p:spTgt spid="396"/>
                                         </p:tgtEl>
@@ -17098,20 +17336,20 @@
                           </p:cTn>
                         </p:par>
                         <p:par>
-                          <p:cTn id="20" fill="hold">
+                          <p:cTn id="14" fill="hold">
                             <p:stCondLst>
                               <p:cond delay="500"/>
                             </p:stCondLst>
                             <p:childTnLst>
                               <p:par>
-                                <p:cTn id="21" presetID="1" presetClass="exit" presetSubtype="0" fill="hold" grpId="1" nodeType="afterEffect">
+                                <p:cTn id="15" presetID="1" presetClass="exit" presetSubtype="0" fill="hold" grpId="1" nodeType="afterEffect">
                                   <p:stCondLst>
                                     <p:cond delay="100"/>
                                   </p:stCondLst>
                                   <p:childTnLst>
                                     <p:set>
                                       <p:cBhvr>
-                                        <p:cTn id="22" dur="1" fill="hold">
+                                        <p:cTn id="16" dur="1" fill="hold">
                                           <p:stCondLst>
                                             <p:cond delay="0"/>
                                           </p:stCondLst>
@@ -17131,14 +17369,14 @@
                                 </p:cTn>
                               </p:par>
                               <p:par>
-                                <p:cTn id="23" presetID="1" presetClass="entr" presetSubtype="0" fill="hold" nodeType="withEffect">
+                                <p:cTn id="17" presetID="1" presetClass="entr" presetSubtype="0" fill="hold" nodeType="withEffect">
                                   <p:stCondLst>
                                     <p:cond delay="0"/>
                                   </p:stCondLst>
                                   <p:childTnLst>
                                     <p:set>
                                       <p:cBhvr>
-                                        <p:cTn id="24" dur="1" fill="hold">
+                                        <p:cTn id="18" dur="1" fill="hold">
                                           <p:stCondLst>
                                             <p:cond delay="0"/>
                                           </p:stCondLst>
@@ -17161,20 +17399,20 @@
                           </p:cTn>
                         </p:par>
                         <p:par>
-                          <p:cTn id="25" fill="hold">
+                          <p:cTn id="19" fill="hold">
                             <p:stCondLst>
                               <p:cond delay="600"/>
                             </p:stCondLst>
                             <p:childTnLst>
                               <p:par>
-                                <p:cTn id="26" presetID="1" presetClass="exit" presetSubtype="0" fill="hold" nodeType="afterEffect">
+                                <p:cTn id="20" presetID="1" presetClass="exit" presetSubtype="0" fill="hold" nodeType="afterEffect">
                                   <p:stCondLst>
                                     <p:cond delay="0"/>
                                   </p:stCondLst>
                                   <p:childTnLst>
                                     <p:set>
                                       <p:cBhvr>
-                                        <p:cTn id="27" dur="1" fill="hold">
+                                        <p:cTn id="21" dur="1" fill="hold">
                                           <p:stCondLst>
                                             <p:cond delay="0"/>
                                           </p:stCondLst>
@@ -17197,20 +17435,20 @@
                           </p:cTn>
                         </p:par>
                         <p:par>
-                          <p:cTn id="28" fill="hold">
+                          <p:cTn id="22" fill="hold">
                             <p:stCondLst>
                               <p:cond delay="600"/>
                             </p:stCondLst>
                             <p:childTnLst>
                               <p:par>
-                                <p:cTn id="29" presetID="2" presetClass="entr" presetSubtype="4" fill="hold" grpId="0" nodeType="afterEffect">
+                                <p:cTn id="23" presetID="2" presetClass="entr" presetSubtype="4" fill="hold" grpId="0" nodeType="afterEffect">
                                   <p:stCondLst>
                                     <p:cond delay="0"/>
                                   </p:stCondLst>
                                   <p:childTnLst>
                                     <p:set>
                                       <p:cBhvr>
-                                        <p:cTn id="30" dur="1" fill="hold">
+                                        <p:cTn id="24" dur="1" fill="hold">
                                           <p:stCondLst>
                                             <p:cond delay="0"/>
                                           </p:stCondLst>
@@ -17228,7 +17466,7 @@
                                     </p:set>
                                     <p:anim calcmode="lin" valueType="num">
                                       <p:cBhvr additive="base">
-                                        <p:cTn id="31" dur="500" fill="hold"/>
+                                        <p:cTn id="25" dur="500" fill="hold"/>
                                         <p:tgtEl>
                                           <p:spTgt spid="400"/>
                                         </p:tgtEl>
@@ -17251,7 +17489,7 @@
                                     </p:anim>
                                     <p:anim calcmode="lin" valueType="num">
                                       <p:cBhvr additive="base">
-                                        <p:cTn id="32" dur="500" fill="hold"/>
+                                        <p:cTn id="26" dur="500" fill="hold"/>
                                         <p:tgtEl>
                                           <p:spTgt spid="400"/>
                                         </p:tgtEl>
@@ -17279,20 +17517,20 @@
                           </p:cTn>
                         </p:par>
                         <p:par>
-                          <p:cTn id="33" fill="hold">
+                          <p:cTn id="27" fill="hold">
                             <p:stCondLst>
                               <p:cond delay="1100"/>
                             </p:stCondLst>
                             <p:childTnLst>
                               <p:par>
-                                <p:cTn id="34" presetID="1" presetClass="entr" presetSubtype="0" fill="hold" nodeType="afterEffect">
+                                <p:cTn id="28" presetID="1" presetClass="entr" presetSubtype="0" fill="hold" nodeType="afterEffect">
                                   <p:stCondLst>
                                     <p:cond delay="0"/>
                                   </p:stCondLst>
                                   <p:childTnLst>
                                     <p:set>
                                       <p:cBhvr>
-                                        <p:cTn id="35" dur="1" fill="hold">
+                                        <p:cTn id="29" dur="1" fill="hold">
                                           <p:stCondLst>
                                             <p:cond delay="0"/>
                                           </p:stCondLst>
@@ -17315,20 +17553,20 @@
                           </p:cTn>
                         </p:par>
                         <p:par>
-                          <p:cTn id="36" fill="hold">
+                          <p:cTn id="30" fill="hold">
                             <p:stCondLst>
                               <p:cond delay="1100"/>
                             </p:stCondLst>
                             <p:childTnLst>
                               <p:par>
-                                <p:cTn id="37" presetID="1" presetClass="exit" presetSubtype="0" fill="hold" grpId="1" nodeType="afterEffect">
+                                <p:cTn id="31" presetID="1" presetClass="exit" presetSubtype="0" fill="hold" grpId="1" nodeType="afterEffect">
                                   <p:stCondLst>
                                     <p:cond delay="100"/>
                                   </p:stCondLst>
                                   <p:childTnLst>
                                     <p:set>
                                       <p:cBhvr>
-                                        <p:cTn id="38" dur="1" fill="hold">
+                                        <p:cTn id="32" dur="1" fill="hold">
                                           <p:stCondLst>
                                             <p:cond delay="0"/>
                                           </p:stCondLst>
@@ -17348,7 +17586,79 @@
                                 </p:cTn>
                               </p:par>
                               <p:par>
-                                <p:cTn id="39" presetID="1" presetClass="exit" presetSubtype="0" fill="hold" nodeType="withEffect">
+                                <p:cTn id="33" presetID="1" presetClass="exit" presetSubtype="0" fill="hold" nodeType="withEffect">
+                                  <p:stCondLst>
+                                    <p:cond delay="0"/>
+                                  </p:stCondLst>
+                                  <p:childTnLst>
+                                    <p:set>
+                                      <p:cBhvr>
+                                        <p:cTn id="34" dur="1" fill="hold">
+                                          <p:stCondLst>
+                                            <p:cond delay="0"/>
+                                          </p:stCondLst>
+                                        </p:cTn>
+                                        <p:tgtEl>
+                                          <p:spTgt spid="405"/>
+                                        </p:tgtEl>
+                                        <p:attrNameLst>
+                                          <p:attrName>style.visibility</p:attrName>
+                                        </p:attrNameLst>
+                                      </p:cBhvr>
+                                      <p:to>
+                                        <p:strVal val="hidden"/>
+                                      </p:to>
+                                    </p:set>
+                                  </p:childTnLst>
+                                </p:cTn>
+                              </p:par>
+                            </p:childTnLst>
+                          </p:cTn>
+                        </p:par>
+                        <p:par>
+                          <p:cTn id="35" fill="hold">
+                            <p:stCondLst>
+                              <p:cond delay="1200"/>
+                            </p:stCondLst>
+                            <p:childTnLst>
+                              <p:par>
+                                <p:cTn id="36" presetID="1" presetClass="entr" presetSubtype="0" fill="hold" nodeType="afterEffect">
+                                  <p:stCondLst>
+                                    <p:cond delay="0"/>
+                                  </p:stCondLst>
+                                  <p:childTnLst>
+                                    <p:set>
+                                      <p:cBhvr>
+                                        <p:cTn id="37" dur="1" fill="hold">
+                                          <p:stCondLst>
+                                            <p:cond delay="0"/>
+                                          </p:stCondLst>
+                                        </p:cTn>
+                                        <p:tgtEl>
+                                          <p:spTgt spid="405"/>
+                                        </p:tgtEl>
+                                        <p:attrNameLst>
+                                          <p:attrName>style.visibility</p:attrName>
+                                        </p:attrNameLst>
+                                      </p:cBhvr>
+                                      <p:to>
+                                        <p:strVal val="visible"/>
+                                      </p:to>
+                                    </p:set>
+                                  </p:childTnLst>
+                                </p:cTn>
+                              </p:par>
+                            </p:childTnLst>
+                          </p:cTn>
+                        </p:par>
+                        <p:par>
+                          <p:cTn id="38" fill="hold">
+                            <p:stCondLst>
+                              <p:cond delay="1200"/>
+                            </p:stCondLst>
+                            <p:childTnLst>
+                              <p:par>
+                                <p:cTn id="39" presetID="1" presetClass="exit" presetSubtype="0" fill="hold" nodeType="afterEffect">
                                   <p:stCondLst>
                                     <p:cond delay="0"/>
                                   </p:stCondLst>
@@ -17374,30 +17684,25 @@
                                   </p:childTnLst>
                                 </p:cTn>
                               </p:par>
-                            </p:childTnLst>
-                          </p:cTn>
-                        </p:par>
-                        <p:par>
-                          <p:cTn id="41" fill="hold">
-                            <p:stCondLst>
-                              <p:cond delay="1200"/>
-                            </p:stCondLst>
-                            <p:childTnLst>
                               <p:par>
-                                <p:cTn id="42" presetID="1" presetClass="entr" presetSubtype="0" fill="hold" nodeType="afterEffect">
+                                <p:cTn id="41" presetID="1" presetClass="entr" presetSubtype="0" fill="hold" grpId="0" nodeType="withEffect">
                                   <p:stCondLst>
                                     <p:cond delay="0"/>
                                   </p:stCondLst>
                                   <p:childTnLst>
                                     <p:set>
                                       <p:cBhvr>
-                                        <p:cTn id="43" dur="1" fill="hold">
+                                        <p:cTn id="42" dur="1" fill="hold">
                                           <p:stCondLst>
                                             <p:cond delay="0"/>
                                           </p:stCondLst>
                                         </p:cTn>
                                         <p:tgtEl>
-                                          <p:spTgt spid="405"/>
+                                          <p:spTgt spid="411">
+                                            <p:txEl>
+                                              <p:pRg st="0" end="0"/>
+                                            </p:txEl>
+                                          </p:spTgt>
                                         </p:tgtEl>
                                         <p:attrNameLst>
                                           <p:attrName>style.visibility</p:attrName>
@@ -17410,17 +17715,39 @@
                                   </p:childTnLst>
                                 </p:cTn>
                               </p:par>
-                            </p:childTnLst>
-                          </p:cTn>
-                        </p:par>
-                        <p:par>
-                          <p:cTn id="44" fill="hold">
-                            <p:stCondLst>
-                              <p:cond delay="1200"/>
-                            </p:stCondLst>
-                            <p:childTnLst>
                               <p:par>
-                                <p:cTn id="45" presetID="1" presetClass="exit" presetSubtype="0" fill="hold" nodeType="afterEffect">
+                                <p:cTn id="43" presetID="1" presetClass="entr" presetSubtype="0" fill="hold" grpId="0" nodeType="withEffect">
+                                  <p:stCondLst>
+                                    <p:cond delay="0"/>
+                                  </p:stCondLst>
+                                  <p:childTnLst>
+                                    <p:set>
+                                      <p:cBhvr>
+                                        <p:cTn id="44" dur="1" fill="hold">
+                                          <p:stCondLst>
+                                            <p:cond delay="0"/>
+                                          </p:stCondLst>
+                                        </p:cTn>
+                                        <p:tgtEl>
+                                          <p:spTgt spid="411">
+                                            <p:txEl>
+                                              <p:pRg st="1" end="1"/>
+                                            </p:txEl>
+                                          </p:spTgt>
+                                        </p:tgtEl>
+                                        <p:attrNameLst>
+                                          <p:attrName>style.visibility</p:attrName>
+                                        </p:attrNameLst>
+                                      </p:cBhvr>
+                                      <p:to>
+                                        <p:strVal val="visible"/>
+                                      </p:to>
+                                    </p:set>
+                                  </p:childTnLst>
+                                </p:cTn>
+                              </p:par>
+                              <p:par>
+                                <p:cTn id="45" presetID="1" presetClass="entr" presetSubtype="0" fill="hold" grpId="0" nodeType="withEffect">
                                   <p:stCondLst>
                                     <p:cond delay="0"/>
                                   </p:stCondLst>
@@ -17433,14 +17760,18 @@
                                           </p:stCondLst>
                                         </p:cTn>
                                         <p:tgtEl>
-                                          <p:spTgt spid="405"/>
+                                          <p:spTgt spid="411">
+                                            <p:txEl>
+                                              <p:pRg st="2" end="2"/>
+                                            </p:txEl>
+                                          </p:spTgt>
                                         </p:tgtEl>
                                         <p:attrNameLst>
                                           <p:attrName>style.visibility</p:attrName>
                                         </p:attrNameLst>
                                       </p:cBhvr>
                                       <p:to>
-                                        <p:strVal val="hidden"/>
+                                        <p:strVal val="visible"/>
                                       </p:to>
                                     </p:set>
                                   </p:childTnLst>
@@ -17460,11 +17791,7 @@
                                           </p:stCondLst>
                                         </p:cTn>
                                         <p:tgtEl>
-                                          <p:spTgt spid="411">
-                                            <p:txEl>
-                                              <p:pRg st="0" end="0"/>
-                                            </p:txEl>
-                                          </p:spTgt>
+                                          <p:spTgt spid="412"/>
                                         </p:tgtEl>
                                         <p:attrNameLst>
                                           <p:attrName>style.visibility</p:attrName>
@@ -17491,95 +17818,6 @@
                                           </p:stCondLst>
                                         </p:cTn>
                                         <p:tgtEl>
-                                          <p:spTgt spid="411">
-                                            <p:txEl>
-                                              <p:pRg st="1" end="1"/>
-                                            </p:txEl>
-                                          </p:spTgt>
-                                        </p:tgtEl>
-                                        <p:attrNameLst>
-                                          <p:attrName>style.visibility</p:attrName>
-                                        </p:attrNameLst>
-                                      </p:cBhvr>
-                                      <p:to>
-                                        <p:strVal val="visible"/>
-                                      </p:to>
-                                    </p:set>
-                                  </p:childTnLst>
-                                </p:cTn>
-                              </p:par>
-                              <p:par>
-                                <p:cTn id="51" presetID="1" presetClass="entr" presetSubtype="0" fill="hold" grpId="0" nodeType="withEffect">
-                                  <p:stCondLst>
-                                    <p:cond delay="0"/>
-                                  </p:stCondLst>
-                                  <p:childTnLst>
-                                    <p:set>
-                                      <p:cBhvr>
-                                        <p:cTn id="52" dur="1" fill="hold">
-                                          <p:stCondLst>
-                                            <p:cond delay="0"/>
-                                          </p:stCondLst>
-                                        </p:cTn>
-                                        <p:tgtEl>
-                                          <p:spTgt spid="411">
-                                            <p:txEl>
-                                              <p:pRg st="2" end="2"/>
-                                            </p:txEl>
-                                          </p:spTgt>
-                                        </p:tgtEl>
-                                        <p:attrNameLst>
-                                          <p:attrName>style.visibility</p:attrName>
-                                        </p:attrNameLst>
-                                      </p:cBhvr>
-                                      <p:to>
-                                        <p:strVal val="visible"/>
-                                      </p:to>
-                                    </p:set>
-                                  </p:childTnLst>
-                                </p:cTn>
-                              </p:par>
-                              <p:par>
-                                <p:cTn id="53" presetID="1" presetClass="entr" presetSubtype="0" fill="hold" grpId="0" nodeType="withEffect">
-                                  <p:stCondLst>
-                                    <p:cond delay="0"/>
-                                  </p:stCondLst>
-                                  <p:childTnLst>
-                                    <p:set>
-                                      <p:cBhvr>
-                                        <p:cTn id="54" dur="1" fill="hold">
-                                          <p:stCondLst>
-                                            <p:cond delay="0"/>
-                                          </p:stCondLst>
-                                        </p:cTn>
-                                        <p:tgtEl>
-                                          <p:spTgt spid="412"/>
-                                        </p:tgtEl>
-                                        <p:attrNameLst>
-                                          <p:attrName>style.visibility</p:attrName>
-                                        </p:attrNameLst>
-                                      </p:cBhvr>
-                                      <p:to>
-                                        <p:strVal val="visible"/>
-                                      </p:to>
-                                    </p:set>
-                                  </p:childTnLst>
-                                </p:cTn>
-                              </p:par>
-                              <p:par>
-                                <p:cTn id="55" presetID="1" presetClass="entr" presetSubtype="0" fill="hold" grpId="0" nodeType="withEffect">
-                                  <p:stCondLst>
-                                    <p:cond delay="0"/>
-                                  </p:stCondLst>
-                                  <p:childTnLst>
-                                    <p:set>
-                                      <p:cBhvr>
-                                        <p:cTn id="56" dur="1" fill="hold">
-                                          <p:stCondLst>
-                                            <p:cond delay="0"/>
-                                          </p:stCondLst>
-                                        </p:cTn>
-                                        <p:tgtEl>
                                           <p:spTgt spid="413"/>
                                         </p:tgtEl>
                                         <p:attrNameLst>
@@ -17594,14 +17832,14 @@
                                 </p:cTn>
                               </p:par>
                               <p:par>
-                                <p:cTn id="57" presetID="1" presetClass="entr" presetSubtype="0" fill="hold" nodeType="withEffect">
+                                <p:cTn id="51" presetID="1" presetClass="entr" presetSubtype="0" fill="hold" nodeType="withEffect">
                                   <p:stCondLst>
                                     <p:cond delay="0"/>
                                   </p:stCondLst>
                                   <p:childTnLst>
                                     <p:set>
                                       <p:cBhvr>
-                                        <p:cTn id="58" dur="1" fill="hold">
+                                        <p:cTn id="52" dur="1" fill="hold">
                                           <p:stCondLst>
                                             <p:cond delay="0"/>
                                           </p:stCondLst>
@@ -17627,26 +17865,26 @@
                     </p:cTn>
                   </p:par>
                   <p:par>
-                    <p:cTn id="59" fill="hold">
+                    <p:cTn id="53" fill="hold">
                       <p:stCondLst>
                         <p:cond delay="indefinite"/>
                       </p:stCondLst>
                       <p:childTnLst>
                         <p:par>
-                          <p:cTn id="60" fill="hold">
+                          <p:cTn id="54" fill="hold">
                             <p:stCondLst>
                               <p:cond delay="0"/>
                             </p:stCondLst>
                             <p:childTnLst>
                               <p:par>
-                                <p:cTn id="61" presetID="1" presetClass="entr" presetSubtype="0" fill="hold" grpId="0" nodeType="clickEffect">
+                                <p:cTn id="55" presetID="1" presetClass="entr" presetSubtype="0" fill="hold" grpId="0" nodeType="clickEffect">
                                   <p:stCondLst>
                                     <p:cond delay="0"/>
                                   </p:stCondLst>
                                   <p:childTnLst>
                                     <p:set>
                                       <p:cBhvr>
-                                        <p:cTn id="62" dur="1" fill="hold">
+                                        <p:cTn id="56" dur="1" fill="hold">
                                           <p:stCondLst>
                                             <p:cond delay="0"/>
                                           </p:stCondLst>
@@ -17666,14 +17904,14 @@
                                 </p:cTn>
                               </p:par>
                               <p:par>
-                                <p:cTn id="63" presetID="1" presetClass="exit" presetSubtype="0" fill="hold" nodeType="withEffect">
+                                <p:cTn id="57" presetID="1" presetClass="exit" presetSubtype="0" fill="hold" nodeType="withEffect">
                                   <p:stCondLst>
                                     <p:cond delay="0"/>
                                   </p:stCondLst>
                                   <p:childTnLst>
                                     <p:set>
                                       <p:cBhvr>
-                                        <p:cTn id="64" dur="1" fill="hold">
+                                        <p:cTn id="58" dur="1" fill="hold">
                                           <p:stCondLst>
                                             <p:cond delay="0"/>
                                           </p:stCondLst>
@@ -17687,6 +17925,78 @@
                                       </p:cBhvr>
                                       <p:to>
                                         <p:strVal val="hidden"/>
+                                      </p:to>
+                                    </p:set>
+                                  </p:childTnLst>
+                                </p:cTn>
+                              </p:par>
+                            </p:childTnLst>
+                          </p:cTn>
+                        </p:par>
+                      </p:childTnLst>
+                    </p:cTn>
+                  </p:par>
+                  <p:par>
+                    <p:cTn id="59" fill="hold">
+                      <p:stCondLst>
+                        <p:cond delay="indefinite"/>
+                      </p:stCondLst>
+                      <p:childTnLst>
+                        <p:par>
+                          <p:cTn id="60" fill="hold">
+                            <p:stCondLst>
+                              <p:cond delay="0"/>
+                            </p:stCondLst>
+                            <p:childTnLst>
+                              <p:par>
+                                <p:cTn id="61" presetID="1" presetClass="entr" presetSubtype="0" fill="hold" nodeType="clickEffect">
+                                  <p:stCondLst>
+                                    <p:cond delay="0"/>
+                                  </p:stCondLst>
+                                  <p:childTnLst>
+                                    <p:set>
+                                      <p:cBhvr>
+                                        <p:cTn id="62" dur="1" fill="hold">
+                                          <p:stCondLst>
+                                            <p:cond delay="0"/>
+                                          </p:stCondLst>
+                                        </p:cTn>
+                                        <p:tgtEl>
+                                          <p:spTgt spid="110"/>
+                                        </p:tgtEl>
+                                        <p:attrNameLst>
+                                          <p:attrName>style.visibility</p:attrName>
+                                        </p:attrNameLst>
+                                      </p:cBhvr>
+                                      <p:to>
+                                        <p:strVal val="visible"/>
+                                      </p:to>
+                                    </p:set>
+                                  </p:childTnLst>
+                                </p:cTn>
+                              </p:par>
+                              <p:par>
+                                <p:cTn id="63" presetID="1" presetClass="entr" presetSubtype="0" fill="hold" nodeType="withEffect">
+                                  <p:stCondLst>
+                                    <p:cond delay="0"/>
+                                  </p:stCondLst>
+                                  <p:childTnLst>
+                                    <p:set>
+                                      <p:cBhvr>
+                                        <p:cTn id="64" dur="1" fill="hold">
+                                          <p:stCondLst>
+                                            <p:cond delay="0"/>
+                                          </p:stCondLst>
+                                        </p:cTn>
+                                        <p:tgtEl>
+                                          <p:spTgt spid="115"/>
+                                        </p:tgtEl>
+                                        <p:attrNameLst>
+                                          <p:attrName>style.visibility</p:attrName>
+                                        </p:attrNameLst>
+                                      </p:cBhvr>
+                                      <p:to>
+                                        <p:strVal val="visible"/>
                                       </p:to>
                                     </p:set>
                                   </p:childTnLst>
